--- a/Desenvolvimento para Dispositivos Móveis I/Aula_Disp_Móveis.pptx
+++ b/Desenvolvimento para Dispositivos Móveis I/Aula_Disp_Móveis.pptx
@@ -5,10 +5,10 @@
     <p:sldMasterId id="2147483735" r:id="rId1"/>
   </p:sldMasterIdLst>
   <p:notesMasterIdLst>
-    <p:notesMasterId r:id="rId13"/>
+    <p:notesMasterId r:id="rId26"/>
   </p:notesMasterIdLst>
   <p:handoutMasterIdLst>
-    <p:handoutMasterId r:id="rId14"/>
+    <p:handoutMasterId r:id="rId27"/>
   </p:handoutMasterIdLst>
   <p:sldIdLst>
     <p:sldId id="256" r:id="rId2"/>
@@ -21,10 +21,23 @@
     <p:sldId id="339" r:id="rId9"/>
     <p:sldId id="341" r:id="rId10"/>
     <p:sldId id="342" r:id="rId11"/>
-    <p:sldId id="307" r:id="rId12"/>
+    <p:sldId id="343" r:id="rId12"/>
+    <p:sldId id="344" r:id="rId13"/>
+    <p:sldId id="345" r:id="rId14"/>
+    <p:sldId id="346" r:id="rId15"/>
+    <p:sldId id="347" r:id="rId16"/>
+    <p:sldId id="348" r:id="rId17"/>
+    <p:sldId id="349" r:id="rId18"/>
+    <p:sldId id="350" r:id="rId19"/>
+    <p:sldId id="351" r:id="rId20"/>
+    <p:sldId id="352" r:id="rId21"/>
+    <p:sldId id="353" r:id="rId22"/>
+    <p:sldId id="354" r:id="rId23"/>
+    <p:sldId id="355" r:id="rId24"/>
+    <p:sldId id="307" r:id="rId25"/>
   </p:sldIdLst>
   <p:sldSz cx="9144000" cy="6858000" type="screen4x3"/>
-  <p:notesSz cx="6851650" cy="9747250"/>
+  <p:notesSz cx="9747250" cy="6851650"/>
   <p:defaultTextStyle>
     <a:defPPr>
       <a:defRPr lang="en-US"/>
@@ -221,8 +234,8 @@
         </p:nvSpPr>
         <p:spPr bwMode="auto">
           <a:xfrm>
-            <a:off x="0" y="0"/>
-            <a:ext cx="2968625" cy="487363"/>
+            <a:off x="1" y="0"/>
+            <a:ext cx="4223206" cy="342583"/>
           </a:xfrm>
           <a:prstGeom prst="rect">
             <a:avLst/>
@@ -264,8 +277,8 @@
         </p:nvSpPr>
         <p:spPr bwMode="auto">
           <a:xfrm>
-            <a:off x="3881438" y="0"/>
-            <a:ext cx="2968625" cy="487363"/>
+            <a:off x="5521787" y="0"/>
+            <a:ext cx="4223206" cy="342583"/>
           </a:xfrm>
           <a:prstGeom prst="rect">
             <a:avLst/>
@@ -307,8 +320,8 @@
         </p:nvSpPr>
         <p:spPr bwMode="auto">
           <a:xfrm>
-            <a:off x="0" y="9258300"/>
-            <a:ext cx="2968625" cy="487363"/>
+            <a:off x="1" y="6507952"/>
+            <a:ext cx="4223206" cy="342583"/>
           </a:xfrm>
           <a:prstGeom prst="rect">
             <a:avLst/>
@@ -350,8 +363,8 @@
         </p:nvSpPr>
         <p:spPr bwMode="auto">
           <a:xfrm>
-            <a:off x="3881438" y="9258300"/>
-            <a:ext cx="2968625" cy="487363"/>
+            <a:off x="5521787" y="6507952"/>
+            <a:ext cx="4223206" cy="342583"/>
           </a:xfrm>
           <a:prstGeom prst="rect">
             <a:avLst/>
@@ -434,8 +447,8 @@
         </p:nvSpPr>
         <p:spPr bwMode="auto">
           <a:xfrm>
-            <a:off x="0" y="0"/>
-            <a:ext cx="2968625" cy="487363"/>
+            <a:off x="1" y="0"/>
+            <a:ext cx="4223206" cy="342583"/>
           </a:xfrm>
           <a:prstGeom prst="rect">
             <a:avLst/>
@@ -477,8 +490,8 @@
         </p:nvSpPr>
         <p:spPr bwMode="auto">
           <a:xfrm>
-            <a:off x="3881438" y="0"/>
-            <a:ext cx="2968625" cy="487363"/>
+            <a:off x="5521787" y="0"/>
+            <a:ext cx="4223206" cy="342583"/>
           </a:xfrm>
           <a:prstGeom prst="rect">
             <a:avLst/>
@@ -520,8 +533,8 @@
         </p:nvSpPr>
         <p:spPr bwMode="auto">
           <a:xfrm>
-            <a:off x="987425" y="730250"/>
-            <a:ext cx="4876800" cy="3656013"/>
+            <a:off x="3160713" y="512763"/>
+            <a:ext cx="3425825" cy="2570162"/>
           </a:xfrm>
           <a:prstGeom prst="rect">
             <a:avLst/>
@@ -550,8 +563,8 @@
         </p:nvSpPr>
         <p:spPr bwMode="auto">
           <a:xfrm>
-            <a:off x="685800" y="4629150"/>
-            <a:ext cx="5480050" cy="4386263"/>
+            <a:off x="975629" y="3253976"/>
+            <a:ext cx="7795993" cy="3083243"/>
           </a:xfrm>
           <a:prstGeom prst="rect">
             <a:avLst/>
@@ -621,8 +634,8 @@
         </p:nvSpPr>
         <p:spPr bwMode="auto">
           <a:xfrm>
-            <a:off x="0" y="9258300"/>
-            <a:ext cx="2968625" cy="487363"/>
+            <a:off x="1" y="6507952"/>
+            <a:ext cx="4223206" cy="342583"/>
           </a:xfrm>
           <a:prstGeom prst="rect">
             <a:avLst/>
@@ -664,8 +677,8 @@
         </p:nvSpPr>
         <p:spPr bwMode="auto">
           <a:xfrm>
-            <a:off x="3881438" y="9258300"/>
-            <a:ext cx="2968625" cy="487363"/>
+            <a:off x="5521787" y="6507952"/>
+            <a:ext cx="4223206" cy="342583"/>
           </a:xfrm>
           <a:prstGeom prst="rect">
             <a:avLst/>
@@ -862,8 +875,8 @@
         </p:nvSpPr>
         <p:spPr>
           <a:xfrm>
-            <a:off x="989013" y="730250"/>
-            <a:ext cx="4873625" cy="3656013"/>
+            <a:off x="3160713" y="512763"/>
+            <a:ext cx="3425825" cy="2570162"/>
           </a:xfrm>
         </p:spPr>
       </p:sp>
@@ -9585,262 +9598,9 @@
       </p:grpSpPr>
       <p:sp>
         <p:nvSpPr>
-          <p:cNvPr id="7" name="Título 6"/>
+          <p:cNvPr id="8" name="Espaço Reservado para Texto 7"/>
           <p:cNvSpPr>
             <a:spLocks noGrp="1"/>
-          </p:cNvSpPr>
-          <p:nvPr>
-            <p:ph type="title"/>
-          </p:nvPr>
-        </p:nvSpPr>
-        <p:spPr>
-          <a:xfrm>
-            <a:off x="722312" y="1500174"/>
-            <a:ext cx="8207405" cy="5143536"/>
-          </a:xfrm>
-        </p:spPr>
-        <p:txBody>
-          <a:bodyPr/>
-          <a:lstStyle/>
-          <a:p>
-            <a:r>
-              <a:rPr lang="pt-BR" sz="1600" dirty="0">
-                <a:latin typeface="Tahoma" pitchFamily="34" charset="0"/>
-                <a:ea typeface="Tahoma" pitchFamily="34" charset="0"/>
-                <a:cs typeface="Tahoma" pitchFamily="34" charset="0"/>
-              </a:rPr>
-              <a:t> </a:t>
-            </a:r>
-            <a:br>
-              <a:rPr lang="pt-BR" sz="1600" dirty="0">
-                <a:latin typeface="Tahoma" pitchFamily="34" charset="0"/>
-                <a:ea typeface="Tahoma" pitchFamily="34" charset="0"/>
-                <a:cs typeface="Tahoma" pitchFamily="34" charset="0"/>
-              </a:rPr>
-            </a:br>
-            <a:r>
-              <a:rPr lang="pt-BR" sz="1600" dirty="0" smtClean="0">
-                <a:latin typeface="Tahoma" pitchFamily="34" charset="0"/>
-                <a:ea typeface="Tahoma" pitchFamily="34" charset="0"/>
-                <a:cs typeface="Tahoma" pitchFamily="34" charset="0"/>
-              </a:rPr>
-              <a:t>DARCEY, Lauren. </a:t>
-            </a:r>
-            <a:r>
-              <a:rPr lang="pt-BR" sz="1600" dirty="0" smtClean="0">
-                <a:latin typeface="Tahoma" pitchFamily="34" charset="0"/>
-                <a:ea typeface="Tahoma" pitchFamily="34" charset="0"/>
-                <a:cs typeface="Tahoma" pitchFamily="34" charset="0"/>
-              </a:rPr>
-              <a:t>CONDER, </a:t>
-            </a:r>
-            <a:r>
-              <a:rPr lang="pt-BR" sz="1600" dirty="0" err="1" smtClean="0">
-                <a:latin typeface="Tahoma" pitchFamily="34" charset="0"/>
-                <a:ea typeface="Tahoma" pitchFamily="34" charset="0"/>
-                <a:cs typeface="Tahoma" pitchFamily="34" charset="0"/>
-              </a:rPr>
-              <a:t>Shane</a:t>
-            </a:r>
-            <a:r>
-              <a:rPr lang="pt-BR" sz="1600" dirty="0" smtClean="0">
-                <a:latin typeface="Tahoma" pitchFamily="34" charset="0"/>
-                <a:ea typeface="Tahoma" pitchFamily="34" charset="0"/>
-                <a:cs typeface="Tahoma" pitchFamily="34" charset="0"/>
-              </a:rPr>
-              <a:t>. </a:t>
-            </a:r>
-            <a:r>
-              <a:rPr lang="pt-BR" sz="1600" b="1" dirty="0" smtClean="0">
-                <a:latin typeface="Tahoma" pitchFamily="34" charset="0"/>
-                <a:ea typeface="Tahoma" pitchFamily="34" charset="0"/>
-                <a:cs typeface="Tahoma" pitchFamily="34" charset="0"/>
-              </a:rPr>
-              <a:t>Desenvolvimento de Aplicativos Wireless para </a:t>
-            </a:r>
-            <a:r>
-              <a:rPr lang="pt-BR" sz="1600" b="1" dirty="0" err="1" smtClean="0">
-                <a:latin typeface="Tahoma" pitchFamily="34" charset="0"/>
-                <a:ea typeface="Tahoma" pitchFamily="34" charset="0"/>
-                <a:cs typeface="Tahoma" pitchFamily="34" charset="0"/>
-              </a:rPr>
-              <a:t>Androi</a:t>
-            </a:r>
-            <a:r>
-              <a:rPr lang="pt-BR" sz="1600" b="1" dirty="0" smtClean="0">
-                <a:latin typeface="Tahoma" pitchFamily="34" charset="0"/>
-                <a:ea typeface="Tahoma" pitchFamily="34" charset="0"/>
-                <a:cs typeface="Tahoma" pitchFamily="34" charset="0"/>
-              </a:rPr>
-              <a:t>. </a:t>
-            </a:r>
-            <a:r>
-              <a:rPr lang="pt-BR" sz="1600" dirty="0" smtClean="0">
-                <a:latin typeface="Tahoma" pitchFamily="34" charset="0"/>
-                <a:ea typeface="Tahoma" pitchFamily="34" charset="0"/>
-                <a:cs typeface="Tahoma" pitchFamily="34" charset="0"/>
-              </a:rPr>
-              <a:t>Rio de janeiro: Moderna, 2012</a:t>
-            </a:r>
-            <a:br>
-              <a:rPr lang="pt-BR" sz="1600" dirty="0" smtClean="0">
-                <a:latin typeface="Tahoma" pitchFamily="34" charset="0"/>
-                <a:ea typeface="Tahoma" pitchFamily="34" charset="0"/>
-                <a:cs typeface="Tahoma" pitchFamily="34" charset="0"/>
-              </a:rPr>
-            </a:br>
-            <a:r>
-              <a:rPr lang="pt-BR" sz="1600" dirty="0" smtClean="0">
-                <a:latin typeface="Tahoma" pitchFamily="34" charset="0"/>
-                <a:ea typeface="Tahoma" pitchFamily="34" charset="0"/>
-                <a:cs typeface="Tahoma" pitchFamily="34" charset="0"/>
-              </a:rPr>
-              <a:t/>
-            </a:r>
-            <a:br>
-              <a:rPr lang="pt-BR" sz="1600" dirty="0" smtClean="0">
-                <a:latin typeface="Tahoma" pitchFamily="34" charset="0"/>
-                <a:ea typeface="Tahoma" pitchFamily="34" charset="0"/>
-                <a:cs typeface="Tahoma" pitchFamily="34" charset="0"/>
-              </a:rPr>
-            </a:br>
-            <a:r>
-              <a:rPr lang="pt-BR" sz="1600" dirty="0" smtClean="0">
-                <a:latin typeface="Tahoma" pitchFamily="34" charset="0"/>
-                <a:ea typeface="Tahoma" pitchFamily="34" charset="0"/>
-                <a:cs typeface="Tahoma" pitchFamily="34" charset="0"/>
-              </a:rPr>
-              <a:t>TAURION, Cezar. </a:t>
-            </a:r>
-            <a:r>
-              <a:rPr lang="pt-BR" sz="1600" b="1" dirty="0" smtClean="0">
-                <a:latin typeface="Tahoma" pitchFamily="34" charset="0"/>
-                <a:ea typeface="Tahoma" pitchFamily="34" charset="0"/>
-                <a:cs typeface="Tahoma" pitchFamily="34" charset="0"/>
-              </a:rPr>
-              <a:t>Software embarcado: oportunidades e potencial de mercado. </a:t>
-            </a:r>
-            <a:r>
-              <a:rPr lang="pt-BR" sz="1600" dirty="0" smtClean="0">
-                <a:latin typeface="Tahoma" pitchFamily="34" charset="0"/>
-                <a:ea typeface="Tahoma" pitchFamily="34" charset="0"/>
-                <a:cs typeface="Tahoma" pitchFamily="34" charset="0"/>
-              </a:rPr>
-              <a:t>Rio de Janeiro: </a:t>
-            </a:r>
-            <a:r>
-              <a:rPr lang="pt-BR" sz="1600" dirty="0" err="1" smtClean="0">
-                <a:latin typeface="Tahoma" pitchFamily="34" charset="0"/>
-                <a:ea typeface="Tahoma" pitchFamily="34" charset="0"/>
-                <a:cs typeface="Tahoma" pitchFamily="34" charset="0"/>
-              </a:rPr>
-              <a:t>Brasport</a:t>
-            </a:r>
-            <a:r>
-              <a:rPr lang="pt-BR" sz="1600" dirty="0" smtClean="0">
-                <a:latin typeface="Tahoma" pitchFamily="34" charset="0"/>
-                <a:ea typeface="Tahoma" pitchFamily="34" charset="0"/>
-                <a:cs typeface="Tahoma" pitchFamily="34" charset="0"/>
-              </a:rPr>
-              <a:t>, 2005.</a:t>
-            </a:r>
-            <a:br>
-              <a:rPr lang="pt-BR" sz="1600" dirty="0" smtClean="0">
-                <a:latin typeface="Tahoma" pitchFamily="34" charset="0"/>
-                <a:ea typeface="Tahoma" pitchFamily="34" charset="0"/>
-                <a:cs typeface="Tahoma" pitchFamily="34" charset="0"/>
-              </a:rPr>
-            </a:br>
-            <a:r>
-              <a:rPr lang="pt-BR" sz="1600" dirty="0">
-                <a:latin typeface="Tahoma" pitchFamily="34" charset="0"/>
-                <a:ea typeface="Tahoma" pitchFamily="34" charset="0"/>
-                <a:cs typeface="Tahoma" pitchFamily="34" charset="0"/>
-              </a:rPr>
-              <a:t> </a:t>
-            </a:r>
-            <a:br>
-              <a:rPr lang="pt-BR" sz="1600" dirty="0">
-                <a:latin typeface="Tahoma" pitchFamily="34" charset="0"/>
-                <a:ea typeface="Tahoma" pitchFamily="34" charset="0"/>
-                <a:cs typeface="Tahoma" pitchFamily="34" charset="0"/>
-              </a:rPr>
-            </a:br>
-            <a:r>
-              <a:rPr lang="pt-BR" sz="1400" u="sng" smtClean="0">
-                <a:latin typeface="Tahoma" pitchFamily="34" charset="0"/>
-                <a:ea typeface="Tahoma" pitchFamily="34" charset="0"/>
-                <a:cs typeface="Tahoma" pitchFamily="34" charset="0"/>
-              </a:rPr>
-              <a:t>https</a:t>
-            </a:r>
-            <a:r>
-              <a:rPr lang="pt-BR" sz="1400" u="sng" smtClean="0">
-                <a:latin typeface="Tahoma" pitchFamily="34" charset="0"/>
-                <a:ea typeface="Tahoma" pitchFamily="34" charset="0"/>
-                <a:cs typeface="Tahoma" pitchFamily="34" charset="0"/>
-              </a:rPr>
-              <a:t>://www.embarcados.com.br</a:t>
-            </a:r>
-            <a:r>
-              <a:rPr lang="pt-BR" sz="1400" dirty="0">
-                <a:latin typeface="Tahoma" pitchFamily="34" charset="0"/>
-                <a:ea typeface="Tahoma" pitchFamily="34" charset="0"/>
-                <a:cs typeface="Tahoma" pitchFamily="34" charset="0"/>
-              </a:rPr>
-              <a:t/>
-            </a:r>
-            <a:br>
-              <a:rPr lang="pt-BR" sz="1400" dirty="0">
-                <a:latin typeface="Tahoma" pitchFamily="34" charset="0"/>
-                <a:ea typeface="Tahoma" pitchFamily="34" charset="0"/>
-                <a:cs typeface="Tahoma" pitchFamily="34" charset="0"/>
-              </a:rPr>
-            </a:br>
-            <a:r>
-              <a:rPr lang="pt-BR" sz="1600" b="0" dirty="0" smtClean="0">
-                <a:latin typeface="Tahoma" pitchFamily="34" charset="0"/>
-                <a:ea typeface="Tahoma" pitchFamily="34" charset="0"/>
-                <a:cs typeface="Tahoma" pitchFamily="34" charset="0"/>
-              </a:rPr>
-              <a:t/>
-            </a:r>
-            <a:br>
-              <a:rPr lang="pt-BR" sz="1600" b="0" dirty="0" smtClean="0">
-                <a:latin typeface="Tahoma" pitchFamily="34" charset="0"/>
-                <a:ea typeface="Tahoma" pitchFamily="34" charset="0"/>
-                <a:cs typeface="Tahoma" pitchFamily="34" charset="0"/>
-              </a:rPr>
-            </a:br>
-            <a:r>
-              <a:rPr lang="pt-BR" sz="1600" b="0" dirty="0" smtClean="0">
-                <a:latin typeface="Tahoma" pitchFamily="34" charset="0"/>
-                <a:ea typeface="Tahoma" pitchFamily="34" charset="0"/>
-                <a:cs typeface="Tahoma" pitchFamily="34" charset="0"/>
-              </a:rPr>
-              <a:t>		</a:t>
-            </a:r>
-            <a:r>
-              <a:rPr lang="pt-BR" sz="1800" b="0" dirty="0" smtClean="0">
-                <a:latin typeface="Tahoma" pitchFamily="34" charset="0"/>
-                <a:ea typeface="Tahoma" pitchFamily="34" charset="0"/>
-                <a:cs typeface="Tahoma" pitchFamily="34" charset="0"/>
-              </a:rPr>
-              <a:t>	</a:t>
-            </a:r>
-            <a:endParaRPr lang="pt-BR" sz="1800" b="0" dirty="0">
-              <a:latin typeface="Tahoma" pitchFamily="34" charset="0"/>
-              <a:ea typeface="Tahoma" pitchFamily="34" charset="0"/>
-              <a:cs typeface="Tahoma" pitchFamily="34" charset="0"/>
-            </a:endParaRPr>
-          </a:p>
-        </p:txBody>
-      </p:sp>
-      <p:sp>
-        <p:nvSpPr>
-          <p:cNvPr id="4" name="Rectangle 2"/>
-          <p:cNvSpPr>
-            <a:spLocks noGrp="1" noChangeArrowheads="1"/>
           </p:cNvSpPr>
           <p:nvPr>
             <p:ph type="body" idx="1"/>
@@ -9848,43 +9608,194 @@
         </p:nvSpPr>
         <p:spPr>
           <a:xfrm>
-            <a:off x="642938" y="0"/>
-            <a:ext cx="7772400" cy="1500188"/>
+            <a:off x="642910" y="0"/>
+            <a:ext cx="7772400" cy="1500187"/>
           </a:xfrm>
-          <a:solidFill>
-            <a:schemeClr val="bg1"/>
-          </a:solidFill>
         </p:spPr>
         <p:txBody>
-          <a:bodyPr/>
+          <a:bodyPr>
+            <a:normAutofit/>
+          </a:bodyPr>
           <a:lstStyle/>
           <a:p>
             <a:r>
-              <a:rPr lang="en-US" sz="4400" b="1" dirty="0" smtClean="0">
-                <a:solidFill>
-                  <a:schemeClr val="hlink"/>
-                </a:solidFill>
-                <a:latin typeface="Tahoma" pitchFamily="34" charset="0"/>
-                <a:ea typeface="Tahoma" pitchFamily="34" charset="0"/>
-                <a:cs typeface="Tahoma" pitchFamily="34" charset="0"/>
-              </a:rPr>
-              <a:t>REFERÊNCIAS</a:t>
-            </a:r>
-            <a:endParaRPr lang="pt-PT" sz="4400" b="1" dirty="0">
-              <a:solidFill>
-                <a:schemeClr val="hlink"/>
-              </a:solidFill>
-              <a:latin typeface="Tahoma" pitchFamily="34" charset="0"/>
-              <a:ea typeface="Tahoma" pitchFamily="34" charset="0"/>
-              <a:cs typeface="Tahoma" pitchFamily="34" charset="0"/>
-            </a:endParaRPr>
+              <a:rPr lang="pt-BR" sz="2400" dirty="0" smtClean="0"/>
+              <a:t>Linguagens e ferramentas para desenvolvimento de aplicações para dispositivos móveis</a:t>
+            </a:r>
+          </a:p>
+          <a:p>
+            <a:r>
+              <a:rPr lang="pt-BR" sz="2400" b="1" dirty="0" smtClean="0"/>
+              <a:t>Linguagens</a:t>
+            </a:r>
+            <a:endParaRPr lang="pt-BR" sz="2400" b="1" dirty="0"/>
+          </a:p>
+        </p:txBody>
+      </p:sp>
+      <p:sp>
+        <p:nvSpPr>
+          <p:cNvPr id="4" name="CaixaDeTexto 3"/>
+          <p:cNvSpPr txBox="1"/>
+          <p:nvPr/>
+        </p:nvSpPr>
+        <p:spPr>
+          <a:xfrm>
+            <a:off x="899592" y="1772816"/>
+            <a:ext cx="7515718" cy="1477328"/>
+          </a:xfrm>
+          <a:prstGeom prst="rect">
+            <a:avLst/>
+          </a:prstGeom>
+          <a:noFill/>
+        </p:spPr>
+        <p:txBody>
+          <a:bodyPr wrap="square" rtlCol="0">
+            <a:spAutoFit/>
+          </a:bodyPr>
+          <a:lstStyle/>
+          <a:p>
+            <a:pPr algn="just"/>
+            <a:r>
+              <a:rPr lang="pt-BR" b="1" dirty="0" smtClean="0"/>
+              <a:t>C++</a:t>
+            </a:r>
+          </a:p>
+          <a:p>
+            <a:pPr marL="285750" indent="-285750" algn="just">
+              <a:buFont typeface="Arial" panose="020B0604020202020204" pitchFamily="34" charset="0"/>
+              <a:buChar char="•"/>
+            </a:pPr>
+            <a:r>
+              <a:rPr lang="pt-BR" dirty="0" smtClean="0"/>
+              <a:t>É uma das mais populares;</a:t>
+            </a:r>
+          </a:p>
+          <a:p>
+            <a:pPr marL="285750" indent="-285750" algn="just">
+              <a:buFont typeface="Arial" panose="020B0604020202020204" pitchFamily="34" charset="0"/>
+              <a:buChar char="•"/>
+            </a:pPr>
+            <a:r>
+              <a:rPr lang="pt-BR" dirty="0" smtClean="0"/>
+              <a:t>Devido ao fácil manuseio e pluralidade de plataformas;</a:t>
+            </a:r>
+          </a:p>
+          <a:p>
+            <a:pPr marL="285750" indent="-285750" algn="just">
+              <a:buFont typeface="Arial" panose="020B0604020202020204" pitchFamily="34" charset="0"/>
+              <a:buChar char="•"/>
+            </a:pPr>
+            <a:r>
+              <a:rPr lang="pt-BR" dirty="0" smtClean="0"/>
+              <a:t>Linguagem base para softwares grandiosos como: </a:t>
+            </a:r>
+            <a:r>
+              <a:rPr lang="pt-BR" dirty="0" err="1" smtClean="0"/>
+              <a:t>photoshop</a:t>
+            </a:r>
+            <a:r>
+              <a:rPr lang="pt-BR" dirty="0" smtClean="0"/>
+              <a:t>, </a:t>
+            </a:r>
+            <a:r>
+              <a:rPr lang="pt-BR" dirty="0" err="1" smtClean="0"/>
+              <a:t>illustrator</a:t>
+            </a:r>
+            <a:r>
+              <a:rPr lang="pt-BR" dirty="0" smtClean="0"/>
+              <a:t>, Firefox e office.</a:t>
+            </a:r>
+          </a:p>
+        </p:txBody>
+      </p:sp>
+      <p:sp>
+        <p:nvSpPr>
+          <p:cNvPr id="6" name="CaixaDeTexto 5"/>
+          <p:cNvSpPr txBox="1"/>
+          <p:nvPr/>
+        </p:nvSpPr>
+        <p:spPr>
+          <a:xfrm>
+            <a:off x="899592" y="3933056"/>
+            <a:ext cx="7515718" cy="1200329"/>
+          </a:xfrm>
+          <a:prstGeom prst="rect">
+            <a:avLst/>
+          </a:prstGeom>
+          <a:noFill/>
+        </p:spPr>
+        <p:txBody>
+          <a:bodyPr wrap="square" rtlCol="0">
+            <a:spAutoFit/>
+          </a:bodyPr>
+          <a:lstStyle/>
+          <a:p>
+            <a:pPr algn="just"/>
+            <a:r>
+              <a:rPr lang="pt-BR" b="1" dirty="0" smtClean="0"/>
+              <a:t>Python</a:t>
+            </a:r>
+          </a:p>
+          <a:p>
+            <a:pPr marL="285750" indent="-285750" algn="just">
+              <a:buFont typeface="Arial" panose="020B0604020202020204" pitchFamily="34" charset="0"/>
+              <a:buChar char="•"/>
+            </a:pPr>
+            <a:r>
+              <a:rPr lang="pt-BR" dirty="0" smtClean="0"/>
+              <a:t>Sintaxe clara e didática (iniciantes);</a:t>
+            </a:r>
+          </a:p>
+          <a:p>
+            <a:pPr marL="285750" indent="-285750" algn="just">
+              <a:buFont typeface="Arial" panose="020B0604020202020204" pitchFamily="34" charset="0"/>
+              <a:buChar char="•"/>
+            </a:pPr>
+            <a:r>
+              <a:rPr lang="pt-BR" dirty="0" smtClean="0"/>
+              <a:t>Robusta;</a:t>
+            </a:r>
+          </a:p>
+          <a:p>
+            <a:pPr marL="285750" indent="-285750" algn="just">
+              <a:buFont typeface="Arial" panose="020B0604020202020204" pitchFamily="34" charset="0"/>
+              <a:buChar char="•"/>
+            </a:pPr>
+            <a:r>
+              <a:rPr lang="pt-BR" dirty="0" smtClean="0"/>
+              <a:t>Presente em </a:t>
+            </a:r>
+            <a:r>
+              <a:rPr lang="pt-BR" dirty="0" err="1" smtClean="0"/>
+              <a:t>app’s</a:t>
+            </a:r>
+            <a:r>
+              <a:rPr lang="pt-BR" dirty="0" smtClean="0"/>
+              <a:t> (</a:t>
+            </a:r>
+            <a:r>
+              <a:rPr lang="pt-BR" dirty="0" err="1" smtClean="0"/>
+              <a:t>instagram</a:t>
+            </a:r>
+            <a:r>
+              <a:rPr lang="pt-BR" dirty="0" smtClean="0"/>
+              <a:t>, </a:t>
+            </a:r>
+            <a:r>
+              <a:rPr lang="pt-BR" dirty="0" err="1" smtClean="0"/>
+              <a:t>pinterest</a:t>
+            </a:r>
+            <a:r>
+              <a:rPr lang="pt-BR" dirty="0" smtClean="0"/>
+              <a:t>);</a:t>
+            </a:r>
           </a:p>
         </p:txBody>
       </p:sp>
     </p:spTree>
     <p:extLst>
       <p:ext uri="{BB962C8B-B14F-4D97-AF65-F5344CB8AC3E}">
-        <p14:creationId xmlns:p14="http://schemas.microsoft.com/office/powerpoint/2010/main" val="1425152551"/>
+        <p14:creationId xmlns:p14="http://schemas.microsoft.com/office/powerpoint/2010/main" val="3262108493"/>
       </p:ext>
     </p:extLst>
   </p:cSld>
@@ -9902,9 +9813,5574 @@
   <p:timing>
     <p:tnLst>
       <p:par>
-        <p:cTn id="1" dur="indefinite" restart="never" nodeType="tmRoot"/>
+        <p:cTn id="1" dur="indefinite" restart="never" nodeType="tmRoot">
+          <p:childTnLst>
+            <p:seq concurrent="1" nextAc="seek">
+              <p:cTn id="2" dur="indefinite" nodeType="mainSeq">
+                <p:childTnLst>
+                  <p:par>
+                    <p:cTn id="3" fill="hold">
+                      <p:stCondLst>
+                        <p:cond delay="indefinite"/>
+                      </p:stCondLst>
+                      <p:childTnLst>
+                        <p:par>
+                          <p:cTn id="4" fill="hold">
+                            <p:stCondLst>
+                              <p:cond delay="0"/>
+                            </p:stCondLst>
+                            <p:childTnLst>
+                              <p:par>
+                                <p:cTn id="5" presetID="53" presetClass="entr" presetSubtype="16" fill="hold" grpId="0" nodeType="clickEffect">
+                                  <p:stCondLst>
+                                    <p:cond delay="0"/>
+                                  </p:stCondLst>
+                                  <p:childTnLst>
+                                    <p:set>
+                                      <p:cBhvr>
+                                        <p:cTn id="6" dur="1" fill="hold">
+                                          <p:stCondLst>
+                                            <p:cond delay="0"/>
+                                          </p:stCondLst>
+                                        </p:cTn>
+                                        <p:tgtEl>
+                                          <p:spTgt spid="8">
+                                            <p:txEl>
+                                              <p:pRg st="0" end="0"/>
+                                            </p:txEl>
+                                          </p:spTgt>
+                                        </p:tgtEl>
+                                        <p:attrNameLst>
+                                          <p:attrName>style.visibility</p:attrName>
+                                        </p:attrNameLst>
+                                      </p:cBhvr>
+                                      <p:to>
+                                        <p:strVal val="visible"/>
+                                      </p:to>
+                                    </p:set>
+                                    <p:anim calcmode="lin" valueType="num">
+                                      <p:cBhvr>
+                                        <p:cTn id="7" dur="500" fill="hold"/>
+                                        <p:tgtEl>
+                                          <p:spTgt spid="8">
+                                            <p:txEl>
+                                              <p:pRg st="0" end="0"/>
+                                            </p:txEl>
+                                          </p:spTgt>
+                                        </p:tgtEl>
+                                        <p:attrNameLst>
+                                          <p:attrName>ppt_w</p:attrName>
+                                        </p:attrNameLst>
+                                      </p:cBhvr>
+                                      <p:tavLst>
+                                        <p:tav tm="0">
+                                          <p:val>
+                                            <p:fltVal val="0"/>
+                                          </p:val>
+                                        </p:tav>
+                                        <p:tav tm="100000">
+                                          <p:val>
+                                            <p:strVal val="#ppt_w"/>
+                                          </p:val>
+                                        </p:tav>
+                                      </p:tavLst>
+                                    </p:anim>
+                                    <p:anim calcmode="lin" valueType="num">
+                                      <p:cBhvr>
+                                        <p:cTn id="8" dur="500" fill="hold"/>
+                                        <p:tgtEl>
+                                          <p:spTgt spid="8">
+                                            <p:txEl>
+                                              <p:pRg st="0" end="0"/>
+                                            </p:txEl>
+                                          </p:spTgt>
+                                        </p:tgtEl>
+                                        <p:attrNameLst>
+                                          <p:attrName>ppt_h</p:attrName>
+                                        </p:attrNameLst>
+                                      </p:cBhvr>
+                                      <p:tavLst>
+                                        <p:tav tm="0">
+                                          <p:val>
+                                            <p:fltVal val="0"/>
+                                          </p:val>
+                                        </p:tav>
+                                        <p:tav tm="100000">
+                                          <p:val>
+                                            <p:strVal val="#ppt_h"/>
+                                          </p:val>
+                                        </p:tav>
+                                      </p:tavLst>
+                                    </p:anim>
+                                    <p:animEffect transition="in" filter="fade">
+                                      <p:cBhvr>
+                                        <p:cTn id="9" dur="500"/>
+                                        <p:tgtEl>
+                                          <p:spTgt spid="8">
+                                            <p:txEl>
+                                              <p:pRg st="0" end="0"/>
+                                            </p:txEl>
+                                          </p:spTgt>
+                                        </p:tgtEl>
+                                      </p:cBhvr>
+                                    </p:animEffect>
+                                  </p:childTnLst>
+                                </p:cTn>
+                              </p:par>
+                            </p:childTnLst>
+                          </p:cTn>
+                        </p:par>
+                      </p:childTnLst>
+                    </p:cTn>
+                  </p:par>
+                  <p:par>
+                    <p:cTn id="10" fill="hold">
+                      <p:stCondLst>
+                        <p:cond delay="indefinite"/>
+                      </p:stCondLst>
+                      <p:childTnLst>
+                        <p:par>
+                          <p:cTn id="11" fill="hold">
+                            <p:stCondLst>
+                              <p:cond delay="0"/>
+                            </p:stCondLst>
+                            <p:childTnLst>
+                              <p:par>
+                                <p:cTn id="12" presetID="53" presetClass="entr" presetSubtype="16" fill="hold" grpId="0" nodeType="clickEffect">
+                                  <p:stCondLst>
+                                    <p:cond delay="0"/>
+                                  </p:stCondLst>
+                                  <p:childTnLst>
+                                    <p:set>
+                                      <p:cBhvr>
+                                        <p:cTn id="13" dur="1" fill="hold">
+                                          <p:stCondLst>
+                                            <p:cond delay="0"/>
+                                          </p:stCondLst>
+                                        </p:cTn>
+                                        <p:tgtEl>
+                                          <p:spTgt spid="8">
+                                            <p:txEl>
+                                              <p:pRg st="1" end="1"/>
+                                            </p:txEl>
+                                          </p:spTgt>
+                                        </p:tgtEl>
+                                        <p:attrNameLst>
+                                          <p:attrName>style.visibility</p:attrName>
+                                        </p:attrNameLst>
+                                      </p:cBhvr>
+                                      <p:to>
+                                        <p:strVal val="visible"/>
+                                      </p:to>
+                                    </p:set>
+                                    <p:anim calcmode="lin" valueType="num">
+                                      <p:cBhvr>
+                                        <p:cTn id="14" dur="500" fill="hold"/>
+                                        <p:tgtEl>
+                                          <p:spTgt spid="8">
+                                            <p:txEl>
+                                              <p:pRg st="1" end="1"/>
+                                            </p:txEl>
+                                          </p:spTgt>
+                                        </p:tgtEl>
+                                        <p:attrNameLst>
+                                          <p:attrName>ppt_w</p:attrName>
+                                        </p:attrNameLst>
+                                      </p:cBhvr>
+                                      <p:tavLst>
+                                        <p:tav tm="0">
+                                          <p:val>
+                                            <p:fltVal val="0"/>
+                                          </p:val>
+                                        </p:tav>
+                                        <p:tav tm="100000">
+                                          <p:val>
+                                            <p:strVal val="#ppt_w"/>
+                                          </p:val>
+                                        </p:tav>
+                                      </p:tavLst>
+                                    </p:anim>
+                                    <p:anim calcmode="lin" valueType="num">
+                                      <p:cBhvr>
+                                        <p:cTn id="15" dur="500" fill="hold"/>
+                                        <p:tgtEl>
+                                          <p:spTgt spid="8">
+                                            <p:txEl>
+                                              <p:pRg st="1" end="1"/>
+                                            </p:txEl>
+                                          </p:spTgt>
+                                        </p:tgtEl>
+                                        <p:attrNameLst>
+                                          <p:attrName>ppt_h</p:attrName>
+                                        </p:attrNameLst>
+                                      </p:cBhvr>
+                                      <p:tavLst>
+                                        <p:tav tm="0">
+                                          <p:val>
+                                            <p:fltVal val="0"/>
+                                          </p:val>
+                                        </p:tav>
+                                        <p:tav tm="100000">
+                                          <p:val>
+                                            <p:strVal val="#ppt_h"/>
+                                          </p:val>
+                                        </p:tav>
+                                      </p:tavLst>
+                                    </p:anim>
+                                    <p:animEffect transition="in" filter="fade">
+                                      <p:cBhvr>
+                                        <p:cTn id="16" dur="500"/>
+                                        <p:tgtEl>
+                                          <p:spTgt spid="8">
+                                            <p:txEl>
+                                              <p:pRg st="1" end="1"/>
+                                            </p:txEl>
+                                          </p:spTgt>
+                                        </p:tgtEl>
+                                      </p:cBhvr>
+                                    </p:animEffect>
+                                  </p:childTnLst>
+                                </p:cTn>
+                              </p:par>
+                            </p:childTnLst>
+                          </p:cTn>
+                        </p:par>
+                      </p:childTnLst>
+                    </p:cTn>
+                  </p:par>
+                  <p:par>
+                    <p:cTn id="17" fill="hold">
+                      <p:stCondLst>
+                        <p:cond delay="indefinite"/>
+                      </p:stCondLst>
+                      <p:childTnLst>
+                        <p:par>
+                          <p:cTn id="18" fill="hold">
+                            <p:stCondLst>
+                              <p:cond delay="0"/>
+                            </p:stCondLst>
+                            <p:childTnLst>
+                              <p:par>
+                                <p:cTn id="19" presetID="10" presetClass="entr" presetSubtype="0" fill="hold" grpId="0" nodeType="clickEffect">
+                                  <p:stCondLst>
+                                    <p:cond delay="0"/>
+                                  </p:stCondLst>
+                                  <p:childTnLst>
+                                    <p:set>
+                                      <p:cBhvr>
+                                        <p:cTn id="20" dur="1" fill="hold">
+                                          <p:stCondLst>
+                                            <p:cond delay="0"/>
+                                          </p:stCondLst>
+                                        </p:cTn>
+                                        <p:tgtEl>
+                                          <p:spTgt spid="4"/>
+                                        </p:tgtEl>
+                                        <p:attrNameLst>
+                                          <p:attrName>style.visibility</p:attrName>
+                                        </p:attrNameLst>
+                                      </p:cBhvr>
+                                      <p:to>
+                                        <p:strVal val="visible"/>
+                                      </p:to>
+                                    </p:set>
+                                    <p:animEffect transition="in" filter="fade">
+                                      <p:cBhvr>
+                                        <p:cTn id="21" dur="500"/>
+                                        <p:tgtEl>
+                                          <p:spTgt spid="4"/>
+                                        </p:tgtEl>
+                                      </p:cBhvr>
+                                    </p:animEffect>
+                                  </p:childTnLst>
+                                </p:cTn>
+                              </p:par>
+                            </p:childTnLst>
+                          </p:cTn>
+                        </p:par>
+                      </p:childTnLst>
+                    </p:cTn>
+                  </p:par>
+                  <p:par>
+                    <p:cTn id="22" fill="hold">
+                      <p:stCondLst>
+                        <p:cond delay="indefinite"/>
+                      </p:stCondLst>
+                      <p:childTnLst>
+                        <p:par>
+                          <p:cTn id="23" fill="hold">
+                            <p:stCondLst>
+                              <p:cond delay="0"/>
+                            </p:stCondLst>
+                            <p:childTnLst>
+                              <p:par>
+                                <p:cTn id="24" presetID="10" presetClass="entr" presetSubtype="0" fill="hold" grpId="0" nodeType="clickEffect">
+                                  <p:stCondLst>
+                                    <p:cond delay="0"/>
+                                  </p:stCondLst>
+                                  <p:childTnLst>
+                                    <p:set>
+                                      <p:cBhvr>
+                                        <p:cTn id="25" dur="1" fill="hold">
+                                          <p:stCondLst>
+                                            <p:cond delay="0"/>
+                                          </p:stCondLst>
+                                        </p:cTn>
+                                        <p:tgtEl>
+                                          <p:spTgt spid="6"/>
+                                        </p:tgtEl>
+                                        <p:attrNameLst>
+                                          <p:attrName>style.visibility</p:attrName>
+                                        </p:attrNameLst>
+                                      </p:cBhvr>
+                                      <p:to>
+                                        <p:strVal val="visible"/>
+                                      </p:to>
+                                    </p:set>
+                                    <p:animEffect transition="in" filter="fade">
+                                      <p:cBhvr>
+                                        <p:cTn id="26" dur="500"/>
+                                        <p:tgtEl>
+                                          <p:spTgt spid="6"/>
+                                        </p:tgtEl>
+                                      </p:cBhvr>
+                                    </p:animEffect>
+                                  </p:childTnLst>
+                                </p:cTn>
+                              </p:par>
+                            </p:childTnLst>
+                          </p:cTn>
+                        </p:par>
+                      </p:childTnLst>
+                    </p:cTn>
+                  </p:par>
+                </p:childTnLst>
+              </p:cTn>
+              <p:prevCondLst>
+                <p:cond evt="onPrev" delay="0">
+                  <p:tgtEl>
+                    <p:sldTgt/>
+                  </p:tgtEl>
+                </p:cond>
+              </p:prevCondLst>
+              <p:nextCondLst>
+                <p:cond evt="onNext" delay="0">
+                  <p:tgtEl>
+                    <p:sldTgt/>
+                  </p:tgtEl>
+                </p:cond>
+              </p:nextCondLst>
+            </p:seq>
+          </p:childTnLst>
+        </p:cTn>
       </p:par>
     </p:tnLst>
+    <p:bldLst>
+      <p:bldP spid="8" grpId="0" build="p"/>
+      <p:bldP spid="4" grpId="0"/>
+      <p:bldP spid="6" grpId="0"/>
+    </p:bldLst>
+  </p:timing>
+</p:sld>
+</file>
+
+<file path=ppt/slides/slide12.xml><?xml version="1.0" encoding="utf-8"?>
+<p:sld xmlns:a="http://schemas.openxmlformats.org/drawingml/2006/main" xmlns:r="http://schemas.openxmlformats.org/officeDocument/2006/relationships" xmlns:p="http://schemas.openxmlformats.org/presentationml/2006/main">
+  <p:cSld>
+    <p:spTree>
+      <p:nvGrpSpPr>
+        <p:cNvPr id="1" name=""/>
+        <p:cNvGrpSpPr/>
+        <p:nvPr/>
+      </p:nvGrpSpPr>
+      <p:grpSpPr>
+        <a:xfrm>
+          <a:off x="0" y="0"/>
+          <a:ext cx="0" cy="0"/>
+          <a:chOff x="0" y="0"/>
+          <a:chExt cx="0" cy="0"/>
+        </a:xfrm>
+      </p:grpSpPr>
+      <p:sp>
+        <p:nvSpPr>
+          <p:cNvPr id="8" name="Espaço Reservado para Texto 7"/>
+          <p:cNvSpPr>
+            <a:spLocks noGrp="1"/>
+          </p:cNvSpPr>
+          <p:nvPr>
+            <p:ph type="body" idx="1"/>
+          </p:nvPr>
+        </p:nvSpPr>
+        <p:spPr>
+          <a:xfrm>
+            <a:off x="642910" y="0"/>
+            <a:ext cx="7772400" cy="1500187"/>
+          </a:xfrm>
+        </p:spPr>
+        <p:txBody>
+          <a:bodyPr>
+            <a:normAutofit/>
+          </a:bodyPr>
+          <a:lstStyle/>
+          <a:p>
+            <a:r>
+              <a:rPr lang="pt-BR" sz="2400" dirty="0" smtClean="0"/>
+              <a:t>Linguagens e ferramentas para desenvolvimento de aplicações para dispositivos móveis</a:t>
+            </a:r>
+          </a:p>
+          <a:p>
+            <a:r>
+              <a:rPr lang="pt-BR" sz="2400" b="1" dirty="0" smtClean="0"/>
+              <a:t>Linguagens</a:t>
+            </a:r>
+            <a:endParaRPr lang="pt-BR" sz="2400" b="1" dirty="0"/>
+          </a:p>
+        </p:txBody>
+      </p:sp>
+      <p:sp>
+        <p:nvSpPr>
+          <p:cNvPr id="5" name="CaixaDeTexto 4"/>
+          <p:cNvSpPr txBox="1"/>
+          <p:nvPr/>
+        </p:nvSpPr>
+        <p:spPr>
+          <a:xfrm>
+            <a:off x="894441" y="1628800"/>
+            <a:ext cx="7515718" cy="1200329"/>
+          </a:xfrm>
+          <a:prstGeom prst="rect">
+            <a:avLst/>
+          </a:prstGeom>
+          <a:noFill/>
+        </p:spPr>
+        <p:txBody>
+          <a:bodyPr wrap="square" rtlCol="0">
+            <a:spAutoFit/>
+          </a:bodyPr>
+          <a:lstStyle/>
+          <a:p>
+            <a:pPr algn="just"/>
+            <a:r>
+              <a:rPr lang="pt-BR" b="1" dirty="0" err="1" smtClean="0"/>
+              <a:t>Obejective</a:t>
+            </a:r>
+            <a:r>
+              <a:rPr lang="pt-BR" b="1" dirty="0" smtClean="0"/>
+              <a:t>-c</a:t>
+            </a:r>
+          </a:p>
+          <a:p>
+            <a:pPr marL="285750" indent="-285750" algn="just">
+              <a:buFont typeface="Arial" panose="020B0604020202020204" pitchFamily="34" charset="0"/>
+              <a:buChar char="•"/>
+            </a:pPr>
+            <a:r>
+              <a:rPr lang="pt-BR" dirty="0" err="1" smtClean="0"/>
+              <a:t>Obj</a:t>
+            </a:r>
+            <a:r>
+              <a:rPr lang="pt-BR" dirty="0" smtClean="0"/>
+              <a:t>-c</a:t>
+            </a:r>
+          </a:p>
+          <a:p>
+            <a:pPr marL="285750" indent="-285750" algn="just">
+              <a:buFont typeface="Arial" panose="020B0604020202020204" pitchFamily="34" charset="0"/>
+              <a:buChar char="•"/>
+            </a:pPr>
+            <a:r>
+              <a:rPr lang="pt-BR" dirty="0" smtClean="0"/>
+              <a:t>Desenvolvida a partir da linguagem </a:t>
+            </a:r>
+            <a:r>
+              <a:rPr lang="pt-BR" dirty="0" err="1" smtClean="0"/>
+              <a:t>Smalltalk</a:t>
+            </a:r>
+            <a:r>
+              <a:rPr lang="pt-BR" dirty="0" smtClean="0"/>
+              <a:t>;</a:t>
+            </a:r>
+          </a:p>
+          <a:p>
+            <a:pPr marL="285750" indent="-285750" algn="just">
+              <a:buFont typeface="Arial" panose="020B0604020202020204" pitchFamily="34" charset="0"/>
+              <a:buChar char="•"/>
+            </a:pPr>
+            <a:r>
+              <a:rPr lang="pt-BR" dirty="0" smtClean="0"/>
+              <a:t>Base original dos aplicativos feitos para </a:t>
+            </a:r>
+            <a:r>
+              <a:rPr lang="pt-BR" dirty="0" err="1" smtClean="0"/>
+              <a:t>iOS</a:t>
+            </a:r>
+            <a:r>
+              <a:rPr lang="pt-BR" dirty="0" smtClean="0"/>
+              <a:t> e Mac </a:t>
+            </a:r>
+            <a:r>
+              <a:rPr lang="pt-BR" dirty="0" err="1" smtClean="0"/>
+              <a:t>OSx</a:t>
+            </a:r>
+            <a:r>
+              <a:rPr lang="pt-BR" dirty="0" smtClean="0"/>
+              <a:t>;</a:t>
+            </a:r>
+          </a:p>
+        </p:txBody>
+      </p:sp>
+      <p:sp>
+        <p:nvSpPr>
+          <p:cNvPr id="6" name="CaixaDeTexto 5"/>
+          <p:cNvSpPr txBox="1"/>
+          <p:nvPr/>
+        </p:nvSpPr>
+        <p:spPr>
+          <a:xfrm>
+            <a:off x="892509" y="3933056"/>
+            <a:ext cx="7515718" cy="1200329"/>
+          </a:xfrm>
+          <a:prstGeom prst="rect">
+            <a:avLst/>
+          </a:prstGeom>
+          <a:noFill/>
+        </p:spPr>
+        <p:txBody>
+          <a:bodyPr wrap="square" rtlCol="0">
+            <a:spAutoFit/>
+          </a:bodyPr>
+          <a:lstStyle/>
+          <a:p>
+            <a:pPr algn="just"/>
+            <a:r>
+              <a:rPr lang="pt-BR" b="1" dirty="0" smtClean="0"/>
+              <a:t>Swift</a:t>
+            </a:r>
+          </a:p>
+          <a:p>
+            <a:pPr marL="285750" indent="-285750" algn="just">
+              <a:buFont typeface="Arial" panose="020B0604020202020204" pitchFamily="34" charset="0"/>
+              <a:buChar char="•"/>
+            </a:pPr>
+            <a:r>
+              <a:rPr lang="pt-BR" dirty="0" smtClean="0"/>
+              <a:t>Utilizada pela Apple;</a:t>
+            </a:r>
+          </a:p>
+          <a:p>
+            <a:pPr marL="285750" indent="-285750" algn="just">
+              <a:buFont typeface="Arial" panose="020B0604020202020204" pitchFamily="34" charset="0"/>
+              <a:buChar char="•"/>
+            </a:pPr>
+            <a:r>
+              <a:rPr lang="pt-BR" dirty="0" smtClean="0"/>
+              <a:t>Desenvolvida a partir da linguagem </a:t>
+            </a:r>
+            <a:r>
+              <a:rPr lang="pt-BR" dirty="0" err="1" smtClean="0"/>
+              <a:t>Smalltalk</a:t>
+            </a:r>
+            <a:r>
+              <a:rPr lang="pt-BR" dirty="0" smtClean="0"/>
+              <a:t>;</a:t>
+            </a:r>
+          </a:p>
+          <a:p>
+            <a:pPr marL="285750" indent="-285750" algn="just">
+              <a:buFont typeface="Arial" panose="020B0604020202020204" pitchFamily="34" charset="0"/>
+              <a:buChar char="•"/>
+            </a:pPr>
+            <a:r>
+              <a:rPr lang="pt-BR" dirty="0" smtClean="0"/>
+              <a:t>Base original dos aplicativos feitos para </a:t>
+            </a:r>
+            <a:r>
+              <a:rPr lang="pt-BR" dirty="0" err="1" smtClean="0"/>
+              <a:t>iOS</a:t>
+            </a:r>
+            <a:r>
+              <a:rPr lang="pt-BR" dirty="0" smtClean="0"/>
+              <a:t> e Mac </a:t>
+            </a:r>
+            <a:r>
+              <a:rPr lang="pt-BR" dirty="0" err="1" smtClean="0"/>
+              <a:t>OSx</a:t>
+            </a:r>
+            <a:r>
+              <a:rPr lang="pt-BR" dirty="0" smtClean="0"/>
+              <a:t>;</a:t>
+            </a:r>
+          </a:p>
+        </p:txBody>
+      </p:sp>
+    </p:spTree>
+    <p:extLst>
+      <p:ext uri="{BB962C8B-B14F-4D97-AF65-F5344CB8AC3E}">
+        <p14:creationId xmlns:p14="http://schemas.microsoft.com/office/powerpoint/2010/main" val="3483541906"/>
+      </p:ext>
+    </p:extLst>
+  </p:cSld>
+  <p:clrMapOvr>
+    <a:masterClrMapping/>
+  </p:clrMapOvr>
+  <mc:AlternateContent xmlns:mc="http://schemas.openxmlformats.org/markup-compatibility/2006" xmlns:p14="http://schemas.microsoft.com/office/powerpoint/2010/main">
+    <mc:Choice Requires="p14">
+      <p:transition spd="slow" p14:dur="2000"/>
+    </mc:Choice>
+    <mc:Fallback xmlns="">
+      <p:transition spd="slow"/>
+    </mc:Fallback>
+  </mc:AlternateContent>
+  <p:timing>
+    <p:tnLst>
+      <p:par>
+        <p:cTn id="1" dur="indefinite" restart="never" nodeType="tmRoot">
+          <p:childTnLst>
+            <p:seq concurrent="1" nextAc="seek">
+              <p:cTn id="2" dur="indefinite" nodeType="mainSeq">
+                <p:childTnLst>
+                  <p:par>
+                    <p:cTn id="3" fill="hold">
+                      <p:stCondLst>
+                        <p:cond delay="indefinite"/>
+                      </p:stCondLst>
+                      <p:childTnLst>
+                        <p:par>
+                          <p:cTn id="4" fill="hold">
+                            <p:stCondLst>
+                              <p:cond delay="0"/>
+                            </p:stCondLst>
+                            <p:childTnLst>
+                              <p:par>
+                                <p:cTn id="5" presetID="53" presetClass="entr" presetSubtype="16" fill="hold" grpId="0" nodeType="clickEffect">
+                                  <p:stCondLst>
+                                    <p:cond delay="0"/>
+                                  </p:stCondLst>
+                                  <p:childTnLst>
+                                    <p:set>
+                                      <p:cBhvr>
+                                        <p:cTn id="6" dur="1" fill="hold">
+                                          <p:stCondLst>
+                                            <p:cond delay="0"/>
+                                          </p:stCondLst>
+                                        </p:cTn>
+                                        <p:tgtEl>
+                                          <p:spTgt spid="8">
+                                            <p:txEl>
+                                              <p:pRg st="0" end="0"/>
+                                            </p:txEl>
+                                          </p:spTgt>
+                                        </p:tgtEl>
+                                        <p:attrNameLst>
+                                          <p:attrName>style.visibility</p:attrName>
+                                        </p:attrNameLst>
+                                      </p:cBhvr>
+                                      <p:to>
+                                        <p:strVal val="visible"/>
+                                      </p:to>
+                                    </p:set>
+                                    <p:anim calcmode="lin" valueType="num">
+                                      <p:cBhvr>
+                                        <p:cTn id="7" dur="500" fill="hold"/>
+                                        <p:tgtEl>
+                                          <p:spTgt spid="8">
+                                            <p:txEl>
+                                              <p:pRg st="0" end="0"/>
+                                            </p:txEl>
+                                          </p:spTgt>
+                                        </p:tgtEl>
+                                        <p:attrNameLst>
+                                          <p:attrName>ppt_w</p:attrName>
+                                        </p:attrNameLst>
+                                      </p:cBhvr>
+                                      <p:tavLst>
+                                        <p:tav tm="0">
+                                          <p:val>
+                                            <p:fltVal val="0"/>
+                                          </p:val>
+                                        </p:tav>
+                                        <p:tav tm="100000">
+                                          <p:val>
+                                            <p:strVal val="#ppt_w"/>
+                                          </p:val>
+                                        </p:tav>
+                                      </p:tavLst>
+                                    </p:anim>
+                                    <p:anim calcmode="lin" valueType="num">
+                                      <p:cBhvr>
+                                        <p:cTn id="8" dur="500" fill="hold"/>
+                                        <p:tgtEl>
+                                          <p:spTgt spid="8">
+                                            <p:txEl>
+                                              <p:pRg st="0" end="0"/>
+                                            </p:txEl>
+                                          </p:spTgt>
+                                        </p:tgtEl>
+                                        <p:attrNameLst>
+                                          <p:attrName>ppt_h</p:attrName>
+                                        </p:attrNameLst>
+                                      </p:cBhvr>
+                                      <p:tavLst>
+                                        <p:tav tm="0">
+                                          <p:val>
+                                            <p:fltVal val="0"/>
+                                          </p:val>
+                                        </p:tav>
+                                        <p:tav tm="100000">
+                                          <p:val>
+                                            <p:strVal val="#ppt_h"/>
+                                          </p:val>
+                                        </p:tav>
+                                      </p:tavLst>
+                                    </p:anim>
+                                    <p:animEffect transition="in" filter="fade">
+                                      <p:cBhvr>
+                                        <p:cTn id="9" dur="500"/>
+                                        <p:tgtEl>
+                                          <p:spTgt spid="8">
+                                            <p:txEl>
+                                              <p:pRg st="0" end="0"/>
+                                            </p:txEl>
+                                          </p:spTgt>
+                                        </p:tgtEl>
+                                      </p:cBhvr>
+                                    </p:animEffect>
+                                  </p:childTnLst>
+                                </p:cTn>
+                              </p:par>
+                            </p:childTnLst>
+                          </p:cTn>
+                        </p:par>
+                      </p:childTnLst>
+                    </p:cTn>
+                  </p:par>
+                  <p:par>
+                    <p:cTn id="10" fill="hold">
+                      <p:stCondLst>
+                        <p:cond delay="indefinite"/>
+                      </p:stCondLst>
+                      <p:childTnLst>
+                        <p:par>
+                          <p:cTn id="11" fill="hold">
+                            <p:stCondLst>
+                              <p:cond delay="0"/>
+                            </p:stCondLst>
+                            <p:childTnLst>
+                              <p:par>
+                                <p:cTn id="12" presetID="53" presetClass="entr" presetSubtype="16" fill="hold" grpId="0" nodeType="clickEffect">
+                                  <p:stCondLst>
+                                    <p:cond delay="0"/>
+                                  </p:stCondLst>
+                                  <p:childTnLst>
+                                    <p:set>
+                                      <p:cBhvr>
+                                        <p:cTn id="13" dur="1" fill="hold">
+                                          <p:stCondLst>
+                                            <p:cond delay="0"/>
+                                          </p:stCondLst>
+                                        </p:cTn>
+                                        <p:tgtEl>
+                                          <p:spTgt spid="8">
+                                            <p:txEl>
+                                              <p:pRg st="1" end="1"/>
+                                            </p:txEl>
+                                          </p:spTgt>
+                                        </p:tgtEl>
+                                        <p:attrNameLst>
+                                          <p:attrName>style.visibility</p:attrName>
+                                        </p:attrNameLst>
+                                      </p:cBhvr>
+                                      <p:to>
+                                        <p:strVal val="visible"/>
+                                      </p:to>
+                                    </p:set>
+                                    <p:anim calcmode="lin" valueType="num">
+                                      <p:cBhvr>
+                                        <p:cTn id="14" dur="500" fill="hold"/>
+                                        <p:tgtEl>
+                                          <p:spTgt spid="8">
+                                            <p:txEl>
+                                              <p:pRg st="1" end="1"/>
+                                            </p:txEl>
+                                          </p:spTgt>
+                                        </p:tgtEl>
+                                        <p:attrNameLst>
+                                          <p:attrName>ppt_w</p:attrName>
+                                        </p:attrNameLst>
+                                      </p:cBhvr>
+                                      <p:tavLst>
+                                        <p:tav tm="0">
+                                          <p:val>
+                                            <p:fltVal val="0"/>
+                                          </p:val>
+                                        </p:tav>
+                                        <p:tav tm="100000">
+                                          <p:val>
+                                            <p:strVal val="#ppt_w"/>
+                                          </p:val>
+                                        </p:tav>
+                                      </p:tavLst>
+                                    </p:anim>
+                                    <p:anim calcmode="lin" valueType="num">
+                                      <p:cBhvr>
+                                        <p:cTn id="15" dur="500" fill="hold"/>
+                                        <p:tgtEl>
+                                          <p:spTgt spid="8">
+                                            <p:txEl>
+                                              <p:pRg st="1" end="1"/>
+                                            </p:txEl>
+                                          </p:spTgt>
+                                        </p:tgtEl>
+                                        <p:attrNameLst>
+                                          <p:attrName>ppt_h</p:attrName>
+                                        </p:attrNameLst>
+                                      </p:cBhvr>
+                                      <p:tavLst>
+                                        <p:tav tm="0">
+                                          <p:val>
+                                            <p:fltVal val="0"/>
+                                          </p:val>
+                                        </p:tav>
+                                        <p:tav tm="100000">
+                                          <p:val>
+                                            <p:strVal val="#ppt_h"/>
+                                          </p:val>
+                                        </p:tav>
+                                      </p:tavLst>
+                                    </p:anim>
+                                    <p:animEffect transition="in" filter="fade">
+                                      <p:cBhvr>
+                                        <p:cTn id="16" dur="500"/>
+                                        <p:tgtEl>
+                                          <p:spTgt spid="8">
+                                            <p:txEl>
+                                              <p:pRg st="1" end="1"/>
+                                            </p:txEl>
+                                          </p:spTgt>
+                                        </p:tgtEl>
+                                      </p:cBhvr>
+                                    </p:animEffect>
+                                  </p:childTnLst>
+                                </p:cTn>
+                              </p:par>
+                            </p:childTnLst>
+                          </p:cTn>
+                        </p:par>
+                      </p:childTnLst>
+                    </p:cTn>
+                  </p:par>
+                  <p:par>
+                    <p:cTn id="17" fill="hold">
+                      <p:stCondLst>
+                        <p:cond delay="indefinite"/>
+                      </p:stCondLst>
+                      <p:childTnLst>
+                        <p:par>
+                          <p:cTn id="18" fill="hold">
+                            <p:stCondLst>
+                              <p:cond delay="0"/>
+                            </p:stCondLst>
+                            <p:childTnLst>
+                              <p:par>
+                                <p:cTn id="19" presetID="10" presetClass="entr" presetSubtype="0" fill="hold" grpId="0" nodeType="clickEffect">
+                                  <p:stCondLst>
+                                    <p:cond delay="0"/>
+                                  </p:stCondLst>
+                                  <p:childTnLst>
+                                    <p:set>
+                                      <p:cBhvr>
+                                        <p:cTn id="20" dur="1" fill="hold">
+                                          <p:stCondLst>
+                                            <p:cond delay="0"/>
+                                          </p:stCondLst>
+                                        </p:cTn>
+                                        <p:tgtEl>
+                                          <p:spTgt spid="5"/>
+                                        </p:tgtEl>
+                                        <p:attrNameLst>
+                                          <p:attrName>style.visibility</p:attrName>
+                                        </p:attrNameLst>
+                                      </p:cBhvr>
+                                      <p:to>
+                                        <p:strVal val="visible"/>
+                                      </p:to>
+                                    </p:set>
+                                    <p:animEffect transition="in" filter="fade">
+                                      <p:cBhvr>
+                                        <p:cTn id="21" dur="500"/>
+                                        <p:tgtEl>
+                                          <p:spTgt spid="5"/>
+                                        </p:tgtEl>
+                                      </p:cBhvr>
+                                    </p:animEffect>
+                                  </p:childTnLst>
+                                </p:cTn>
+                              </p:par>
+                            </p:childTnLst>
+                          </p:cTn>
+                        </p:par>
+                      </p:childTnLst>
+                    </p:cTn>
+                  </p:par>
+                  <p:par>
+                    <p:cTn id="22" fill="hold">
+                      <p:stCondLst>
+                        <p:cond delay="indefinite"/>
+                      </p:stCondLst>
+                      <p:childTnLst>
+                        <p:par>
+                          <p:cTn id="23" fill="hold">
+                            <p:stCondLst>
+                              <p:cond delay="0"/>
+                            </p:stCondLst>
+                            <p:childTnLst>
+                              <p:par>
+                                <p:cTn id="24" presetID="10" presetClass="entr" presetSubtype="0" fill="hold" grpId="0" nodeType="clickEffect">
+                                  <p:stCondLst>
+                                    <p:cond delay="0"/>
+                                  </p:stCondLst>
+                                  <p:childTnLst>
+                                    <p:set>
+                                      <p:cBhvr>
+                                        <p:cTn id="25" dur="1" fill="hold">
+                                          <p:stCondLst>
+                                            <p:cond delay="0"/>
+                                          </p:stCondLst>
+                                        </p:cTn>
+                                        <p:tgtEl>
+                                          <p:spTgt spid="6"/>
+                                        </p:tgtEl>
+                                        <p:attrNameLst>
+                                          <p:attrName>style.visibility</p:attrName>
+                                        </p:attrNameLst>
+                                      </p:cBhvr>
+                                      <p:to>
+                                        <p:strVal val="visible"/>
+                                      </p:to>
+                                    </p:set>
+                                    <p:animEffect transition="in" filter="fade">
+                                      <p:cBhvr>
+                                        <p:cTn id="26" dur="500"/>
+                                        <p:tgtEl>
+                                          <p:spTgt spid="6"/>
+                                        </p:tgtEl>
+                                      </p:cBhvr>
+                                    </p:animEffect>
+                                  </p:childTnLst>
+                                </p:cTn>
+                              </p:par>
+                            </p:childTnLst>
+                          </p:cTn>
+                        </p:par>
+                      </p:childTnLst>
+                    </p:cTn>
+                  </p:par>
+                </p:childTnLst>
+              </p:cTn>
+              <p:prevCondLst>
+                <p:cond evt="onPrev" delay="0">
+                  <p:tgtEl>
+                    <p:sldTgt/>
+                  </p:tgtEl>
+                </p:cond>
+              </p:prevCondLst>
+              <p:nextCondLst>
+                <p:cond evt="onNext" delay="0">
+                  <p:tgtEl>
+                    <p:sldTgt/>
+                  </p:tgtEl>
+                </p:cond>
+              </p:nextCondLst>
+            </p:seq>
+          </p:childTnLst>
+        </p:cTn>
+      </p:par>
+    </p:tnLst>
+    <p:bldLst>
+      <p:bldP spid="8" grpId="0" build="p"/>
+      <p:bldP spid="5" grpId="0"/>
+      <p:bldP spid="6" grpId="0"/>
+    </p:bldLst>
+  </p:timing>
+</p:sld>
+</file>
+
+<file path=ppt/slides/slide13.xml><?xml version="1.0" encoding="utf-8"?>
+<p:sld xmlns:a="http://schemas.openxmlformats.org/drawingml/2006/main" xmlns:r="http://schemas.openxmlformats.org/officeDocument/2006/relationships" xmlns:p="http://schemas.openxmlformats.org/presentationml/2006/main">
+  <p:cSld>
+    <p:spTree>
+      <p:nvGrpSpPr>
+        <p:cNvPr id="1" name=""/>
+        <p:cNvGrpSpPr/>
+        <p:nvPr/>
+      </p:nvGrpSpPr>
+      <p:grpSpPr>
+        <a:xfrm>
+          <a:off x="0" y="0"/>
+          <a:ext cx="0" cy="0"/>
+          <a:chOff x="0" y="0"/>
+          <a:chExt cx="0" cy="0"/>
+        </a:xfrm>
+      </p:grpSpPr>
+      <p:sp>
+        <p:nvSpPr>
+          <p:cNvPr id="8" name="Espaço Reservado para Texto 7"/>
+          <p:cNvSpPr>
+            <a:spLocks noGrp="1"/>
+          </p:cNvSpPr>
+          <p:nvPr>
+            <p:ph type="body" idx="1"/>
+          </p:nvPr>
+        </p:nvSpPr>
+        <p:spPr>
+          <a:xfrm>
+            <a:off x="642910" y="0"/>
+            <a:ext cx="7772400" cy="1500187"/>
+          </a:xfrm>
+        </p:spPr>
+        <p:txBody>
+          <a:bodyPr>
+            <a:normAutofit/>
+          </a:bodyPr>
+          <a:lstStyle/>
+          <a:p>
+            <a:r>
+              <a:rPr lang="pt-BR" sz="2400" dirty="0" smtClean="0"/>
+              <a:t>Linguagens e ferramentas para desenvolvimento de aplicações para dispositivos móveis</a:t>
+            </a:r>
+          </a:p>
+          <a:p>
+            <a:r>
+              <a:rPr lang="pt-BR" sz="2400" b="1" dirty="0" smtClean="0"/>
+              <a:t>Linguagens</a:t>
+            </a:r>
+            <a:endParaRPr lang="pt-BR" sz="2400" b="1" dirty="0"/>
+          </a:p>
+        </p:txBody>
+      </p:sp>
+      <p:sp>
+        <p:nvSpPr>
+          <p:cNvPr id="6" name="CaixaDeTexto 5"/>
+          <p:cNvSpPr txBox="1"/>
+          <p:nvPr/>
+        </p:nvSpPr>
+        <p:spPr>
+          <a:xfrm>
+            <a:off x="642910" y="1772816"/>
+            <a:ext cx="7515718" cy="646331"/>
+          </a:xfrm>
+          <a:prstGeom prst="rect">
+            <a:avLst/>
+          </a:prstGeom>
+          <a:noFill/>
+        </p:spPr>
+        <p:txBody>
+          <a:bodyPr wrap="square" rtlCol="0">
+            <a:spAutoFit/>
+          </a:bodyPr>
+          <a:lstStyle/>
+          <a:p>
+            <a:pPr algn="just"/>
+            <a:r>
+              <a:rPr lang="pt-BR" b="1" dirty="0" smtClean="0"/>
+              <a:t>C#</a:t>
+            </a:r>
+          </a:p>
+          <a:p>
+            <a:pPr marL="285750" indent="-285750" algn="just">
+              <a:buFont typeface="Arial" panose="020B0604020202020204" pitchFamily="34" charset="0"/>
+              <a:buChar char="•"/>
+            </a:pPr>
+            <a:r>
+              <a:rPr lang="pt-BR" dirty="0" smtClean="0"/>
+              <a:t>Linguagem usada pela Microsoft;</a:t>
+            </a:r>
+          </a:p>
+        </p:txBody>
+      </p:sp>
+      <p:sp>
+        <p:nvSpPr>
+          <p:cNvPr id="9" name="Texto explicativo em forma de nuvem 8"/>
+          <p:cNvSpPr/>
+          <p:nvPr/>
+        </p:nvSpPr>
+        <p:spPr>
+          <a:xfrm>
+            <a:off x="2987824" y="2996952"/>
+            <a:ext cx="5811859" cy="3279027"/>
+          </a:xfrm>
+          <a:prstGeom prst="cloudCallout">
+            <a:avLst/>
+          </a:prstGeom>
+        </p:spPr>
+        <p:style>
+          <a:lnRef idx="2">
+            <a:schemeClr val="accent1">
+              <a:shade val="50000"/>
+            </a:schemeClr>
+          </a:lnRef>
+          <a:fillRef idx="1">
+            <a:schemeClr val="accent1"/>
+          </a:fillRef>
+          <a:effectRef idx="0">
+            <a:schemeClr val="accent1"/>
+          </a:effectRef>
+          <a:fontRef idx="minor">
+            <a:schemeClr val="lt1"/>
+          </a:fontRef>
+        </p:style>
+        <p:txBody>
+          <a:bodyPr rtlCol="0" anchor="ctr"/>
+          <a:lstStyle/>
+          <a:p>
+            <a:pPr algn="ctr">
+              <a:lnSpc>
+                <a:spcPct val="150000"/>
+              </a:lnSpc>
+            </a:pPr>
+            <a:r>
+              <a:rPr lang="pt-BR" sz="1400" b="1" dirty="0">
+                <a:solidFill>
+                  <a:schemeClr val="bg1"/>
+                </a:solidFill>
+                <a:latin typeface="arial" panose="020B0604020202020204" pitchFamily="34" charset="0"/>
+              </a:rPr>
+              <a:t>API</a:t>
+            </a:r>
+            <a:r>
+              <a:rPr lang="pt-BR" sz="1400" dirty="0">
+                <a:solidFill>
+                  <a:schemeClr val="bg1"/>
+                </a:solidFill>
+                <a:latin typeface="arial" panose="020B0604020202020204" pitchFamily="34" charset="0"/>
+              </a:rPr>
+              <a:t> é um conjunto de rotinas e padrões de programação para acesso a um aplicativo de software ou plataforma baseado na Web. A sigla </a:t>
+            </a:r>
+            <a:r>
+              <a:rPr lang="pt-BR" sz="1400" b="1" dirty="0">
+                <a:solidFill>
+                  <a:schemeClr val="bg1"/>
+                </a:solidFill>
+                <a:latin typeface="arial" panose="020B0604020202020204" pitchFamily="34" charset="0"/>
+              </a:rPr>
+              <a:t>API</a:t>
+            </a:r>
+            <a:r>
+              <a:rPr lang="pt-BR" sz="1400" dirty="0">
+                <a:solidFill>
+                  <a:schemeClr val="bg1"/>
+                </a:solidFill>
+                <a:latin typeface="arial" panose="020B0604020202020204" pitchFamily="34" charset="0"/>
+              </a:rPr>
+              <a:t> refere-se ao termo em inglês "</a:t>
+            </a:r>
+            <a:r>
+              <a:rPr lang="pt-BR" sz="1400" dirty="0" err="1">
+                <a:solidFill>
+                  <a:schemeClr val="bg1"/>
+                </a:solidFill>
+                <a:latin typeface="arial" panose="020B0604020202020204" pitchFamily="34" charset="0"/>
+              </a:rPr>
+              <a:t>Application</a:t>
+            </a:r>
+            <a:r>
+              <a:rPr lang="pt-BR" sz="1400" dirty="0">
+                <a:solidFill>
+                  <a:schemeClr val="bg1"/>
+                </a:solidFill>
+                <a:latin typeface="arial" panose="020B0604020202020204" pitchFamily="34" charset="0"/>
+              </a:rPr>
+              <a:t> </a:t>
+            </a:r>
+            <a:r>
+              <a:rPr lang="pt-BR" sz="1400" dirty="0" err="1">
+                <a:solidFill>
+                  <a:schemeClr val="bg1"/>
+                </a:solidFill>
+                <a:latin typeface="arial" panose="020B0604020202020204" pitchFamily="34" charset="0"/>
+              </a:rPr>
+              <a:t>Programming</a:t>
+            </a:r>
+            <a:r>
+              <a:rPr lang="pt-BR" sz="1400" dirty="0">
+                <a:solidFill>
+                  <a:schemeClr val="bg1"/>
+                </a:solidFill>
+                <a:latin typeface="arial" panose="020B0604020202020204" pitchFamily="34" charset="0"/>
+              </a:rPr>
+              <a:t> Interface" que significa em tradução para o português "Interface de Programação de Aplicativos".</a:t>
+            </a:r>
+            <a:endParaRPr lang="pt-BR" sz="1400" dirty="0">
+              <a:solidFill>
+                <a:schemeClr val="bg1"/>
+              </a:solidFill>
+            </a:endParaRPr>
+          </a:p>
+          <a:p>
+            <a:pPr algn="ctr">
+              <a:lnSpc>
+                <a:spcPct val="150000"/>
+              </a:lnSpc>
+            </a:pPr>
+            <a:endParaRPr lang="pt-BR" sz="1400" b="1" i="1" dirty="0" smtClean="0"/>
+          </a:p>
+        </p:txBody>
+      </p:sp>
+    </p:spTree>
+    <p:extLst>
+      <p:ext uri="{BB962C8B-B14F-4D97-AF65-F5344CB8AC3E}">
+        <p14:creationId xmlns:p14="http://schemas.microsoft.com/office/powerpoint/2010/main" val="1576177073"/>
+      </p:ext>
+    </p:extLst>
+  </p:cSld>
+  <p:clrMapOvr>
+    <a:masterClrMapping/>
+  </p:clrMapOvr>
+  <mc:AlternateContent xmlns:mc="http://schemas.openxmlformats.org/markup-compatibility/2006" xmlns:p14="http://schemas.microsoft.com/office/powerpoint/2010/main">
+    <mc:Choice Requires="p14">
+      <p:transition spd="slow" p14:dur="2000"/>
+    </mc:Choice>
+    <mc:Fallback xmlns="">
+      <p:transition spd="slow"/>
+    </mc:Fallback>
+  </mc:AlternateContent>
+  <p:timing>
+    <p:tnLst>
+      <p:par>
+        <p:cTn id="1" dur="indefinite" restart="never" nodeType="tmRoot">
+          <p:childTnLst>
+            <p:seq concurrent="1" nextAc="seek">
+              <p:cTn id="2" dur="indefinite" nodeType="mainSeq">
+                <p:childTnLst>
+                  <p:par>
+                    <p:cTn id="3" fill="hold">
+                      <p:stCondLst>
+                        <p:cond delay="indefinite"/>
+                      </p:stCondLst>
+                      <p:childTnLst>
+                        <p:par>
+                          <p:cTn id="4" fill="hold">
+                            <p:stCondLst>
+                              <p:cond delay="0"/>
+                            </p:stCondLst>
+                            <p:childTnLst>
+                              <p:par>
+                                <p:cTn id="5" presetID="53" presetClass="entr" presetSubtype="16" fill="hold" grpId="0" nodeType="clickEffect">
+                                  <p:stCondLst>
+                                    <p:cond delay="0"/>
+                                  </p:stCondLst>
+                                  <p:childTnLst>
+                                    <p:set>
+                                      <p:cBhvr>
+                                        <p:cTn id="6" dur="1" fill="hold">
+                                          <p:stCondLst>
+                                            <p:cond delay="0"/>
+                                          </p:stCondLst>
+                                        </p:cTn>
+                                        <p:tgtEl>
+                                          <p:spTgt spid="8">
+                                            <p:txEl>
+                                              <p:pRg st="0" end="0"/>
+                                            </p:txEl>
+                                          </p:spTgt>
+                                        </p:tgtEl>
+                                        <p:attrNameLst>
+                                          <p:attrName>style.visibility</p:attrName>
+                                        </p:attrNameLst>
+                                      </p:cBhvr>
+                                      <p:to>
+                                        <p:strVal val="visible"/>
+                                      </p:to>
+                                    </p:set>
+                                    <p:anim calcmode="lin" valueType="num">
+                                      <p:cBhvr>
+                                        <p:cTn id="7" dur="500" fill="hold"/>
+                                        <p:tgtEl>
+                                          <p:spTgt spid="8">
+                                            <p:txEl>
+                                              <p:pRg st="0" end="0"/>
+                                            </p:txEl>
+                                          </p:spTgt>
+                                        </p:tgtEl>
+                                        <p:attrNameLst>
+                                          <p:attrName>ppt_w</p:attrName>
+                                        </p:attrNameLst>
+                                      </p:cBhvr>
+                                      <p:tavLst>
+                                        <p:tav tm="0">
+                                          <p:val>
+                                            <p:fltVal val="0"/>
+                                          </p:val>
+                                        </p:tav>
+                                        <p:tav tm="100000">
+                                          <p:val>
+                                            <p:strVal val="#ppt_w"/>
+                                          </p:val>
+                                        </p:tav>
+                                      </p:tavLst>
+                                    </p:anim>
+                                    <p:anim calcmode="lin" valueType="num">
+                                      <p:cBhvr>
+                                        <p:cTn id="8" dur="500" fill="hold"/>
+                                        <p:tgtEl>
+                                          <p:spTgt spid="8">
+                                            <p:txEl>
+                                              <p:pRg st="0" end="0"/>
+                                            </p:txEl>
+                                          </p:spTgt>
+                                        </p:tgtEl>
+                                        <p:attrNameLst>
+                                          <p:attrName>ppt_h</p:attrName>
+                                        </p:attrNameLst>
+                                      </p:cBhvr>
+                                      <p:tavLst>
+                                        <p:tav tm="0">
+                                          <p:val>
+                                            <p:fltVal val="0"/>
+                                          </p:val>
+                                        </p:tav>
+                                        <p:tav tm="100000">
+                                          <p:val>
+                                            <p:strVal val="#ppt_h"/>
+                                          </p:val>
+                                        </p:tav>
+                                      </p:tavLst>
+                                    </p:anim>
+                                    <p:animEffect transition="in" filter="fade">
+                                      <p:cBhvr>
+                                        <p:cTn id="9" dur="500"/>
+                                        <p:tgtEl>
+                                          <p:spTgt spid="8">
+                                            <p:txEl>
+                                              <p:pRg st="0" end="0"/>
+                                            </p:txEl>
+                                          </p:spTgt>
+                                        </p:tgtEl>
+                                      </p:cBhvr>
+                                    </p:animEffect>
+                                  </p:childTnLst>
+                                </p:cTn>
+                              </p:par>
+                            </p:childTnLst>
+                          </p:cTn>
+                        </p:par>
+                      </p:childTnLst>
+                    </p:cTn>
+                  </p:par>
+                  <p:par>
+                    <p:cTn id="10" fill="hold">
+                      <p:stCondLst>
+                        <p:cond delay="indefinite"/>
+                      </p:stCondLst>
+                      <p:childTnLst>
+                        <p:par>
+                          <p:cTn id="11" fill="hold">
+                            <p:stCondLst>
+                              <p:cond delay="0"/>
+                            </p:stCondLst>
+                            <p:childTnLst>
+                              <p:par>
+                                <p:cTn id="12" presetID="53" presetClass="entr" presetSubtype="16" fill="hold" grpId="0" nodeType="clickEffect">
+                                  <p:stCondLst>
+                                    <p:cond delay="0"/>
+                                  </p:stCondLst>
+                                  <p:childTnLst>
+                                    <p:set>
+                                      <p:cBhvr>
+                                        <p:cTn id="13" dur="1" fill="hold">
+                                          <p:stCondLst>
+                                            <p:cond delay="0"/>
+                                          </p:stCondLst>
+                                        </p:cTn>
+                                        <p:tgtEl>
+                                          <p:spTgt spid="8">
+                                            <p:txEl>
+                                              <p:pRg st="1" end="1"/>
+                                            </p:txEl>
+                                          </p:spTgt>
+                                        </p:tgtEl>
+                                        <p:attrNameLst>
+                                          <p:attrName>style.visibility</p:attrName>
+                                        </p:attrNameLst>
+                                      </p:cBhvr>
+                                      <p:to>
+                                        <p:strVal val="visible"/>
+                                      </p:to>
+                                    </p:set>
+                                    <p:anim calcmode="lin" valueType="num">
+                                      <p:cBhvr>
+                                        <p:cTn id="14" dur="500" fill="hold"/>
+                                        <p:tgtEl>
+                                          <p:spTgt spid="8">
+                                            <p:txEl>
+                                              <p:pRg st="1" end="1"/>
+                                            </p:txEl>
+                                          </p:spTgt>
+                                        </p:tgtEl>
+                                        <p:attrNameLst>
+                                          <p:attrName>ppt_w</p:attrName>
+                                        </p:attrNameLst>
+                                      </p:cBhvr>
+                                      <p:tavLst>
+                                        <p:tav tm="0">
+                                          <p:val>
+                                            <p:fltVal val="0"/>
+                                          </p:val>
+                                        </p:tav>
+                                        <p:tav tm="100000">
+                                          <p:val>
+                                            <p:strVal val="#ppt_w"/>
+                                          </p:val>
+                                        </p:tav>
+                                      </p:tavLst>
+                                    </p:anim>
+                                    <p:anim calcmode="lin" valueType="num">
+                                      <p:cBhvr>
+                                        <p:cTn id="15" dur="500" fill="hold"/>
+                                        <p:tgtEl>
+                                          <p:spTgt spid="8">
+                                            <p:txEl>
+                                              <p:pRg st="1" end="1"/>
+                                            </p:txEl>
+                                          </p:spTgt>
+                                        </p:tgtEl>
+                                        <p:attrNameLst>
+                                          <p:attrName>ppt_h</p:attrName>
+                                        </p:attrNameLst>
+                                      </p:cBhvr>
+                                      <p:tavLst>
+                                        <p:tav tm="0">
+                                          <p:val>
+                                            <p:fltVal val="0"/>
+                                          </p:val>
+                                        </p:tav>
+                                        <p:tav tm="100000">
+                                          <p:val>
+                                            <p:strVal val="#ppt_h"/>
+                                          </p:val>
+                                        </p:tav>
+                                      </p:tavLst>
+                                    </p:anim>
+                                    <p:animEffect transition="in" filter="fade">
+                                      <p:cBhvr>
+                                        <p:cTn id="16" dur="500"/>
+                                        <p:tgtEl>
+                                          <p:spTgt spid="8">
+                                            <p:txEl>
+                                              <p:pRg st="1" end="1"/>
+                                            </p:txEl>
+                                          </p:spTgt>
+                                        </p:tgtEl>
+                                      </p:cBhvr>
+                                    </p:animEffect>
+                                  </p:childTnLst>
+                                </p:cTn>
+                              </p:par>
+                            </p:childTnLst>
+                          </p:cTn>
+                        </p:par>
+                      </p:childTnLst>
+                    </p:cTn>
+                  </p:par>
+                  <p:par>
+                    <p:cTn id="17" fill="hold">
+                      <p:stCondLst>
+                        <p:cond delay="indefinite"/>
+                      </p:stCondLst>
+                      <p:childTnLst>
+                        <p:par>
+                          <p:cTn id="18" fill="hold">
+                            <p:stCondLst>
+                              <p:cond delay="0"/>
+                            </p:stCondLst>
+                            <p:childTnLst>
+                              <p:par>
+                                <p:cTn id="19" presetID="10" presetClass="entr" presetSubtype="0" fill="hold" grpId="0" nodeType="clickEffect">
+                                  <p:stCondLst>
+                                    <p:cond delay="0"/>
+                                  </p:stCondLst>
+                                  <p:childTnLst>
+                                    <p:set>
+                                      <p:cBhvr>
+                                        <p:cTn id="20" dur="1" fill="hold">
+                                          <p:stCondLst>
+                                            <p:cond delay="0"/>
+                                          </p:stCondLst>
+                                        </p:cTn>
+                                        <p:tgtEl>
+                                          <p:spTgt spid="6"/>
+                                        </p:tgtEl>
+                                        <p:attrNameLst>
+                                          <p:attrName>style.visibility</p:attrName>
+                                        </p:attrNameLst>
+                                      </p:cBhvr>
+                                      <p:to>
+                                        <p:strVal val="visible"/>
+                                      </p:to>
+                                    </p:set>
+                                    <p:animEffect transition="in" filter="fade">
+                                      <p:cBhvr>
+                                        <p:cTn id="21" dur="500"/>
+                                        <p:tgtEl>
+                                          <p:spTgt spid="6"/>
+                                        </p:tgtEl>
+                                      </p:cBhvr>
+                                    </p:animEffect>
+                                  </p:childTnLst>
+                                </p:cTn>
+                              </p:par>
+                            </p:childTnLst>
+                          </p:cTn>
+                        </p:par>
+                      </p:childTnLst>
+                    </p:cTn>
+                  </p:par>
+                  <p:par>
+                    <p:cTn id="22" fill="hold">
+                      <p:stCondLst>
+                        <p:cond delay="indefinite"/>
+                      </p:stCondLst>
+                      <p:childTnLst>
+                        <p:par>
+                          <p:cTn id="23" fill="hold">
+                            <p:stCondLst>
+                              <p:cond delay="0"/>
+                            </p:stCondLst>
+                            <p:childTnLst>
+                              <p:par>
+                                <p:cTn id="24" presetID="6" presetClass="entr" presetSubtype="16" fill="hold" grpId="0" nodeType="clickEffect">
+                                  <p:stCondLst>
+                                    <p:cond delay="0"/>
+                                  </p:stCondLst>
+                                  <p:childTnLst>
+                                    <p:set>
+                                      <p:cBhvr>
+                                        <p:cTn id="25" dur="1" fill="hold">
+                                          <p:stCondLst>
+                                            <p:cond delay="0"/>
+                                          </p:stCondLst>
+                                        </p:cTn>
+                                        <p:tgtEl>
+                                          <p:spTgt spid="9"/>
+                                        </p:tgtEl>
+                                        <p:attrNameLst>
+                                          <p:attrName>style.visibility</p:attrName>
+                                        </p:attrNameLst>
+                                      </p:cBhvr>
+                                      <p:to>
+                                        <p:strVal val="visible"/>
+                                      </p:to>
+                                    </p:set>
+                                    <p:animEffect transition="in" filter="circle(in)">
+                                      <p:cBhvr>
+                                        <p:cTn id="26" dur="2000"/>
+                                        <p:tgtEl>
+                                          <p:spTgt spid="9"/>
+                                        </p:tgtEl>
+                                      </p:cBhvr>
+                                    </p:animEffect>
+                                  </p:childTnLst>
+                                </p:cTn>
+                              </p:par>
+                            </p:childTnLst>
+                          </p:cTn>
+                        </p:par>
+                      </p:childTnLst>
+                    </p:cTn>
+                  </p:par>
+                </p:childTnLst>
+              </p:cTn>
+              <p:prevCondLst>
+                <p:cond evt="onPrev" delay="0">
+                  <p:tgtEl>
+                    <p:sldTgt/>
+                  </p:tgtEl>
+                </p:cond>
+              </p:prevCondLst>
+              <p:nextCondLst>
+                <p:cond evt="onNext" delay="0">
+                  <p:tgtEl>
+                    <p:sldTgt/>
+                  </p:tgtEl>
+                </p:cond>
+              </p:nextCondLst>
+            </p:seq>
+          </p:childTnLst>
+        </p:cTn>
+      </p:par>
+    </p:tnLst>
+    <p:bldLst>
+      <p:bldP spid="8" grpId="0" build="p"/>
+      <p:bldP spid="6" grpId="0"/>
+      <p:bldP spid="9" grpId="0" animBg="1"/>
+    </p:bldLst>
+  </p:timing>
+</p:sld>
+</file>
+
+<file path=ppt/slides/slide14.xml><?xml version="1.0" encoding="utf-8"?>
+<p:sld xmlns:a="http://schemas.openxmlformats.org/drawingml/2006/main" xmlns:r="http://schemas.openxmlformats.org/officeDocument/2006/relationships" xmlns:p="http://schemas.openxmlformats.org/presentationml/2006/main">
+  <p:cSld>
+    <p:spTree>
+      <p:nvGrpSpPr>
+        <p:cNvPr id="1" name=""/>
+        <p:cNvGrpSpPr/>
+        <p:nvPr/>
+      </p:nvGrpSpPr>
+      <p:grpSpPr>
+        <a:xfrm>
+          <a:off x="0" y="0"/>
+          <a:ext cx="0" cy="0"/>
+          <a:chOff x="0" y="0"/>
+          <a:chExt cx="0" cy="0"/>
+        </a:xfrm>
+      </p:grpSpPr>
+      <p:sp>
+        <p:nvSpPr>
+          <p:cNvPr id="8" name="Espaço Reservado para Texto 7"/>
+          <p:cNvSpPr>
+            <a:spLocks noGrp="1"/>
+          </p:cNvSpPr>
+          <p:nvPr>
+            <p:ph type="body" idx="1"/>
+          </p:nvPr>
+        </p:nvSpPr>
+        <p:spPr>
+          <a:xfrm>
+            <a:off x="642910" y="0"/>
+            <a:ext cx="7772400" cy="1500187"/>
+          </a:xfrm>
+        </p:spPr>
+        <p:txBody>
+          <a:bodyPr>
+            <a:normAutofit/>
+          </a:bodyPr>
+          <a:lstStyle/>
+          <a:p>
+            <a:r>
+              <a:rPr lang="pt-BR" sz="2400" dirty="0" smtClean="0"/>
+              <a:t>Linguagens e ferramentas para desenvolvimento de aplicações para dispositivos móveis</a:t>
+            </a:r>
+          </a:p>
+          <a:p>
+            <a:r>
+              <a:rPr lang="pt-BR" sz="2400" b="1" dirty="0" smtClean="0"/>
+              <a:t>Linguagens</a:t>
+            </a:r>
+            <a:endParaRPr lang="pt-BR" sz="2400" b="1" dirty="0"/>
+          </a:p>
+        </p:txBody>
+      </p:sp>
+      <p:sp>
+        <p:nvSpPr>
+          <p:cNvPr id="6" name="CaixaDeTexto 5"/>
+          <p:cNvSpPr txBox="1"/>
+          <p:nvPr/>
+        </p:nvSpPr>
+        <p:spPr>
+          <a:xfrm>
+            <a:off x="642910" y="1772816"/>
+            <a:ext cx="7515718" cy="1200329"/>
+          </a:xfrm>
+          <a:prstGeom prst="rect">
+            <a:avLst/>
+          </a:prstGeom>
+          <a:noFill/>
+        </p:spPr>
+        <p:txBody>
+          <a:bodyPr wrap="square" rtlCol="0">
+            <a:spAutoFit/>
+          </a:bodyPr>
+          <a:lstStyle/>
+          <a:p>
+            <a:pPr algn="just"/>
+            <a:r>
+              <a:rPr lang="pt-BR" b="1" dirty="0" smtClean="0"/>
+              <a:t>PHP</a:t>
+            </a:r>
+            <a:endParaRPr lang="pt-BR" b="1" dirty="0" smtClean="0"/>
+          </a:p>
+          <a:p>
+            <a:pPr marL="285750" indent="-285750" algn="just">
+              <a:buFont typeface="Arial" panose="020B0604020202020204" pitchFamily="34" charset="0"/>
+              <a:buChar char="•"/>
+            </a:pPr>
+            <a:r>
+              <a:rPr lang="pt-BR" dirty="0" smtClean="0"/>
+              <a:t>Linguagem robusta; programadores bem exigidos;</a:t>
+            </a:r>
+          </a:p>
+          <a:p>
+            <a:pPr marL="285750" indent="-285750" algn="just">
+              <a:buFont typeface="Arial" panose="020B0604020202020204" pitchFamily="34" charset="0"/>
+              <a:buChar char="•"/>
+            </a:pPr>
+            <a:r>
+              <a:rPr lang="pt-BR" dirty="0" smtClean="0"/>
+              <a:t>Usa no </a:t>
+            </a:r>
+            <a:r>
+              <a:rPr lang="pt-BR" dirty="0" err="1" smtClean="0"/>
+              <a:t>facebook</a:t>
+            </a:r>
+            <a:r>
+              <a:rPr lang="pt-BR" dirty="0" smtClean="0"/>
+              <a:t>;</a:t>
+            </a:r>
+          </a:p>
+          <a:p>
+            <a:pPr marL="285750" indent="-285750" algn="just">
+              <a:buFont typeface="Arial" panose="020B0604020202020204" pitchFamily="34" charset="0"/>
+              <a:buChar char="•"/>
+            </a:pPr>
+            <a:r>
+              <a:rPr lang="pt-BR" dirty="0" smtClean="0"/>
+              <a:t>Usada pra criar páginas de conteúdo dinâmicas e interativas;</a:t>
+            </a:r>
+            <a:endParaRPr lang="pt-BR" dirty="0" smtClean="0"/>
+          </a:p>
+        </p:txBody>
+      </p:sp>
+      <p:sp>
+        <p:nvSpPr>
+          <p:cNvPr id="5" name="CaixaDeTexto 4"/>
+          <p:cNvSpPr txBox="1"/>
+          <p:nvPr/>
+        </p:nvSpPr>
+        <p:spPr>
+          <a:xfrm>
+            <a:off x="642910" y="3789040"/>
+            <a:ext cx="7515718" cy="2769989"/>
+          </a:xfrm>
+          <a:prstGeom prst="rect">
+            <a:avLst/>
+          </a:prstGeom>
+          <a:noFill/>
+        </p:spPr>
+        <p:txBody>
+          <a:bodyPr wrap="square" rtlCol="0">
+            <a:spAutoFit/>
+          </a:bodyPr>
+          <a:lstStyle/>
+          <a:p>
+            <a:pPr algn="just"/>
+            <a:r>
+              <a:rPr lang="pt-BR" b="1" dirty="0" err="1" smtClean="0"/>
+              <a:t>Kotlin</a:t>
+            </a:r>
+            <a:endParaRPr lang="pt-BR" b="1" dirty="0" smtClean="0"/>
+          </a:p>
+          <a:p>
+            <a:pPr marL="285750" indent="-285750" algn="just">
+              <a:buFont typeface="Arial" panose="020B0604020202020204" pitchFamily="34" charset="0"/>
+              <a:buChar char="•"/>
+            </a:pPr>
+            <a:r>
+              <a:rPr lang="pt-BR" dirty="0" smtClean="0"/>
+              <a:t>Linguagem oficial para desenvolvimento de aplicativos móveis </a:t>
+            </a:r>
+            <a:r>
+              <a:rPr lang="pt-BR" dirty="0" err="1" smtClean="0"/>
+              <a:t>Android</a:t>
+            </a:r>
+            <a:r>
+              <a:rPr lang="pt-BR" dirty="0" smtClean="0"/>
+              <a:t>;</a:t>
+            </a:r>
+          </a:p>
+          <a:p>
+            <a:pPr marL="285750" indent="-285750" algn="just">
+              <a:buFont typeface="Arial" panose="020B0604020202020204" pitchFamily="34" charset="0"/>
+              <a:buChar char="•"/>
+            </a:pPr>
+            <a:r>
+              <a:rPr lang="pt-BR" dirty="0"/>
+              <a:t>Grande parte de sua fama é atribuída à sua interoperabilidade, sua capacidade de rodar na JVM e sua versatilidade para o desenvolvimento de front-</a:t>
+            </a:r>
+            <a:r>
+              <a:rPr lang="pt-BR" dirty="0" err="1"/>
+              <a:t>end</a:t>
+            </a:r>
+            <a:r>
+              <a:rPr lang="pt-BR" dirty="0"/>
+              <a:t> e </a:t>
+            </a:r>
+            <a:r>
+              <a:rPr lang="pt-BR" dirty="0" err="1"/>
+              <a:t>back</a:t>
+            </a:r>
+            <a:r>
+              <a:rPr lang="pt-BR" dirty="0"/>
+              <a:t>-end</a:t>
+            </a:r>
+            <a:r>
+              <a:rPr lang="pt-BR" dirty="0" smtClean="0"/>
+              <a:t>.</a:t>
+            </a:r>
+          </a:p>
+          <a:p>
+            <a:pPr marL="285750" indent="-285750" algn="just">
+              <a:buFont typeface="Arial" panose="020B0604020202020204" pitchFamily="34" charset="0"/>
+              <a:buChar char="•"/>
+            </a:pPr>
+            <a:endParaRPr lang="pt-BR" dirty="0"/>
+          </a:p>
+          <a:p>
+            <a:pPr marL="285750" indent="-285750" algn="just">
+              <a:buFont typeface="Arial" panose="020B0604020202020204" pitchFamily="34" charset="0"/>
+              <a:buChar char="•"/>
+            </a:pPr>
+            <a:r>
+              <a:rPr lang="pt-BR" sz="1200" i="1" dirty="0" smtClean="0"/>
+              <a:t>ps.: front-</a:t>
+            </a:r>
+            <a:r>
+              <a:rPr lang="pt-BR" sz="1200" i="1" dirty="0" err="1" smtClean="0"/>
+              <a:t>end</a:t>
+            </a:r>
+            <a:r>
+              <a:rPr lang="pt-BR" sz="1200" i="1" dirty="0" smtClean="0"/>
+              <a:t>  &gt; desenvolvedor trabalha diretamente com a parte da aplicação que interage com o usuário;</a:t>
+            </a:r>
+          </a:p>
+          <a:p>
+            <a:pPr marL="285750" indent="-285750" algn="just">
+              <a:buFont typeface="Arial" panose="020B0604020202020204" pitchFamily="34" charset="0"/>
+              <a:buChar char="•"/>
+            </a:pPr>
+            <a:r>
+              <a:rPr lang="pt-BR" sz="1200" i="1" dirty="0" smtClean="0"/>
+              <a:t> </a:t>
+            </a:r>
+            <a:r>
+              <a:rPr lang="pt-BR" sz="1200" i="1" dirty="0" err="1" smtClean="0"/>
+              <a:t>back-end</a:t>
+            </a:r>
+            <a:r>
+              <a:rPr lang="pt-BR" sz="1200" i="1" dirty="0"/>
+              <a:t> </a:t>
+            </a:r>
+            <a:r>
+              <a:rPr lang="pt-BR" sz="1200" i="1" dirty="0" smtClean="0"/>
+              <a:t>&gt; </a:t>
+            </a:r>
+            <a:r>
+              <a:rPr lang="pt-BR" sz="1200" dirty="0"/>
+              <a:t>trabalha na parte de “trás” da aplicação. Ele é o responsável, em termos gerais, pela implementação da regra de negócio.</a:t>
+            </a:r>
+            <a:endParaRPr lang="pt-BR" sz="1200" i="1" dirty="0" smtClean="0"/>
+          </a:p>
+        </p:txBody>
+      </p:sp>
+    </p:spTree>
+    <p:extLst>
+      <p:ext uri="{BB962C8B-B14F-4D97-AF65-F5344CB8AC3E}">
+        <p14:creationId xmlns:p14="http://schemas.microsoft.com/office/powerpoint/2010/main" val="1370509118"/>
+      </p:ext>
+    </p:extLst>
+  </p:cSld>
+  <p:clrMapOvr>
+    <a:masterClrMapping/>
+  </p:clrMapOvr>
+  <mc:AlternateContent xmlns:mc="http://schemas.openxmlformats.org/markup-compatibility/2006">
+    <mc:Choice xmlns:p14="http://schemas.microsoft.com/office/powerpoint/2010/main" Requires="p14">
+      <p:transition spd="slow" p14:dur="2000"/>
+    </mc:Choice>
+    <mc:Fallback>
+      <p:transition spd="slow"/>
+    </mc:Fallback>
+  </mc:AlternateContent>
+  <p:timing>
+    <p:tnLst>
+      <p:par>
+        <p:cTn id="1" dur="indefinite" restart="never" nodeType="tmRoot">
+          <p:childTnLst>
+            <p:seq concurrent="1" nextAc="seek">
+              <p:cTn id="2" dur="indefinite" nodeType="mainSeq">
+                <p:childTnLst>
+                  <p:par>
+                    <p:cTn id="3" fill="hold">
+                      <p:stCondLst>
+                        <p:cond delay="indefinite"/>
+                      </p:stCondLst>
+                      <p:childTnLst>
+                        <p:par>
+                          <p:cTn id="4" fill="hold">
+                            <p:stCondLst>
+                              <p:cond delay="0"/>
+                            </p:stCondLst>
+                            <p:childTnLst>
+                              <p:par>
+                                <p:cTn id="5" presetID="53" presetClass="entr" presetSubtype="16" fill="hold" grpId="0" nodeType="clickEffect">
+                                  <p:stCondLst>
+                                    <p:cond delay="0"/>
+                                  </p:stCondLst>
+                                  <p:childTnLst>
+                                    <p:set>
+                                      <p:cBhvr>
+                                        <p:cTn id="6" dur="1" fill="hold">
+                                          <p:stCondLst>
+                                            <p:cond delay="0"/>
+                                          </p:stCondLst>
+                                        </p:cTn>
+                                        <p:tgtEl>
+                                          <p:spTgt spid="8">
+                                            <p:txEl>
+                                              <p:pRg st="0" end="0"/>
+                                            </p:txEl>
+                                          </p:spTgt>
+                                        </p:tgtEl>
+                                        <p:attrNameLst>
+                                          <p:attrName>style.visibility</p:attrName>
+                                        </p:attrNameLst>
+                                      </p:cBhvr>
+                                      <p:to>
+                                        <p:strVal val="visible"/>
+                                      </p:to>
+                                    </p:set>
+                                    <p:anim calcmode="lin" valueType="num">
+                                      <p:cBhvr>
+                                        <p:cTn id="7" dur="500" fill="hold"/>
+                                        <p:tgtEl>
+                                          <p:spTgt spid="8">
+                                            <p:txEl>
+                                              <p:pRg st="0" end="0"/>
+                                            </p:txEl>
+                                          </p:spTgt>
+                                        </p:tgtEl>
+                                        <p:attrNameLst>
+                                          <p:attrName>ppt_w</p:attrName>
+                                        </p:attrNameLst>
+                                      </p:cBhvr>
+                                      <p:tavLst>
+                                        <p:tav tm="0">
+                                          <p:val>
+                                            <p:fltVal val="0"/>
+                                          </p:val>
+                                        </p:tav>
+                                        <p:tav tm="100000">
+                                          <p:val>
+                                            <p:strVal val="#ppt_w"/>
+                                          </p:val>
+                                        </p:tav>
+                                      </p:tavLst>
+                                    </p:anim>
+                                    <p:anim calcmode="lin" valueType="num">
+                                      <p:cBhvr>
+                                        <p:cTn id="8" dur="500" fill="hold"/>
+                                        <p:tgtEl>
+                                          <p:spTgt spid="8">
+                                            <p:txEl>
+                                              <p:pRg st="0" end="0"/>
+                                            </p:txEl>
+                                          </p:spTgt>
+                                        </p:tgtEl>
+                                        <p:attrNameLst>
+                                          <p:attrName>ppt_h</p:attrName>
+                                        </p:attrNameLst>
+                                      </p:cBhvr>
+                                      <p:tavLst>
+                                        <p:tav tm="0">
+                                          <p:val>
+                                            <p:fltVal val="0"/>
+                                          </p:val>
+                                        </p:tav>
+                                        <p:tav tm="100000">
+                                          <p:val>
+                                            <p:strVal val="#ppt_h"/>
+                                          </p:val>
+                                        </p:tav>
+                                      </p:tavLst>
+                                    </p:anim>
+                                    <p:animEffect transition="in" filter="fade">
+                                      <p:cBhvr>
+                                        <p:cTn id="9" dur="500"/>
+                                        <p:tgtEl>
+                                          <p:spTgt spid="8">
+                                            <p:txEl>
+                                              <p:pRg st="0" end="0"/>
+                                            </p:txEl>
+                                          </p:spTgt>
+                                        </p:tgtEl>
+                                      </p:cBhvr>
+                                    </p:animEffect>
+                                  </p:childTnLst>
+                                </p:cTn>
+                              </p:par>
+                            </p:childTnLst>
+                          </p:cTn>
+                        </p:par>
+                      </p:childTnLst>
+                    </p:cTn>
+                  </p:par>
+                  <p:par>
+                    <p:cTn id="10" fill="hold">
+                      <p:stCondLst>
+                        <p:cond delay="indefinite"/>
+                      </p:stCondLst>
+                      <p:childTnLst>
+                        <p:par>
+                          <p:cTn id="11" fill="hold">
+                            <p:stCondLst>
+                              <p:cond delay="0"/>
+                            </p:stCondLst>
+                            <p:childTnLst>
+                              <p:par>
+                                <p:cTn id="12" presetID="53" presetClass="entr" presetSubtype="16" fill="hold" grpId="0" nodeType="clickEffect">
+                                  <p:stCondLst>
+                                    <p:cond delay="0"/>
+                                  </p:stCondLst>
+                                  <p:childTnLst>
+                                    <p:set>
+                                      <p:cBhvr>
+                                        <p:cTn id="13" dur="1" fill="hold">
+                                          <p:stCondLst>
+                                            <p:cond delay="0"/>
+                                          </p:stCondLst>
+                                        </p:cTn>
+                                        <p:tgtEl>
+                                          <p:spTgt spid="8">
+                                            <p:txEl>
+                                              <p:pRg st="1" end="1"/>
+                                            </p:txEl>
+                                          </p:spTgt>
+                                        </p:tgtEl>
+                                        <p:attrNameLst>
+                                          <p:attrName>style.visibility</p:attrName>
+                                        </p:attrNameLst>
+                                      </p:cBhvr>
+                                      <p:to>
+                                        <p:strVal val="visible"/>
+                                      </p:to>
+                                    </p:set>
+                                    <p:anim calcmode="lin" valueType="num">
+                                      <p:cBhvr>
+                                        <p:cTn id="14" dur="500" fill="hold"/>
+                                        <p:tgtEl>
+                                          <p:spTgt spid="8">
+                                            <p:txEl>
+                                              <p:pRg st="1" end="1"/>
+                                            </p:txEl>
+                                          </p:spTgt>
+                                        </p:tgtEl>
+                                        <p:attrNameLst>
+                                          <p:attrName>ppt_w</p:attrName>
+                                        </p:attrNameLst>
+                                      </p:cBhvr>
+                                      <p:tavLst>
+                                        <p:tav tm="0">
+                                          <p:val>
+                                            <p:fltVal val="0"/>
+                                          </p:val>
+                                        </p:tav>
+                                        <p:tav tm="100000">
+                                          <p:val>
+                                            <p:strVal val="#ppt_w"/>
+                                          </p:val>
+                                        </p:tav>
+                                      </p:tavLst>
+                                    </p:anim>
+                                    <p:anim calcmode="lin" valueType="num">
+                                      <p:cBhvr>
+                                        <p:cTn id="15" dur="500" fill="hold"/>
+                                        <p:tgtEl>
+                                          <p:spTgt spid="8">
+                                            <p:txEl>
+                                              <p:pRg st="1" end="1"/>
+                                            </p:txEl>
+                                          </p:spTgt>
+                                        </p:tgtEl>
+                                        <p:attrNameLst>
+                                          <p:attrName>ppt_h</p:attrName>
+                                        </p:attrNameLst>
+                                      </p:cBhvr>
+                                      <p:tavLst>
+                                        <p:tav tm="0">
+                                          <p:val>
+                                            <p:fltVal val="0"/>
+                                          </p:val>
+                                        </p:tav>
+                                        <p:tav tm="100000">
+                                          <p:val>
+                                            <p:strVal val="#ppt_h"/>
+                                          </p:val>
+                                        </p:tav>
+                                      </p:tavLst>
+                                    </p:anim>
+                                    <p:animEffect transition="in" filter="fade">
+                                      <p:cBhvr>
+                                        <p:cTn id="16" dur="500"/>
+                                        <p:tgtEl>
+                                          <p:spTgt spid="8">
+                                            <p:txEl>
+                                              <p:pRg st="1" end="1"/>
+                                            </p:txEl>
+                                          </p:spTgt>
+                                        </p:tgtEl>
+                                      </p:cBhvr>
+                                    </p:animEffect>
+                                  </p:childTnLst>
+                                </p:cTn>
+                              </p:par>
+                            </p:childTnLst>
+                          </p:cTn>
+                        </p:par>
+                      </p:childTnLst>
+                    </p:cTn>
+                  </p:par>
+                  <p:par>
+                    <p:cTn id="17" fill="hold">
+                      <p:stCondLst>
+                        <p:cond delay="indefinite"/>
+                      </p:stCondLst>
+                      <p:childTnLst>
+                        <p:par>
+                          <p:cTn id="18" fill="hold">
+                            <p:stCondLst>
+                              <p:cond delay="0"/>
+                            </p:stCondLst>
+                            <p:childTnLst>
+                              <p:par>
+                                <p:cTn id="19" presetID="10" presetClass="entr" presetSubtype="0" fill="hold" grpId="0" nodeType="clickEffect">
+                                  <p:stCondLst>
+                                    <p:cond delay="0"/>
+                                  </p:stCondLst>
+                                  <p:childTnLst>
+                                    <p:set>
+                                      <p:cBhvr>
+                                        <p:cTn id="20" dur="1" fill="hold">
+                                          <p:stCondLst>
+                                            <p:cond delay="0"/>
+                                          </p:stCondLst>
+                                        </p:cTn>
+                                        <p:tgtEl>
+                                          <p:spTgt spid="6"/>
+                                        </p:tgtEl>
+                                        <p:attrNameLst>
+                                          <p:attrName>style.visibility</p:attrName>
+                                        </p:attrNameLst>
+                                      </p:cBhvr>
+                                      <p:to>
+                                        <p:strVal val="visible"/>
+                                      </p:to>
+                                    </p:set>
+                                    <p:animEffect transition="in" filter="fade">
+                                      <p:cBhvr>
+                                        <p:cTn id="21" dur="500"/>
+                                        <p:tgtEl>
+                                          <p:spTgt spid="6"/>
+                                        </p:tgtEl>
+                                      </p:cBhvr>
+                                    </p:animEffect>
+                                  </p:childTnLst>
+                                </p:cTn>
+                              </p:par>
+                            </p:childTnLst>
+                          </p:cTn>
+                        </p:par>
+                      </p:childTnLst>
+                    </p:cTn>
+                  </p:par>
+                  <p:par>
+                    <p:cTn id="22" fill="hold">
+                      <p:stCondLst>
+                        <p:cond delay="indefinite"/>
+                      </p:stCondLst>
+                      <p:childTnLst>
+                        <p:par>
+                          <p:cTn id="23" fill="hold">
+                            <p:stCondLst>
+                              <p:cond delay="0"/>
+                            </p:stCondLst>
+                            <p:childTnLst>
+                              <p:par>
+                                <p:cTn id="24" presetID="10" presetClass="entr" presetSubtype="0" fill="hold" grpId="0" nodeType="clickEffect">
+                                  <p:stCondLst>
+                                    <p:cond delay="0"/>
+                                  </p:stCondLst>
+                                  <p:childTnLst>
+                                    <p:set>
+                                      <p:cBhvr>
+                                        <p:cTn id="25" dur="1" fill="hold">
+                                          <p:stCondLst>
+                                            <p:cond delay="0"/>
+                                          </p:stCondLst>
+                                        </p:cTn>
+                                        <p:tgtEl>
+                                          <p:spTgt spid="5"/>
+                                        </p:tgtEl>
+                                        <p:attrNameLst>
+                                          <p:attrName>style.visibility</p:attrName>
+                                        </p:attrNameLst>
+                                      </p:cBhvr>
+                                      <p:to>
+                                        <p:strVal val="visible"/>
+                                      </p:to>
+                                    </p:set>
+                                    <p:animEffect transition="in" filter="fade">
+                                      <p:cBhvr>
+                                        <p:cTn id="26" dur="500"/>
+                                        <p:tgtEl>
+                                          <p:spTgt spid="5"/>
+                                        </p:tgtEl>
+                                      </p:cBhvr>
+                                    </p:animEffect>
+                                  </p:childTnLst>
+                                </p:cTn>
+                              </p:par>
+                            </p:childTnLst>
+                          </p:cTn>
+                        </p:par>
+                      </p:childTnLst>
+                    </p:cTn>
+                  </p:par>
+                </p:childTnLst>
+              </p:cTn>
+              <p:prevCondLst>
+                <p:cond evt="onPrev" delay="0">
+                  <p:tgtEl>
+                    <p:sldTgt/>
+                  </p:tgtEl>
+                </p:cond>
+              </p:prevCondLst>
+              <p:nextCondLst>
+                <p:cond evt="onNext" delay="0">
+                  <p:tgtEl>
+                    <p:sldTgt/>
+                  </p:tgtEl>
+                </p:cond>
+              </p:nextCondLst>
+            </p:seq>
+          </p:childTnLst>
+        </p:cTn>
+      </p:par>
+    </p:tnLst>
+    <p:bldLst>
+      <p:bldP spid="8" grpId="0" build="p"/>
+      <p:bldP spid="6" grpId="0"/>
+      <p:bldP spid="5" grpId="0"/>
+    </p:bldLst>
+  </p:timing>
+</p:sld>
+</file>
+
+<file path=ppt/slides/slide15.xml><?xml version="1.0" encoding="utf-8"?>
+<p:sld xmlns:a="http://schemas.openxmlformats.org/drawingml/2006/main" xmlns:r="http://schemas.openxmlformats.org/officeDocument/2006/relationships" xmlns:p="http://schemas.openxmlformats.org/presentationml/2006/main">
+  <p:cSld>
+    <p:spTree>
+      <p:nvGrpSpPr>
+        <p:cNvPr id="1" name=""/>
+        <p:cNvGrpSpPr/>
+        <p:nvPr/>
+      </p:nvGrpSpPr>
+      <p:grpSpPr>
+        <a:xfrm>
+          <a:off x="0" y="0"/>
+          <a:ext cx="0" cy="0"/>
+          <a:chOff x="0" y="0"/>
+          <a:chExt cx="0" cy="0"/>
+        </a:xfrm>
+      </p:grpSpPr>
+      <p:sp>
+        <p:nvSpPr>
+          <p:cNvPr id="8" name="Espaço Reservado para Texto 7"/>
+          <p:cNvSpPr>
+            <a:spLocks noGrp="1"/>
+          </p:cNvSpPr>
+          <p:nvPr>
+            <p:ph type="body" idx="1"/>
+          </p:nvPr>
+        </p:nvSpPr>
+        <p:spPr>
+          <a:xfrm>
+            <a:off x="642910" y="0"/>
+            <a:ext cx="7772400" cy="1500187"/>
+          </a:xfrm>
+        </p:spPr>
+        <p:txBody>
+          <a:bodyPr>
+            <a:normAutofit/>
+          </a:bodyPr>
+          <a:lstStyle/>
+          <a:p>
+            <a:r>
+              <a:rPr lang="pt-BR" sz="2400" dirty="0" smtClean="0"/>
+              <a:t>Linguagens e ferramentas para desenvolvimento de aplicações para dispositivos móveis</a:t>
+            </a:r>
+          </a:p>
+          <a:p>
+            <a:r>
+              <a:rPr lang="pt-BR" sz="2400" b="1" dirty="0" smtClean="0"/>
+              <a:t>Linguagens</a:t>
+            </a:r>
+            <a:endParaRPr lang="pt-BR" sz="2400" b="1" dirty="0"/>
+          </a:p>
+        </p:txBody>
+      </p:sp>
+      <p:sp>
+        <p:nvSpPr>
+          <p:cNvPr id="6" name="CaixaDeTexto 5"/>
+          <p:cNvSpPr txBox="1"/>
+          <p:nvPr/>
+        </p:nvSpPr>
+        <p:spPr>
+          <a:xfrm>
+            <a:off x="642910" y="1772816"/>
+            <a:ext cx="7515718" cy="1477328"/>
+          </a:xfrm>
+          <a:prstGeom prst="rect">
+            <a:avLst/>
+          </a:prstGeom>
+          <a:noFill/>
+        </p:spPr>
+        <p:txBody>
+          <a:bodyPr wrap="square" rtlCol="0">
+            <a:spAutoFit/>
+          </a:bodyPr>
+          <a:lstStyle/>
+          <a:p>
+            <a:pPr algn="just"/>
+            <a:r>
+              <a:rPr lang="pt-BR" b="1" dirty="0" smtClean="0"/>
+              <a:t>HTML5</a:t>
+            </a:r>
+            <a:endParaRPr lang="pt-BR" b="1" dirty="0" smtClean="0"/>
+          </a:p>
+          <a:p>
+            <a:pPr marL="285750" indent="-285750" algn="just">
+              <a:buFont typeface="Arial" panose="020B0604020202020204" pitchFamily="34" charset="0"/>
+              <a:buChar char="•"/>
+            </a:pPr>
+            <a:r>
+              <a:rPr lang="pt-BR" dirty="0"/>
+              <a:t>O</a:t>
+            </a:r>
+            <a:r>
+              <a:rPr lang="pt-BR" dirty="0" smtClean="0"/>
+              <a:t>pção </a:t>
+            </a:r>
+            <a:r>
+              <a:rPr lang="pt-BR" dirty="0"/>
+              <a:t>no desenvolvimento de aplicativos para dispositivos móveis baseados na Web</a:t>
+            </a:r>
+            <a:r>
+              <a:rPr lang="pt-BR" dirty="0" smtClean="0"/>
+              <a:t>;</a:t>
+            </a:r>
+          </a:p>
+          <a:p>
+            <a:pPr marL="285750" indent="-285750" algn="just">
+              <a:buFont typeface="Arial" panose="020B0604020202020204" pitchFamily="34" charset="0"/>
+              <a:buChar char="•"/>
+            </a:pPr>
+            <a:r>
+              <a:rPr lang="pt-BR" dirty="0" smtClean="0"/>
+              <a:t>Por sua flexibilidade, os </a:t>
+            </a:r>
+            <a:r>
+              <a:rPr lang="pt-BR" dirty="0"/>
+              <a:t>desenvolvedores de </a:t>
+            </a:r>
+            <a:r>
+              <a:rPr lang="pt-BR" dirty="0" err="1"/>
+              <a:t>Android</a:t>
+            </a:r>
+            <a:r>
+              <a:rPr lang="pt-BR" dirty="0"/>
+              <a:t> e </a:t>
+            </a:r>
+            <a:r>
+              <a:rPr lang="pt-BR" dirty="0" err="1"/>
+              <a:t>iOS</a:t>
+            </a:r>
+            <a:r>
+              <a:rPr lang="pt-BR" dirty="0"/>
+              <a:t> podem criar aplicativos usando </a:t>
+            </a:r>
+            <a:r>
+              <a:rPr lang="pt-BR" dirty="0" smtClean="0"/>
+              <a:t>HTML5</a:t>
+            </a:r>
+            <a:r>
+              <a:rPr lang="pt-BR" dirty="0"/>
+              <a:t>;</a:t>
+            </a:r>
+            <a:endParaRPr lang="pt-BR" dirty="0" smtClean="0"/>
+          </a:p>
+        </p:txBody>
+      </p:sp>
+      <p:sp>
+        <p:nvSpPr>
+          <p:cNvPr id="5" name="CaixaDeTexto 4"/>
+          <p:cNvSpPr txBox="1"/>
+          <p:nvPr/>
+        </p:nvSpPr>
+        <p:spPr>
+          <a:xfrm>
+            <a:off x="642910" y="3789040"/>
+            <a:ext cx="7515718" cy="2308324"/>
+          </a:xfrm>
+          <a:prstGeom prst="rect">
+            <a:avLst/>
+          </a:prstGeom>
+          <a:noFill/>
+        </p:spPr>
+        <p:txBody>
+          <a:bodyPr wrap="square" rtlCol="0">
+            <a:spAutoFit/>
+          </a:bodyPr>
+          <a:lstStyle/>
+          <a:p>
+            <a:pPr algn="just"/>
+            <a:r>
+              <a:rPr lang="pt-BR" b="1" dirty="0" err="1" smtClean="0"/>
+              <a:t>Ruby</a:t>
+            </a:r>
+            <a:endParaRPr lang="pt-BR" b="1" dirty="0" smtClean="0"/>
+          </a:p>
+          <a:p>
+            <a:pPr marL="285750" indent="-285750" algn="just">
+              <a:buFont typeface="Arial" panose="020B0604020202020204" pitchFamily="34" charset="0"/>
+              <a:buChar char="•"/>
+            </a:pPr>
+            <a:r>
+              <a:rPr lang="pt-BR" dirty="0"/>
+              <a:t>Assim como o PHP, </a:t>
+            </a:r>
+            <a:r>
+              <a:rPr lang="pt-BR" dirty="0" err="1"/>
+              <a:t>Ruby</a:t>
+            </a:r>
+            <a:r>
+              <a:rPr lang="pt-BR" dirty="0"/>
+              <a:t> é outra linguagem de script que os desenvolvedores usam para desenvolvimento web e forma a base do framework </a:t>
+            </a:r>
+            <a:r>
+              <a:rPr lang="pt-BR" dirty="0" err="1"/>
+              <a:t>Ruby</a:t>
+            </a:r>
+            <a:r>
+              <a:rPr lang="pt-BR" dirty="0"/>
+              <a:t> </a:t>
+            </a:r>
+            <a:r>
+              <a:rPr lang="pt-BR" dirty="0" err="1"/>
+              <a:t>on</a:t>
+            </a:r>
+            <a:r>
+              <a:rPr lang="pt-BR" dirty="0"/>
+              <a:t> </a:t>
+            </a:r>
+            <a:r>
+              <a:rPr lang="pt-BR" dirty="0" err="1" smtClean="0"/>
+              <a:t>Rails</a:t>
+            </a:r>
+            <a:r>
+              <a:rPr lang="pt-BR" dirty="0" smtClean="0"/>
+              <a:t>;</a:t>
+            </a:r>
+          </a:p>
+          <a:p>
+            <a:pPr marL="285750" indent="-285750" algn="just">
+              <a:buFont typeface="Arial" panose="020B0604020202020204" pitchFamily="34" charset="0"/>
+              <a:buChar char="•"/>
+            </a:pPr>
+            <a:r>
+              <a:rPr lang="pt-BR" dirty="0"/>
+              <a:t>É</a:t>
+            </a:r>
+            <a:r>
+              <a:rPr lang="pt-BR" dirty="0" smtClean="0"/>
+              <a:t> </a:t>
+            </a:r>
+            <a:r>
+              <a:rPr lang="pt-BR" dirty="0"/>
+              <a:t>considerada uma linguagem inteligente e viável porque é praticada em muitos lugares. O </a:t>
+            </a:r>
+            <a:r>
+              <a:rPr lang="pt-BR" dirty="0" err="1"/>
+              <a:t>Ruby</a:t>
+            </a:r>
+            <a:r>
+              <a:rPr lang="pt-BR" dirty="0"/>
+              <a:t> </a:t>
+            </a:r>
+            <a:r>
+              <a:rPr lang="pt-BR" dirty="0" err="1"/>
+              <a:t>on</a:t>
+            </a:r>
+            <a:r>
+              <a:rPr lang="pt-BR" dirty="0"/>
+              <a:t> </a:t>
+            </a:r>
+            <a:r>
+              <a:rPr lang="pt-BR" dirty="0" err="1"/>
+              <a:t>Rails</a:t>
+            </a:r>
+            <a:r>
+              <a:rPr lang="pt-BR" dirty="0"/>
+              <a:t> foi usado pelo </a:t>
+            </a:r>
+            <a:r>
+              <a:rPr lang="pt-BR" dirty="0" err="1"/>
+              <a:t>Twitter</a:t>
+            </a:r>
+            <a:r>
+              <a:rPr lang="pt-BR" dirty="0"/>
+              <a:t>, </a:t>
+            </a:r>
+            <a:r>
+              <a:rPr lang="pt-BR" dirty="0" err="1" smtClean="0"/>
+              <a:t>Bloomberg</a:t>
+            </a:r>
+            <a:r>
+              <a:rPr lang="pt-BR" dirty="0" smtClean="0"/>
+              <a:t> </a:t>
+            </a:r>
+            <a:r>
+              <a:rPr lang="pt-BR" dirty="0"/>
+              <a:t>e </a:t>
+            </a:r>
+            <a:r>
+              <a:rPr lang="pt-BR" dirty="0" err="1"/>
+              <a:t>Shopify</a:t>
+            </a:r>
+            <a:r>
+              <a:rPr lang="pt-BR" dirty="0"/>
+              <a:t> para construir sua presença online.</a:t>
+            </a:r>
+            <a:endParaRPr lang="pt-BR" dirty="0" smtClean="0"/>
+          </a:p>
+          <a:p>
+            <a:pPr marL="285750" indent="-285750" algn="just">
+              <a:buFont typeface="Arial" panose="020B0604020202020204" pitchFamily="34" charset="0"/>
+              <a:buChar char="•"/>
+            </a:pPr>
+            <a:endParaRPr lang="pt-BR" dirty="0"/>
+          </a:p>
+        </p:txBody>
+      </p:sp>
+    </p:spTree>
+    <p:extLst>
+      <p:ext uri="{BB962C8B-B14F-4D97-AF65-F5344CB8AC3E}">
+        <p14:creationId xmlns:p14="http://schemas.microsoft.com/office/powerpoint/2010/main" val="2937504235"/>
+      </p:ext>
+    </p:extLst>
+  </p:cSld>
+  <p:clrMapOvr>
+    <a:masterClrMapping/>
+  </p:clrMapOvr>
+  <mc:AlternateContent xmlns:mc="http://schemas.openxmlformats.org/markup-compatibility/2006">
+    <mc:Choice xmlns:p14="http://schemas.microsoft.com/office/powerpoint/2010/main" Requires="p14">
+      <p:transition spd="slow" p14:dur="2000"/>
+    </mc:Choice>
+    <mc:Fallback>
+      <p:transition spd="slow"/>
+    </mc:Fallback>
+  </mc:AlternateContent>
+  <p:timing>
+    <p:tnLst>
+      <p:par>
+        <p:cTn id="1" dur="indefinite" restart="never" nodeType="tmRoot">
+          <p:childTnLst>
+            <p:seq concurrent="1" nextAc="seek">
+              <p:cTn id="2" dur="indefinite" nodeType="mainSeq">
+                <p:childTnLst>
+                  <p:par>
+                    <p:cTn id="3" fill="hold">
+                      <p:stCondLst>
+                        <p:cond delay="indefinite"/>
+                      </p:stCondLst>
+                      <p:childTnLst>
+                        <p:par>
+                          <p:cTn id="4" fill="hold">
+                            <p:stCondLst>
+                              <p:cond delay="0"/>
+                            </p:stCondLst>
+                            <p:childTnLst>
+                              <p:par>
+                                <p:cTn id="5" presetID="53" presetClass="entr" presetSubtype="16" fill="hold" grpId="0" nodeType="clickEffect">
+                                  <p:stCondLst>
+                                    <p:cond delay="0"/>
+                                  </p:stCondLst>
+                                  <p:childTnLst>
+                                    <p:set>
+                                      <p:cBhvr>
+                                        <p:cTn id="6" dur="1" fill="hold">
+                                          <p:stCondLst>
+                                            <p:cond delay="0"/>
+                                          </p:stCondLst>
+                                        </p:cTn>
+                                        <p:tgtEl>
+                                          <p:spTgt spid="8">
+                                            <p:txEl>
+                                              <p:pRg st="0" end="0"/>
+                                            </p:txEl>
+                                          </p:spTgt>
+                                        </p:tgtEl>
+                                        <p:attrNameLst>
+                                          <p:attrName>style.visibility</p:attrName>
+                                        </p:attrNameLst>
+                                      </p:cBhvr>
+                                      <p:to>
+                                        <p:strVal val="visible"/>
+                                      </p:to>
+                                    </p:set>
+                                    <p:anim calcmode="lin" valueType="num">
+                                      <p:cBhvr>
+                                        <p:cTn id="7" dur="500" fill="hold"/>
+                                        <p:tgtEl>
+                                          <p:spTgt spid="8">
+                                            <p:txEl>
+                                              <p:pRg st="0" end="0"/>
+                                            </p:txEl>
+                                          </p:spTgt>
+                                        </p:tgtEl>
+                                        <p:attrNameLst>
+                                          <p:attrName>ppt_w</p:attrName>
+                                        </p:attrNameLst>
+                                      </p:cBhvr>
+                                      <p:tavLst>
+                                        <p:tav tm="0">
+                                          <p:val>
+                                            <p:fltVal val="0"/>
+                                          </p:val>
+                                        </p:tav>
+                                        <p:tav tm="100000">
+                                          <p:val>
+                                            <p:strVal val="#ppt_w"/>
+                                          </p:val>
+                                        </p:tav>
+                                      </p:tavLst>
+                                    </p:anim>
+                                    <p:anim calcmode="lin" valueType="num">
+                                      <p:cBhvr>
+                                        <p:cTn id="8" dur="500" fill="hold"/>
+                                        <p:tgtEl>
+                                          <p:spTgt spid="8">
+                                            <p:txEl>
+                                              <p:pRg st="0" end="0"/>
+                                            </p:txEl>
+                                          </p:spTgt>
+                                        </p:tgtEl>
+                                        <p:attrNameLst>
+                                          <p:attrName>ppt_h</p:attrName>
+                                        </p:attrNameLst>
+                                      </p:cBhvr>
+                                      <p:tavLst>
+                                        <p:tav tm="0">
+                                          <p:val>
+                                            <p:fltVal val="0"/>
+                                          </p:val>
+                                        </p:tav>
+                                        <p:tav tm="100000">
+                                          <p:val>
+                                            <p:strVal val="#ppt_h"/>
+                                          </p:val>
+                                        </p:tav>
+                                      </p:tavLst>
+                                    </p:anim>
+                                    <p:animEffect transition="in" filter="fade">
+                                      <p:cBhvr>
+                                        <p:cTn id="9" dur="500"/>
+                                        <p:tgtEl>
+                                          <p:spTgt spid="8">
+                                            <p:txEl>
+                                              <p:pRg st="0" end="0"/>
+                                            </p:txEl>
+                                          </p:spTgt>
+                                        </p:tgtEl>
+                                      </p:cBhvr>
+                                    </p:animEffect>
+                                  </p:childTnLst>
+                                </p:cTn>
+                              </p:par>
+                            </p:childTnLst>
+                          </p:cTn>
+                        </p:par>
+                      </p:childTnLst>
+                    </p:cTn>
+                  </p:par>
+                  <p:par>
+                    <p:cTn id="10" fill="hold">
+                      <p:stCondLst>
+                        <p:cond delay="indefinite"/>
+                      </p:stCondLst>
+                      <p:childTnLst>
+                        <p:par>
+                          <p:cTn id="11" fill="hold">
+                            <p:stCondLst>
+                              <p:cond delay="0"/>
+                            </p:stCondLst>
+                            <p:childTnLst>
+                              <p:par>
+                                <p:cTn id="12" presetID="53" presetClass="entr" presetSubtype="16" fill="hold" grpId="0" nodeType="clickEffect">
+                                  <p:stCondLst>
+                                    <p:cond delay="0"/>
+                                  </p:stCondLst>
+                                  <p:childTnLst>
+                                    <p:set>
+                                      <p:cBhvr>
+                                        <p:cTn id="13" dur="1" fill="hold">
+                                          <p:stCondLst>
+                                            <p:cond delay="0"/>
+                                          </p:stCondLst>
+                                        </p:cTn>
+                                        <p:tgtEl>
+                                          <p:spTgt spid="8">
+                                            <p:txEl>
+                                              <p:pRg st="1" end="1"/>
+                                            </p:txEl>
+                                          </p:spTgt>
+                                        </p:tgtEl>
+                                        <p:attrNameLst>
+                                          <p:attrName>style.visibility</p:attrName>
+                                        </p:attrNameLst>
+                                      </p:cBhvr>
+                                      <p:to>
+                                        <p:strVal val="visible"/>
+                                      </p:to>
+                                    </p:set>
+                                    <p:anim calcmode="lin" valueType="num">
+                                      <p:cBhvr>
+                                        <p:cTn id="14" dur="500" fill="hold"/>
+                                        <p:tgtEl>
+                                          <p:spTgt spid="8">
+                                            <p:txEl>
+                                              <p:pRg st="1" end="1"/>
+                                            </p:txEl>
+                                          </p:spTgt>
+                                        </p:tgtEl>
+                                        <p:attrNameLst>
+                                          <p:attrName>ppt_w</p:attrName>
+                                        </p:attrNameLst>
+                                      </p:cBhvr>
+                                      <p:tavLst>
+                                        <p:tav tm="0">
+                                          <p:val>
+                                            <p:fltVal val="0"/>
+                                          </p:val>
+                                        </p:tav>
+                                        <p:tav tm="100000">
+                                          <p:val>
+                                            <p:strVal val="#ppt_w"/>
+                                          </p:val>
+                                        </p:tav>
+                                      </p:tavLst>
+                                    </p:anim>
+                                    <p:anim calcmode="lin" valueType="num">
+                                      <p:cBhvr>
+                                        <p:cTn id="15" dur="500" fill="hold"/>
+                                        <p:tgtEl>
+                                          <p:spTgt spid="8">
+                                            <p:txEl>
+                                              <p:pRg st="1" end="1"/>
+                                            </p:txEl>
+                                          </p:spTgt>
+                                        </p:tgtEl>
+                                        <p:attrNameLst>
+                                          <p:attrName>ppt_h</p:attrName>
+                                        </p:attrNameLst>
+                                      </p:cBhvr>
+                                      <p:tavLst>
+                                        <p:tav tm="0">
+                                          <p:val>
+                                            <p:fltVal val="0"/>
+                                          </p:val>
+                                        </p:tav>
+                                        <p:tav tm="100000">
+                                          <p:val>
+                                            <p:strVal val="#ppt_h"/>
+                                          </p:val>
+                                        </p:tav>
+                                      </p:tavLst>
+                                    </p:anim>
+                                    <p:animEffect transition="in" filter="fade">
+                                      <p:cBhvr>
+                                        <p:cTn id="16" dur="500"/>
+                                        <p:tgtEl>
+                                          <p:spTgt spid="8">
+                                            <p:txEl>
+                                              <p:pRg st="1" end="1"/>
+                                            </p:txEl>
+                                          </p:spTgt>
+                                        </p:tgtEl>
+                                      </p:cBhvr>
+                                    </p:animEffect>
+                                  </p:childTnLst>
+                                </p:cTn>
+                              </p:par>
+                            </p:childTnLst>
+                          </p:cTn>
+                        </p:par>
+                      </p:childTnLst>
+                    </p:cTn>
+                  </p:par>
+                  <p:par>
+                    <p:cTn id="17" fill="hold">
+                      <p:stCondLst>
+                        <p:cond delay="indefinite"/>
+                      </p:stCondLst>
+                      <p:childTnLst>
+                        <p:par>
+                          <p:cTn id="18" fill="hold">
+                            <p:stCondLst>
+                              <p:cond delay="0"/>
+                            </p:stCondLst>
+                            <p:childTnLst>
+                              <p:par>
+                                <p:cTn id="19" presetID="10" presetClass="entr" presetSubtype="0" fill="hold" grpId="0" nodeType="clickEffect">
+                                  <p:stCondLst>
+                                    <p:cond delay="0"/>
+                                  </p:stCondLst>
+                                  <p:childTnLst>
+                                    <p:set>
+                                      <p:cBhvr>
+                                        <p:cTn id="20" dur="1" fill="hold">
+                                          <p:stCondLst>
+                                            <p:cond delay="0"/>
+                                          </p:stCondLst>
+                                        </p:cTn>
+                                        <p:tgtEl>
+                                          <p:spTgt spid="6"/>
+                                        </p:tgtEl>
+                                        <p:attrNameLst>
+                                          <p:attrName>style.visibility</p:attrName>
+                                        </p:attrNameLst>
+                                      </p:cBhvr>
+                                      <p:to>
+                                        <p:strVal val="visible"/>
+                                      </p:to>
+                                    </p:set>
+                                    <p:animEffect transition="in" filter="fade">
+                                      <p:cBhvr>
+                                        <p:cTn id="21" dur="500"/>
+                                        <p:tgtEl>
+                                          <p:spTgt spid="6"/>
+                                        </p:tgtEl>
+                                      </p:cBhvr>
+                                    </p:animEffect>
+                                  </p:childTnLst>
+                                </p:cTn>
+                              </p:par>
+                            </p:childTnLst>
+                          </p:cTn>
+                        </p:par>
+                      </p:childTnLst>
+                    </p:cTn>
+                  </p:par>
+                  <p:par>
+                    <p:cTn id="22" fill="hold">
+                      <p:stCondLst>
+                        <p:cond delay="indefinite"/>
+                      </p:stCondLst>
+                      <p:childTnLst>
+                        <p:par>
+                          <p:cTn id="23" fill="hold">
+                            <p:stCondLst>
+                              <p:cond delay="0"/>
+                            </p:stCondLst>
+                            <p:childTnLst>
+                              <p:par>
+                                <p:cTn id="24" presetID="10" presetClass="entr" presetSubtype="0" fill="hold" grpId="0" nodeType="clickEffect">
+                                  <p:stCondLst>
+                                    <p:cond delay="0"/>
+                                  </p:stCondLst>
+                                  <p:childTnLst>
+                                    <p:set>
+                                      <p:cBhvr>
+                                        <p:cTn id="25" dur="1" fill="hold">
+                                          <p:stCondLst>
+                                            <p:cond delay="0"/>
+                                          </p:stCondLst>
+                                        </p:cTn>
+                                        <p:tgtEl>
+                                          <p:spTgt spid="5"/>
+                                        </p:tgtEl>
+                                        <p:attrNameLst>
+                                          <p:attrName>style.visibility</p:attrName>
+                                        </p:attrNameLst>
+                                      </p:cBhvr>
+                                      <p:to>
+                                        <p:strVal val="visible"/>
+                                      </p:to>
+                                    </p:set>
+                                    <p:animEffect transition="in" filter="fade">
+                                      <p:cBhvr>
+                                        <p:cTn id="26" dur="500"/>
+                                        <p:tgtEl>
+                                          <p:spTgt spid="5"/>
+                                        </p:tgtEl>
+                                      </p:cBhvr>
+                                    </p:animEffect>
+                                  </p:childTnLst>
+                                </p:cTn>
+                              </p:par>
+                            </p:childTnLst>
+                          </p:cTn>
+                        </p:par>
+                      </p:childTnLst>
+                    </p:cTn>
+                  </p:par>
+                </p:childTnLst>
+              </p:cTn>
+              <p:prevCondLst>
+                <p:cond evt="onPrev" delay="0">
+                  <p:tgtEl>
+                    <p:sldTgt/>
+                  </p:tgtEl>
+                </p:cond>
+              </p:prevCondLst>
+              <p:nextCondLst>
+                <p:cond evt="onNext" delay="0">
+                  <p:tgtEl>
+                    <p:sldTgt/>
+                  </p:tgtEl>
+                </p:cond>
+              </p:nextCondLst>
+            </p:seq>
+          </p:childTnLst>
+        </p:cTn>
+      </p:par>
+    </p:tnLst>
+    <p:bldLst>
+      <p:bldP spid="8" grpId="0" build="p"/>
+      <p:bldP spid="6" grpId="0"/>
+      <p:bldP spid="5" grpId="0"/>
+    </p:bldLst>
+  </p:timing>
+</p:sld>
+</file>
+
+<file path=ppt/slides/slide16.xml><?xml version="1.0" encoding="utf-8"?>
+<p:sld xmlns:a="http://schemas.openxmlformats.org/drawingml/2006/main" xmlns:r="http://schemas.openxmlformats.org/officeDocument/2006/relationships" xmlns:p="http://schemas.openxmlformats.org/presentationml/2006/main">
+  <p:cSld>
+    <p:spTree>
+      <p:nvGrpSpPr>
+        <p:cNvPr id="1" name=""/>
+        <p:cNvGrpSpPr/>
+        <p:nvPr/>
+      </p:nvGrpSpPr>
+      <p:grpSpPr>
+        <a:xfrm>
+          <a:off x="0" y="0"/>
+          <a:ext cx="0" cy="0"/>
+          <a:chOff x="0" y="0"/>
+          <a:chExt cx="0" cy="0"/>
+        </a:xfrm>
+      </p:grpSpPr>
+      <p:sp>
+        <p:nvSpPr>
+          <p:cNvPr id="8" name="Espaço Reservado para Texto 7"/>
+          <p:cNvSpPr>
+            <a:spLocks noGrp="1"/>
+          </p:cNvSpPr>
+          <p:nvPr>
+            <p:ph type="body" idx="1"/>
+          </p:nvPr>
+        </p:nvSpPr>
+        <p:spPr>
+          <a:xfrm>
+            <a:off x="642910" y="0"/>
+            <a:ext cx="7772400" cy="1500187"/>
+          </a:xfrm>
+        </p:spPr>
+        <p:txBody>
+          <a:bodyPr>
+            <a:normAutofit/>
+          </a:bodyPr>
+          <a:lstStyle/>
+          <a:p>
+            <a:r>
+              <a:rPr lang="pt-BR" sz="2400" dirty="0" smtClean="0"/>
+              <a:t>Linguagens e ferramentas para desenvolvimento de aplicações para dispositivos móveis</a:t>
+            </a:r>
+          </a:p>
+          <a:p>
+            <a:r>
+              <a:rPr lang="pt-BR" sz="2400" b="1" dirty="0" smtClean="0"/>
+              <a:t>Linguagens</a:t>
+            </a:r>
+            <a:endParaRPr lang="pt-BR" sz="2400" b="1" dirty="0"/>
+          </a:p>
+        </p:txBody>
+      </p:sp>
+      <p:sp>
+        <p:nvSpPr>
+          <p:cNvPr id="6" name="CaixaDeTexto 5"/>
+          <p:cNvSpPr txBox="1"/>
+          <p:nvPr/>
+        </p:nvSpPr>
+        <p:spPr>
+          <a:xfrm>
+            <a:off x="642910" y="1772816"/>
+            <a:ext cx="7515718" cy="1200329"/>
+          </a:xfrm>
+          <a:prstGeom prst="rect">
+            <a:avLst/>
+          </a:prstGeom>
+          <a:noFill/>
+        </p:spPr>
+        <p:txBody>
+          <a:bodyPr wrap="square" rtlCol="0">
+            <a:spAutoFit/>
+          </a:bodyPr>
+          <a:lstStyle/>
+          <a:p>
+            <a:pPr algn="just"/>
+            <a:r>
+              <a:rPr lang="pt-BR" b="1" dirty="0" err="1" smtClean="0"/>
+              <a:t>Rust</a:t>
+            </a:r>
+            <a:endParaRPr lang="pt-BR" b="1" dirty="0" smtClean="0"/>
+          </a:p>
+          <a:p>
+            <a:pPr marL="285750" indent="-285750" algn="just">
+              <a:buFont typeface="Arial" panose="020B0604020202020204" pitchFamily="34" charset="0"/>
+              <a:buChar char="•"/>
+            </a:pPr>
+            <a:r>
+              <a:rPr lang="pt-BR" dirty="0" smtClean="0"/>
+              <a:t>Desenvolvido </a:t>
+            </a:r>
+            <a:r>
+              <a:rPr lang="pt-BR" dirty="0"/>
+              <a:t>pelos criadores do navegador Mozilla </a:t>
+            </a:r>
+            <a:r>
+              <a:rPr lang="pt-BR" dirty="0" err="1"/>
+              <a:t>FireFox</a:t>
+            </a:r>
+            <a:r>
+              <a:rPr lang="pt-BR" dirty="0" smtClean="0"/>
+              <a:t>;</a:t>
+            </a:r>
+          </a:p>
+          <a:p>
+            <a:pPr marL="285750" indent="-285750" algn="just">
+              <a:buFont typeface="Arial" panose="020B0604020202020204" pitchFamily="34" charset="0"/>
+              <a:buChar char="•"/>
+            </a:pPr>
+            <a:r>
+              <a:rPr lang="pt-BR" dirty="0"/>
+              <a:t>S</a:t>
+            </a:r>
+            <a:r>
+              <a:rPr lang="pt-BR" dirty="0" smtClean="0"/>
+              <a:t>upera </a:t>
+            </a:r>
+            <a:r>
+              <a:rPr lang="pt-BR" dirty="0"/>
+              <a:t>C e C ++ nas questões de velocidade, agilidade e segurança.</a:t>
+            </a:r>
+            <a:r>
+              <a:rPr lang="pt-BR" dirty="0" smtClean="0"/>
+              <a:t>;</a:t>
+            </a:r>
+            <a:endParaRPr lang="pt-BR" dirty="0" smtClean="0"/>
+          </a:p>
+        </p:txBody>
+      </p:sp>
+      <p:sp>
+        <p:nvSpPr>
+          <p:cNvPr id="5" name="CaixaDeTexto 4"/>
+          <p:cNvSpPr txBox="1"/>
+          <p:nvPr/>
+        </p:nvSpPr>
+        <p:spPr>
+          <a:xfrm>
+            <a:off x="642910" y="3789040"/>
+            <a:ext cx="7515718" cy="2031325"/>
+          </a:xfrm>
+          <a:prstGeom prst="rect">
+            <a:avLst/>
+          </a:prstGeom>
+          <a:noFill/>
+        </p:spPr>
+        <p:txBody>
+          <a:bodyPr wrap="square" rtlCol="0">
+            <a:spAutoFit/>
+          </a:bodyPr>
+          <a:lstStyle/>
+          <a:p>
+            <a:pPr algn="just"/>
+            <a:r>
+              <a:rPr lang="pt-BR" b="1" dirty="0" smtClean="0"/>
+              <a:t>BuildFire.js</a:t>
+            </a:r>
+            <a:endParaRPr lang="pt-BR" b="1" dirty="0" smtClean="0"/>
+          </a:p>
+          <a:p>
+            <a:pPr marL="285750" indent="-285750" algn="just">
+              <a:buFont typeface="Arial" panose="020B0604020202020204" pitchFamily="34" charset="0"/>
+              <a:buChar char="•"/>
+            </a:pPr>
+            <a:r>
+              <a:rPr lang="pt-BR" dirty="0"/>
+              <a:t>F</a:t>
+            </a:r>
+            <a:r>
+              <a:rPr lang="pt-BR" dirty="0" smtClean="0"/>
+              <a:t>az </a:t>
+            </a:r>
+            <a:r>
+              <a:rPr lang="pt-BR" dirty="0"/>
+              <a:t>uso de </a:t>
+            </a:r>
+            <a:r>
+              <a:rPr lang="pt-BR" dirty="0" err="1"/>
+              <a:t>JavaScript</a:t>
+            </a:r>
+            <a:r>
+              <a:rPr lang="pt-BR" dirty="0"/>
+              <a:t> e SDK </a:t>
+            </a:r>
+            <a:r>
+              <a:rPr lang="pt-BR" dirty="0" err="1"/>
+              <a:t>BuildFire</a:t>
+            </a:r>
+            <a:r>
+              <a:rPr lang="pt-BR" dirty="0"/>
+              <a:t>, que ajuda o desenvolvedor de aplicativos móveis a construir rapidamente aplicativos móveis com o </a:t>
+            </a:r>
+            <a:r>
+              <a:rPr lang="pt-BR" dirty="0" err="1"/>
+              <a:t>back-end</a:t>
+            </a:r>
+            <a:r>
+              <a:rPr lang="pt-BR" dirty="0"/>
+              <a:t> do </a:t>
+            </a:r>
+            <a:r>
+              <a:rPr lang="pt-BR" dirty="0" err="1"/>
+              <a:t>BuildFire</a:t>
+            </a:r>
+            <a:r>
+              <a:rPr lang="pt-BR" dirty="0" smtClean="0"/>
+              <a:t>.</a:t>
+            </a:r>
+          </a:p>
+          <a:p>
+            <a:pPr marL="285750" indent="-285750" algn="just">
+              <a:buFont typeface="Arial" panose="020B0604020202020204" pitchFamily="34" charset="0"/>
+              <a:buChar char="•"/>
+            </a:pPr>
+            <a:r>
+              <a:rPr lang="pt-BR" dirty="0"/>
+              <a:t>É</a:t>
+            </a:r>
+            <a:r>
+              <a:rPr lang="pt-BR" dirty="0" smtClean="0"/>
+              <a:t> </a:t>
+            </a:r>
+            <a:r>
+              <a:rPr lang="pt-BR" dirty="0"/>
+              <a:t>altamente escalável, fácil de usar e o uso dessa linguagem pode reduzir o tempo de desenvolvimento</a:t>
+            </a:r>
+            <a:r>
+              <a:rPr lang="pt-BR" dirty="0" smtClean="0"/>
+              <a:t>.</a:t>
+            </a:r>
+          </a:p>
+          <a:p>
+            <a:pPr marL="285750" indent="-285750" algn="just">
+              <a:buFont typeface="Arial" panose="020B0604020202020204" pitchFamily="34" charset="0"/>
+              <a:buChar char="•"/>
+            </a:pPr>
+            <a:endParaRPr lang="pt-BR" dirty="0"/>
+          </a:p>
+        </p:txBody>
+      </p:sp>
+    </p:spTree>
+    <p:extLst>
+      <p:ext uri="{BB962C8B-B14F-4D97-AF65-F5344CB8AC3E}">
+        <p14:creationId xmlns:p14="http://schemas.microsoft.com/office/powerpoint/2010/main" val="2426408168"/>
+      </p:ext>
+    </p:extLst>
+  </p:cSld>
+  <p:clrMapOvr>
+    <a:masterClrMapping/>
+  </p:clrMapOvr>
+  <mc:AlternateContent xmlns:mc="http://schemas.openxmlformats.org/markup-compatibility/2006">
+    <mc:Choice xmlns:p14="http://schemas.microsoft.com/office/powerpoint/2010/main" Requires="p14">
+      <p:transition spd="slow" p14:dur="2000"/>
+    </mc:Choice>
+    <mc:Fallback>
+      <p:transition spd="slow"/>
+    </mc:Fallback>
+  </mc:AlternateContent>
+  <p:timing>
+    <p:tnLst>
+      <p:par>
+        <p:cTn id="1" dur="indefinite" restart="never" nodeType="tmRoot">
+          <p:childTnLst>
+            <p:seq concurrent="1" nextAc="seek">
+              <p:cTn id="2" dur="indefinite" nodeType="mainSeq">
+                <p:childTnLst>
+                  <p:par>
+                    <p:cTn id="3" fill="hold">
+                      <p:stCondLst>
+                        <p:cond delay="indefinite"/>
+                      </p:stCondLst>
+                      <p:childTnLst>
+                        <p:par>
+                          <p:cTn id="4" fill="hold">
+                            <p:stCondLst>
+                              <p:cond delay="0"/>
+                            </p:stCondLst>
+                            <p:childTnLst>
+                              <p:par>
+                                <p:cTn id="5" presetID="53" presetClass="entr" presetSubtype="16" fill="hold" grpId="0" nodeType="clickEffect">
+                                  <p:stCondLst>
+                                    <p:cond delay="0"/>
+                                  </p:stCondLst>
+                                  <p:childTnLst>
+                                    <p:set>
+                                      <p:cBhvr>
+                                        <p:cTn id="6" dur="1" fill="hold">
+                                          <p:stCondLst>
+                                            <p:cond delay="0"/>
+                                          </p:stCondLst>
+                                        </p:cTn>
+                                        <p:tgtEl>
+                                          <p:spTgt spid="8">
+                                            <p:txEl>
+                                              <p:pRg st="0" end="0"/>
+                                            </p:txEl>
+                                          </p:spTgt>
+                                        </p:tgtEl>
+                                        <p:attrNameLst>
+                                          <p:attrName>style.visibility</p:attrName>
+                                        </p:attrNameLst>
+                                      </p:cBhvr>
+                                      <p:to>
+                                        <p:strVal val="visible"/>
+                                      </p:to>
+                                    </p:set>
+                                    <p:anim calcmode="lin" valueType="num">
+                                      <p:cBhvr>
+                                        <p:cTn id="7" dur="500" fill="hold"/>
+                                        <p:tgtEl>
+                                          <p:spTgt spid="8">
+                                            <p:txEl>
+                                              <p:pRg st="0" end="0"/>
+                                            </p:txEl>
+                                          </p:spTgt>
+                                        </p:tgtEl>
+                                        <p:attrNameLst>
+                                          <p:attrName>ppt_w</p:attrName>
+                                        </p:attrNameLst>
+                                      </p:cBhvr>
+                                      <p:tavLst>
+                                        <p:tav tm="0">
+                                          <p:val>
+                                            <p:fltVal val="0"/>
+                                          </p:val>
+                                        </p:tav>
+                                        <p:tav tm="100000">
+                                          <p:val>
+                                            <p:strVal val="#ppt_w"/>
+                                          </p:val>
+                                        </p:tav>
+                                      </p:tavLst>
+                                    </p:anim>
+                                    <p:anim calcmode="lin" valueType="num">
+                                      <p:cBhvr>
+                                        <p:cTn id="8" dur="500" fill="hold"/>
+                                        <p:tgtEl>
+                                          <p:spTgt spid="8">
+                                            <p:txEl>
+                                              <p:pRg st="0" end="0"/>
+                                            </p:txEl>
+                                          </p:spTgt>
+                                        </p:tgtEl>
+                                        <p:attrNameLst>
+                                          <p:attrName>ppt_h</p:attrName>
+                                        </p:attrNameLst>
+                                      </p:cBhvr>
+                                      <p:tavLst>
+                                        <p:tav tm="0">
+                                          <p:val>
+                                            <p:fltVal val="0"/>
+                                          </p:val>
+                                        </p:tav>
+                                        <p:tav tm="100000">
+                                          <p:val>
+                                            <p:strVal val="#ppt_h"/>
+                                          </p:val>
+                                        </p:tav>
+                                      </p:tavLst>
+                                    </p:anim>
+                                    <p:animEffect transition="in" filter="fade">
+                                      <p:cBhvr>
+                                        <p:cTn id="9" dur="500"/>
+                                        <p:tgtEl>
+                                          <p:spTgt spid="8">
+                                            <p:txEl>
+                                              <p:pRg st="0" end="0"/>
+                                            </p:txEl>
+                                          </p:spTgt>
+                                        </p:tgtEl>
+                                      </p:cBhvr>
+                                    </p:animEffect>
+                                  </p:childTnLst>
+                                </p:cTn>
+                              </p:par>
+                            </p:childTnLst>
+                          </p:cTn>
+                        </p:par>
+                      </p:childTnLst>
+                    </p:cTn>
+                  </p:par>
+                  <p:par>
+                    <p:cTn id="10" fill="hold">
+                      <p:stCondLst>
+                        <p:cond delay="indefinite"/>
+                      </p:stCondLst>
+                      <p:childTnLst>
+                        <p:par>
+                          <p:cTn id="11" fill="hold">
+                            <p:stCondLst>
+                              <p:cond delay="0"/>
+                            </p:stCondLst>
+                            <p:childTnLst>
+                              <p:par>
+                                <p:cTn id="12" presetID="53" presetClass="entr" presetSubtype="16" fill="hold" grpId="0" nodeType="clickEffect">
+                                  <p:stCondLst>
+                                    <p:cond delay="0"/>
+                                  </p:stCondLst>
+                                  <p:childTnLst>
+                                    <p:set>
+                                      <p:cBhvr>
+                                        <p:cTn id="13" dur="1" fill="hold">
+                                          <p:stCondLst>
+                                            <p:cond delay="0"/>
+                                          </p:stCondLst>
+                                        </p:cTn>
+                                        <p:tgtEl>
+                                          <p:spTgt spid="8">
+                                            <p:txEl>
+                                              <p:pRg st="1" end="1"/>
+                                            </p:txEl>
+                                          </p:spTgt>
+                                        </p:tgtEl>
+                                        <p:attrNameLst>
+                                          <p:attrName>style.visibility</p:attrName>
+                                        </p:attrNameLst>
+                                      </p:cBhvr>
+                                      <p:to>
+                                        <p:strVal val="visible"/>
+                                      </p:to>
+                                    </p:set>
+                                    <p:anim calcmode="lin" valueType="num">
+                                      <p:cBhvr>
+                                        <p:cTn id="14" dur="500" fill="hold"/>
+                                        <p:tgtEl>
+                                          <p:spTgt spid="8">
+                                            <p:txEl>
+                                              <p:pRg st="1" end="1"/>
+                                            </p:txEl>
+                                          </p:spTgt>
+                                        </p:tgtEl>
+                                        <p:attrNameLst>
+                                          <p:attrName>ppt_w</p:attrName>
+                                        </p:attrNameLst>
+                                      </p:cBhvr>
+                                      <p:tavLst>
+                                        <p:tav tm="0">
+                                          <p:val>
+                                            <p:fltVal val="0"/>
+                                          </p:val>
+                                        </p:tav>
+                                        <p:tav tm="100000">
+                                          <p:val>
+                                            <p:strVal val="#ppt_w"/>
+                                          </p:val>
+                                        </p:tav>
+                                      </p:tavLst>
+                                    </p:anim>
+                                    <p:anim calcmode="lin" valueType="num">
+                                      <p:cBhvr>
+                                        <p:cTn id="15" dur="500" fill="hold"/>
+                                        <p:tgtEl>
+                                          <p:spTgt spid="8">
+                                            <p:txEl>
+                                              <p:pRg st="1" end="1"/>
+                                            </p:txEl>
+                                          </p:spTgt>
+                                        </p:tgtEl>
+                                        <p:attrNameLst>
+                                          <p:attrName>ppt_h</p:attrName>
+                                        </p:attrNameLst>
+                                      </p:cBhvr>
+                                      <p:tavLst>
+                                        <p:tav tm="0">
+                                          <p:val>
+                                            <p:fltVal val="0"/>
+                                          </p:val>
+                                        </p:tav>
+                                        <p:tav tm="100000">
+                                          <p:val>
+                                            <p:strVal val="#ppt_h"/>
+                                          </p:val>
+                                        </p:tav>
+                                      </p:tavLst>
+                                    </p:anim>
+                                    <p:animEffect transition="in" filter="fade">
+                                      <p:cBhvr>
+                                        <p:cTn id="16" dur="500"/>
+                                        <p:tgtEl>
+                                          <p:spTgt spid="8">
+                                            <p:txEl>
+                                              <p:pRg st="1" end="1"/>
+                                            </p:txEl>
+                                          </p:spTgt>
+                                        </p:tgtEl>
+                                      </p:cBhvr>
+                                    </p:animEffect>
+                                  </p:childTnLst>
+                                </p:cTn>
+                              </p:par>
+                            </p:childTnLst>
+                          </p:cTn>
+                        </p:par>
+                      </p:childTnLst>
+                    </p:cTn>
+                  </p:par>
+                  <p:par>
+                    <p:cTn id="17" fill="hold">
+                      <p:stCondLst>
+                        <p:cond delay="indefinite"/>
+                      </p:stCondLst>
+                      <p:childTnLst>
+                        <p:par>
+                          <p:cTn id="18" fill="hold">
+                            <p:stCondLst>
+                              <p:cond delay="0"/>
+                            </p:stCondLst>
+                            <p:childTnLst>
+                              <p:par>
+                                <p:cTn id="19" presetID="10" presetClass="entr" presetSubtype="0" fill="hold" grpId="0" nodeType="clickEffect">
+                                  <p:stCondLst>
+                                    <p:cond delay="0"/>
+                                  </p:stCondLst>
+                                  <p:childTnLst>
+                                    <p:set>
+                                      <p:cBhvr>
+                                        <p:cTn id="20" dur="1" fill="hold">
+                                          <p:stCondLst>
+                                            <p:cond delay="0"/>
+                                          </p:stCondLst>
+                                        </p:cTn>
+                                        <p:tgtEl>
+                                          <p:spTgt spid="6"/>
+                                        </p:tgtEl>
+                                        <p:attrNameLst>
+                                          <p:attrName>style.visibility</p:attrName>
+                                        </p:attrNameLst>
+                                      </p:cBhvr>
+                                      <p:to>
+                                        <p:strVal val="visible"/>
+                                      </p:to>
+                                    </p:set>
+                                    <p:animEffect transition="in" filter="fade">
+                                      <p:cBhvr>
+                                        <p:cTn id="21" dur="500"/>
+                                        <p:tgtEl>
+                                          <p:spTgt spid="6"/>
+                                        </p:tgtEl>
+                                      </p:cBhvr>
+                                    </p:animEffect>
+                                  </p:childTnLst>
+                                </p:cTn>
+                              </p:par>
+                            </p:childTnLst>
+                          </p:cTn>
+                        </p:par>
+                      </p:childTnLst>
+                    </p:cTn>
+                  </p:par>
+                  <p:par>
+                    <p:cTn id="22" fill="hold">
+                      <p:stCondLst>
+                        <p:cond delay="indefinite"/>
+                      </p:stCondLst>
+                      <p:childTnLst>
+                        <p:par>
+                          <p:cTn id="23" fill="hold">
+                            <p:stCondLst>
+                              <p:cond delay="0"/>
+                            </p:stCondLst>
+                            <p:childTnLst>
+                              <p:par>
+                                <p:cTn id="24" presetID="10" presetClass="entr" presetSubtype="0" fill="hold" grpId="0" nodeType="clickEffect">
+                                  <p:stCondLst>
+                                    <p:cond delay="0"/>
+                                  </p:stCondLst>
+                                  <p:childTnLst>
+                                    <p:set>
+                                      <p:cBhvr>
+                                        <p:cTn id="25" dur="1" fill="hold">
+                                          <p:stCondLst>
+                                            <p:cond delay="0"/>
+                                          </p:stCondLst>
+                                        </p:cTn>
+                                        <p:tgtEl>
+                                          <p:spTgt spid="5"/>
+                                        </p:tgtEl>
+                                        <p:attrNameLst>
+                                          <p:attrName>style.visibility</p:attrName>
+                                        </p:attrNameLst>
+                                      </p:cBhvr>
+                                      <p:to>
+                                        <p:strVal val="visible"/>
+                                      </p:to>
+                                    </p:set>
+                                    <p:animEffect transition="in" filter="fade">
+                                      <p:cBhvr>
+                                        <p:cTn id="26" dur="500"/>
+                                        <p:tgtEl>
+                                          <p:spTgt spid="5"/>
+                                        </p:tgtEl>
+                                      </p:cBhvr>
+                                    </p:animEffect>
+                                  </p:childTnLst>
+                                </p:cTn>
+                              </p:par>
+                            </p:childTnLst>
+                          </p:cTn>
+                        </p:par>
+                      </p:childTnLst>
+                    </p:cTn>
+                  </p:par>
+                </p:childTnLst>
+              </p:cTn>
+              <p:prevCondLst>
+                <p:cond evt="onPrev" delay="0">
+                  <p:tgtEl>
+                    <p:sldTgt/>
+                  </p:tgtEl>
+                </p:cond>
+              </p:prevCondLst>
+              <p:nextCondLst>
+                <p:cond evt="onNext" delay="0">
+                  <p:tgtEl>
+                    <p:sldTgt/>
+                  </p:tgtEl>
+                </p:cond>
+              </p:nextCondLst>
+            </p:seq>
+          </p:childTnLst>
+        </p:cTn>
+      </p:par>
+    </p:tnLst>
+    <p:bldLst>
+      <p:bldP spid="8" grpId="0" build="p"/>
+      <p:bldP spid="6" grpId="0"/>
+      <p:bldP spid="5" grpId="0"/>
+    </p:bldLst>
+  </p:timing>
+</p:sld>
+</file>
+
+<file path=ppt/slides/slide17.xml><?xml version="1.0" encoding="utf-8"?>
+<p:sld xmlns:a="http://schemas.openxmlformats.org/drawingml/2006/main" xmlns:r="http://schemas.openxmlformats.org/officeDocument/2006/relationships" xmlns:p="http://schemas.openxmlformats.org/presentationml/2006/main">
+  <p:cSld>
+    <p:spTree>
+      <p:nvGrpSpPr>
+        <p:cNvPr id="1" name=""/>
+        <p:cNvGrpSpPr/>
+        <p:nvPr/>
+      </p:nvGrpSpPr>
+      <p:grpSpPr>
+        <a:xfrm>
+          <a:off x="0" y="0"/>
+          <a:ext cx="0" cy="0"/>
+          <a:chOff x="0" y="0"/>
+          <a:chExt cx="0" cy="0"/>
+        </a:xfrm>
+      </p:grpSpPr>
+      <p:sp>
+        <p:nvSpPr>
+          <p:cNvPr id="8" name="Espaço Reservado para Texto 7"/>
+          <p:cNvSpPr>
+            <a:spLocks noGrp="1"/>
+          </p:cNvSpPr>
+          <p:nvPr>
+            <p:ph type="body" idx="1"/>
+          </p:nvPr>
+        </p:nvSpPr>
+        <p:spPr>
+          <a:xfrm>
+            <a:off x="642910" y="0"/>
+            <a:ext cx="7772400" cy="1500187"/>
+          </a:xfrm>
+        </p:spPr>
+        <p:txBody>
+          <a:bodyPr>
+            <a:normAutofit/>
+          </a:bodyPr>
+          <a:lstStyle/>
+          <a:p>
+            <a:r>
+              <a:rPr lang="pt-BR" sz="2400" dirty="0" smtClean="0"/>
+              <a:t>Linguagens e ferramentas para desenvolvimento de aplicações para dispositivos móveis</a:t>
+            </a:r>
+          </a:p>
+          <a:p>
+            <a:r>
+              <a:rPr lang="pt-BR" sz="2400" b="1" dirty="0" smtClean="0"/>
+              <a:t>Linguagens</a:t>
+            </a:r>
+            <a:endParaRPr lang="pt-BR" sz="2400" b="1" dirty="0"/>
+          </a:p>
+        </p:txBody>
+      </p:sp>
+      <p:sp>
+        <p:nvSpPr>
+          <p:cNvPr id="6" name="CaixaDeTexto 5"/>
+          <p:cNvSpPr txBox="1"/>
+          <p:nvPr/>
+        </p:nvSpPr>
+        <p:spPr>
+          <a:xfrm>
+            <a:off x="642910" y="1772816"/>
+            <a:ext cx="7515718" cy="2031325"/>
+          </a:xfrm>
+          <a:prstGeom prst="rect">
+            <a:avLst/>
+          </a:prstGeom>
+          <a:noFill/>
+        </p:spPr>
+        <p:txBody>
+          <a:bodyPr wrap="square" rtlCol="0">
+            <a:spAutoFit/>
+          </a:bodyPr>
+          <a:lstStyle/>
+          <a:p>
+            <a:pPr algn="just"/>
+            <a:r>
+              <a:rPr lang="pt-BR" b="1" dirty="0" smtClean="0"/>
+              <a:t>Visual Basic.NET</a:t>
+            </a:r>
+            <a:endParaRPr lang="pt-BR" b="1" dirty="0" smtClean="0"/>
+          </a:p>
+          <a:p>
+            <a:pPr marL="285750" indent="-285750" algn="just">
+              <a:buFont typeface="Arial" panose="020B0604020202020204" pitchFamily="34" charset="0"/>
+              <a:buChar char="•"/>
+            </a:pPr>
+            <a:r>
+              <a:rPr lang="pt-BR" dirty="0" smtClean="0"/>
+              <a:t>É uma </a:t>
+            </a:r>
+            <a:r>
+              <a:rPr lang="pt-BR" dirty="0"/>
+              <a:t>das linguagens OOP da Microsoft</a:t>
+            </a:r>
+            <a:r>
+              <a:rPr lang="pt-BR" dirty="0" smtClean="0"/>
+              <a:t>;</a:t>
+            </a:r>
+          </a:p>
+          <a:p>
+            <a:pPr marL="285750" indent="-285750" algn="just">
+              <a:buFont typeface="Arial" panose="020B0604020202020204" pitchFamily="34" charset="0"/>
+              <a:buChar char="•"/>
+            </a:pPr>
+            <a:r>
+              <a:rPr lang="pt-BR" dirty="0"/>
+              <a:t>Visual Basic é derivada de VB6 e é usada principalmente para desenvolver aplicativos baseados em </a:t>
+            </a:r>
+            <a:r>
+              <a:rPr lang="pt-BR" dirty="0" smtClean="0"/>
+              <a:t>GUI.</a:t>
+            </a:r>
+          </a:p>
+          <a:p>
+            <a:pPr algn="just"/>
+            <a:endParaRPr lang="pt-BR" dirty="0"/>
+          </a:p>
+          <a:p>
+            <a:pPr algn="just"/>
+            <a:r>
+              <a:rPr lang="pt-BR" sz="1200" dirty="0"/>
+              <a:t>Em informática, interface gráfica do utilizador ou usuário (abreviadamente, o acrônimo </a:t>
+            </a:r>
+            <a:r>
+              <a:rPr lang="pt-BR" sz="1200" b="1" dirty="0"/>
+              <a:t>GUI</a:t>
+            </a:r>
+            <a:r>
+              <a:rPr lang="pt-BR" sz="1200" dirty="0"/>
+              <a:t>, do inglês </a:t>
+            </a:r>
+            <a:r>
+              <a:rPr lang="pt-BR" sz="1200" b="1" dirty="0" err="1"/>
+              <a:t>Graphical</a:t>
+            </a:r>
+            <a:r>
+              <a:rPr lang="pt-BR" sz="1200" b="1" dirty="0"/>
+              <a:t> </a:t>
+            </a:r>
+            <a:r>
+              <a:rPr lang="pt-BR" sz="1200" b="1" dirty="0" err="1"/>
+              <a:t>User</a:t>
+            </a:r>
+            <a:r>
+              <a:rPr lang="pt-BR" sz="1200" b="1" dirty="0"/>
+              <a:t> Interface</a:t>
+            </a:r>
+            <a:r>
+              <a:rPr lang="pt-BR" sz="1200" dirty="0"/>
+              <a:t>) é um tipo de interface do utilizador que permite a interação com dispositivos digitais por meio de elementos gráficos como ícones e outros indicadores visuais</a:t>
+            </a:r>
+            <a:endParaRPr lang="pt-BR" sz="1200" dirty="0" smtClean="0"/>
+          </a:p>
+        </p:txBody>
+      </p:sp>
+      <p:sp>
+        <p:nvSpPr>
+          <p:cNvPr id="5" name="CaixaDeTexto 4"/>
+          <p:cNvSpPr txBox="1"/>
+          <p:nvPr/>
+        </p:nvSpPr>
+        <p:spPr>
+          <a:xfrm>
+            <a:off x="642910" y="3933056"/>
+            <a:ext cx="7515718" cy="1754326"/>
+          </a:xfrm>
+          <a:prstGeom prst="rect">
+            <a:avLst/>
+          </a:prstGeom>
+          <a:noFill/>
+        </p:spPr>
+        <p:txBody>
+          <a:bodyPr wrap="square" rtlCol="0">
+            <a:spAutoFit/>
+          </a:bodyPr>
+          <a:lstStyle/>
+          <a:p>
+            <a:pPr algn="just"/>
+            <a:r>
+              <a:rPr lang="pt-BR" b="1" dirty="0" smtClean="0"/>
+              <a:t>SQL</a:t>
+            </a:r>
+            <a:endParaRPr lang="pt-BR" b="1" dirty="0" smtClean="0"/>
+          </a:p>
+          <a:p>
+            <a:pPr marL="285750" indent="-285750" algn="just">
+              <a:buFont typeface="Arial" panose="020B0604020202020204" pitchFamily="34" charset="0"/>
+              <a:buChar char="•"/>
+            </a:pPr>
+            <a:r>
+              <a:rPr lang="pt-BR" dirty="0"/>
+              <a:t>L</a:t>
+            </a:r>
+            <a:r>
+              <a:rPr lang="pt-BR" dirty="0" smtClean="0"/>
+              <a:t>inguagem </a:t>
+            </a:r>
+            <a:r>
+              <a:rPr lang="pt-BR" dirty="0"/>
+              <a:t>de programação usada principalmente para sistemas de bancos de dados </a:t>
+            </a:r>
+            <a:r>
+              <a:rPr lang="pt-BR" dirty="0" smtClean="0"/>
+              <a:t>relacionais</a:t>
+            </a:r>
+          </a:p>
+          <a:p>
+            <a:pPr marL="285750" indent="-285750" algn="just">
+              <a:buFont typeface="Arial" panose="020B0604020202020204" pitchFamily="34" charset="0"/>
+              <a:buChar char="•"/>
+            </a:pPr>
+            <a:r>
+              <a:rPr lang="pt-BR" dirty="0"/>
+              <a:t>Basicamente, o SQL é um idioma único e geralmente é integrado a aplicativos para dispositivos móveis</a:t>
+            </a:r>
+            <a:r>
+              <a:rPr lang="pt-BR" dirty="0" smtClean="0"/>
+              <a:t>.</a:t>
+            </a:r>
+          </a:p>
+          <a:p>
+            <a:pPr marL="285750" indent="-285750" algn="just">
+              <a:buFont typeface="Arial" panose="020B0604020202020204" pitchFamily="34" charset="0"/>
+              <a:buChar char="•"/>
+            </a:pPr>
+            <a:endParaRPr lang="pt-BR" dirty="0"/>
+          </a:p>
+        </p:txBody>
+      </p:sp>
+    </p:spTree>
+    <p:extLst>
+      <p:ext uri="{BB962C8B-B14F-4D97-AF65-F5344CB8AC3E}">
+        <p14:creationId xmlns:p14="http://schemas.microsoft.com/office/powerpoint/2010/main" val="698957332"/>
+      </p:ext>
+    </p:extLst>
+  </p:cSld>
+  <p:clrMapOvr>
+    <a:masterClrMapping/>
+  </p:clrMapOvr>
+  <mc:AlternateContent xmlns:mc="http://schemas.openxmlformats.org/markup-compatibility/2006">
+    <mc:Choice xmlns:p14="http://schemas.microsoft.com/office/powerpoint/2010/main" Requires="p14">
+      <p:transition spd="slow" p14:dur="2000"/>
+    </mc:Choice>
+    <mc:Fallback>
+      <p:transition spd="slow"/>
+    </mc:Fallback>
+  </mc:AlternateContent>
+  <p:timing>
+    <p:tnLst>
+      <p:par>
+        <p:cTn id="1" dur="indefinite" restart="never" nodeType="tmRoot">
+          <p:childTnLst>
+            <p:seq concurrent="1" nextAc="seek">
+              <p:cTn id="2" dur="indefinite" nodeType="mainSeq">
+                <p:childTnLst>
+                  <p:par>
+                    <p:cTn id="3" fill="hold">
+                      <p:stCondLst>
+                        <p:cond delay="indefinite"/>
+                      </p:stCondLst>
+                      <p:childTnLst>
+                        <p:par>
+                          <p:cTn id="4" fill="hold">
+                            <p:stCondLst>
+                              <p:cond delay="0"/>
+                            </p:stCondLst>
+                            <p:childTnLst>
+                              <p:par>
+                                <p:cTn id="5" presetID="53" presetClass="entr" presetSubtype="16" fill="hold" grpId="0" nodeType="clickEffect">
+                                  <p:stCondLst>
+                                    <p:cond delay="0"/>
+                                  </p:stCondLst>
+                                  <p:childTnLst>
+                                    <p:set>
+                                      <p:cBhvr>
+                                        <p:cTn id="6" dur="1" fill="hold">
+                                          <p:stCondLst>
+                                            <p:cond delay="0"/>
+                                          </p:stCondLst>
+                                        </p:cTn>
+                                        <p:tgtEl>
+                                          <p:spTgt spid="8">
+                                            <p:txEl>
+                                              <p:pRg st="0" end="0"/>
+                                            </p:txEl>
+                                          </p:spTgt>
+                                        </p:tgtEl>
+                                        <p:attrNameLst>
+                                          <p:attrName>style.visibility</p:attrName>
+                                        </p:attrNameLst>
+                                      </p:cBhvr>
+                                      <p:to>
+                                        <p:strVal val="visible"/>
+                                      </p:to>
+                                    </p:set>
+                                    <p:anim calcmode="lin" valueType="num">
+                                      <p:cBhvr>
+                                        <p:cTn id="7" dur="500" fill="hold"/>
+                                        <p:tgtEl>
+                                          <p:spTgt spid="8">
+                                            <p:txEl>
+                                              <p:pRg st="0" end="0"/>
+                                            </p:txEl>
+                                          </p:spTgt>
+                                        </p:tgtEl>
+                                        <p:attrNameLst>
+                                          <p:attrName>ppt_w</p:attrName>
+                                        </p:attrNameLst>
+                                      </p:cBhvr>
+                                      <p:tavLst>
+                                        <p:tav tm="0">
+                                          <p:val>
+                                            <p:fltVal val="0"/>
+                                          </p:val>
+                                        </p:tav>
+                                        <p:tav tm="100000">
+                                          <p:val>
+                                            <p:strVal val="#ppt_w"/>
+                                          </p:val>
+                                        </p:tav>
+                                      </p:tavLst>
+                                    </p:anim>
+                                    <p:anim calcmode="lin" valueType="num">
+                                      <p:cBhvr>
+                                        <p:cTn id="8" dur="500" fill="hold"/>
+                                        <p:tgtEl>
+                                          <p:spTgt spid="8">
+                                            <p:txEl>
+                                              <p:pRg st="0" end="0"/>
+                                            </p:txEl>
+                                          </p:spTgt>
+                                        </p:tgtEl>
+                                        <p:attrNameLst>
+                                          <p:attrName>ppt_h</p:attrName>
+                                        </p:attrNameLst>
+                                      </p:cBhvr>
+                                      <p:tavLst>
+                                        <p:tav tm="0">
+                                          <p:val>
+                                            <p:fltVal val="0"/>
+                                          </p:val>
+                                        </p:tav>
+                                        <p:tav tm="100000">
+                                          <p:val>
+                                            <p:strVal val="#ppt_h"/>
+                                          </p:val>
+                                        </p:tav>
+                                      </p:tavLst>
+                                    </p:anim>
+                                    <p:animEffect transition="in" filter="fade">
+                                      <p:cBhvr>
+                                        <p:cTn id="9" dur="500"/>
+                                        <p:tgtEl>
+                                          <p:spTgt spid="8">
+                                            <p:txEl>
+                                              <p:pRg st="0" end="0"/>
+                                            </p:txEl>
+                                          </p:spTgt>
+                                        </p:tgtEl>
+                                      </p:cBhvr>
+                                    </p:animEffect>
+                                  </p:childTnLst>
+                                </p:cTn>
+                              </p:par>
+                            </p:childTnLst>
+                          </p:cTn>
+                        </p:par>
+                      </p:childTnLst>
+                    </p:cTn>
+                  </p:par>
+                  <p:par>
+                    <p:cTn id="10" fill="hold">
+                      <p:stCondLst>
+                        <p:cond delay="indefinite"/>
+                      </p:stCondLst>
+                      <p:childTnLst>
+                        <p:par>
+                          <p:cTn id="11" fill="hold">
+                            <p:stCondLst>
+                              <p:cond delay="0"/>
+                            </p:stCondLst>
+                            <p:childTnLst>
+                              <p:par>
+                                <p:cTn id="12" presetID="53" presetClass="entr" presetSubtype="16" fill="hold" grpId="0" nodeType="clickEffect">
+                                  <p:stCondLst>
+                                    <p:cond delay="0"/>
+                                  </p:stCondLst>
+                                  <p:childTnLst>
+                                    <p:set>
+                                      <p:cBhvr>
+                                        <p:cTn id="13" dur="1" fill="hold">
+                                          <p:stCondLst>
+                                            <p:cond delay="0"/>
+                                          </p:stCondLst>
+                                        </p:cTn>
+                                        <p:tgtEl>
+                                          <p:spTgt spid="8">
+                                            <p:txEl>
+                                              <p:pRg st="1" end="1"/>
+                                            </p:txEl>
+                                          </p:spTgt>
+                                        </p:tgtEl>
+                                        <p:attrNameLst>
+                                          <p:attrName>style.visibility</p:attrName>
+                                        </p:attrNameLst>
+                                      </p:cBhvr>
+                                      <p:to>
+                                        <p:strVal val="visible"/>
+                                      </p:to>
+                                    </p:set>
+                                    <p:anim calcmode="lin" valueType="num">
+                                      <p:cBhvr>
+                                        <p:cTn id="14" dur="500" fill="hold"/>
+                                        <p:tgtEl>
+                                          <p:spTgt spid="8">
+                                            <p:txEl>
+                                              <p:pRg st="1" end="1"/>
+                                            </p:txEl>
+                                          </p:spTgt>
+                                        </p:tgtEl>
+                                        <p:attrNameLst>
+                                          <p:attrName>ppt_w</p:attrName>
+                                        </p:attrNameLst>
+                                      </p:cBhvr>
+                                      <p:tavLst>
+                                        <p:tav tm="0">
+                                          <p:val>
+                                            <p:fltVal val="0"/>
+                                          </p:val>
+                                        </p:tav>
+                                        <p:tav tm="100000">
+                                          <p:val>
+                                            <p:strVal val="#ppt_w"/>
+                                          </p:val>
+                                        </p:tav>
+                                      </p:tavLst>
+                                    </p:anim>
+                                    <p:anim calcmode="lin" valueType="num">
+                                      <p:cBhvr>
+                                        <p:cTn id="15" dur="500" fill="hold"/>
+                                        <p:tgtEl>
+                                          <p:spTgt spid="8">
+                                            <p:txEl>
+                                              <p:pRg st="1" end="1"/>
+                                            </p:txEl>
+                                          </p:spTgt>
+                                        </p:tgtEl>
+                                        <p:attrNameLst>
+                                          <p:attrName>ppt_h</p:attrName>
+                                        </p:attrNameLst>
+                                      </p:cBhvr>
+                                      <p:tavLst>
+                                        <p:tav tm="0">
+                                          <p:val>
+                                            <p:fltVal val="0"/>
+                                          </p:val>
+                                        </p:tav>
+                                        <p:tav tm="100000">
+                                          <p:val>
+                                            <p:strVal val="#ppt_h"/>
+                                          </p:val>
+                                        </p:tav>
+                                      </p:tavLst>
+                                    </p:anim>
+                                    <p:animEffect transition="in" filter="fade">
+                                      <p:cBhvr>
+                                        <p:cTn id="16" dur="500"/>
+                                        <p:tgtEl>
+                                          <p:spTgt spid="8">
+                                            <p:txEl>
+                                              <p:pRg st="1" end="1"/>
+                                            </p:txEl>
+                                          </p:spTgt>
+                                        </p:tgtEl>
+                                      </p:cBhvr>
+                                    </p:animEffect>
+                                  </p:childTnLst>
+                                </p:cTn>
+                              </p:par>
+                            </p:childTnLst>
+                          </p:cTn>
+                        </p:par>
+                      </p:childTnLst>
+                    </p:cTn>
+                  </p:par>
+                  <p:par>
+                    <p:cTn id="17" fill="hold">
+                      <p:stCondLst>
+                        <p:cond delay="indefinite"/>
+                      </p:stCondLst>
+                      <p:childTnLst>
+                        <p:par>
+                          <p:cTn id="18" fill="hold">
+                            <p:stCondLst>
+                              <p:cond delay="0"/>
+                            </p:stCondLst>
+                            <p:childTnLst>
+                              <p:par>
+                                <p:cTn id="19" presetID="10" presetClass="entr" presetSubtype="0" fill="hold" grpId="0" nodeType="clickEffect">
+                                  <p:stCondLst>
+                                    <p:cond delay="0"/>
+                                  </p:stCondLst>
+                                  <p:childTnLst>
+                                    <p:set>
+                                      <p:cBhvr>
+                                        <p:cTn id="20" dur="1" fill="hold">
+                                          <p:stCondLst>
+                                            <p:cond delay="0"/>
+                                          </p:stCondLst>
+                                        </p:cTn>
+                                        <p:tgtEl>
+                                          <p:spTgt spid="6"/>
+                                        </p:tgtEl>
+                                        <p:attrNameLst>
+                                          <p:attrName>style.visibility</p:attrName>
+                                        </p:attrNameLst>
+                                      </p:cBhvr>
+                                      <p:to>
+                                        <p:strVal val="visible"/>
+                                      </p:to>
+                                    </p:set>
+                                    <p:animEffect transition="in" filter="fade">
+                                      <p:cBhvr>
+                                        <p:cTn id="21" dur="500"/>
+                                        <p:tgtEl>
+                                          <p:spTgt spid="6"/>
+                                        </p:tgtEl>
+                                      </p:cBhvr>
+                                    </p:animEffect>
+                                  </p:childTnLst>
+                                </p:cTn>
+                              </p:par>
+                            </p:childTnLst>
+                          </p:cTn>
+                        </p:par>
+                      </p:childTnLst>
+                    </p:cTn>
+                  </p:par>
+                  <p:par>
+                    <p:cTn id="22" fill="hold">
+                      <p:stCondLst>
+                        <p:cond delay="indefinite"/>
+                      </p:stCondLst>
+                      <p:childTnLst>
+                        <p:par>
+                          <p:cTn id="23" fill="hold">
+                            <p:stCondLst>
+                              <p:cond delay="0"/>
+                            </p:stCondLst>
+                            <p:childTnLst>
+                              <p:par>
+                                <p:cTn id="24" presetID="10" presetClass="entr" presetSubtype="0" fill="hold" grpId="0" nodeType="clickEffect">
+                                  <p:stCondLst>
+                                    <p:cond delay="0"/>
+                                  </p:stCondLst>
+                                  <p:childTnLst>
+                                    <p:set>
+                                      <p:cBhvr>
+                                        <p:cTn id="25" dur="1" fill="hold">
+                                          <p:stCondLst>
+                                            <p:cond delay="0"/>
+                                          </p:stCondLst>
+                                        </p:cTn>
+                                        <p:tgtEl>
+                                          <p:spTgt spid="5"/>
+                                        </p:tgtEl>
+                                        <p:attrNameLst>
+                                          <p:attrName>style.visibility</p:attrName>
+                                        </p:attrNameLst>
+                                      </p:cBhvr>
+                                      <p:to>
+                                        <p:strVal val="visible"/>
+                                      </p:to>
+                                    </p:set>
+                                    <p:animEffect transition="in" filter="fade">
+                                      <p:cBhvr>
+                                        <p:cTn id="26" dur="500"/>
+                                        <p:tgtEl>
+                                          <p:spTgt spid="5"/>
+                                        </p:tgtEl>
+                                      </p:cBhvr>
+                                    </p:animEffect>
+                                  </p:childTnLst>
+                                </p:cTn>
+                              </p:par>
+                            </p:childTnLst>
+                          </p:cTn>
+                        </p:par>
+                      </p:childTnLst>
+                    </p:cTn>
+                  </p:par>
+                </p:childTnLst>
+              </p:cTn>
+              <p:prevCondLst>
+                <p:cond evt="onPrev" delay="0">
+                  <p:tgtEl>
+                    <p:sldTgt/>
+                  </p:tgtEl>
+                </p:cond>
+              </p:prevCondLst>
+              <p:nextCondLst>
+                <p:cond evt="onNext" delay="0">
+                  <p:tgtEl>
+                    <p:sldTgt/>
+                  </p:tgtEl>
+                </p:cond>
+              </p:nextCondLst>
+            </p:seq>
+          </p:childTnLst>
+        </p:cTn>
+      </p:par>
+    </p:tnLst>
+    <p:bldLst>
+      <p:bldP spid="8" grpId="0" build="p"/>
+      <p:bldP spid="6" grpId="0"/>
+      <p:bldP spid="5" grpId="0"/>
+    </p:bldLst>
+  </p:timing>
+</p:sld>
+</file>
+
+<file path=ppt/slides/slide18.xml><?xml version="1.0" encoding="utf-8"?>
+<p:sld xmlns:a="http://schemas.openxmlformats.org/drawingml/2006/main" xmlns:r="http://schemas.openxmlformats.org/officeDocument/2006/relationships" xmlns:p="http://schemas.openxmlformats.org/presentationml/2006/main">
+  <p:cSld>
+    <p:spTree>
+      <p:nvGrpSpPr>
+        <p:cNvPr id="1" name=""/>
+        <p:cNvGrpSpPr/>
+        <p:nvPr/>
+      </p:nvGrpSpPr>
+      <p:grpSpPr>
+        <a:xfrm>
+          <a:off x="0" y="0"/>
+          <a:ext cx="0" cy="0"/>
+          <a:chOff x="0" y="0"/>
+          <a:chExt cx="0" cy="0"/>
+        </a:xfrm>
+      </p:grpSpPr>
+      <p:sp>
+        <p:nvSpPr>
+          <p:cNvPr id="8" name="Espaço Reservado para Texto 7"/>
+          <p:cNvSpPr>
+            <a:spLocks noGrp="1"/>
+          </p:cNvSpPr>
+          <p:nvPr>
+            <p:ph type="body" idx="1"/>
+          </p:nvPr>
+        </p:nvSpPr>
+        <p:spPr>
+          <a:xfrm>
+            <a:off x="642910" y="0"/>
+            <a:ext cx="7772400" cy="1500187"/>
+          </a:xfrm>
+        </p:spPr>
+        <p:txBody>
+          <a:bodyPr>
+            <a:normAutofit/>
+          </a:bodyPr>
+          <a:lstStyle/>
+          <a:p>
+            <a:r>
+              <a:rPr lang="pt-BR" sz="2400" dirty="0" smtClean="0"/>
+              <a:t>Linguagens e ferramentas para desenvolvimento de aplicações para dispositivos móveis</a:t>
+            </a:r>
+          </a:p>
+          <a:p>
+            <a:r>
+              <a:rPr lang="pt-BR" sz="2400" b="1" dirty="0" smtClean="0"/>
+              <a:t>Ferramentas</a:t>
+            </a:r>
+            <a:endParaRPr lang="pt-BR" sz="2400" b="1" dirty="0"/>
+          </a:p>
+        </p:txBody>
+      </p:sp>
+      <p:sp>
+        <p:nvSpPr>
+          <p:cNvPr id="6" name="CaixaDeTexto 5"/>
+          <p:cNvSpPr txBox="1"/>
+          <p:nvPr/>
+        </p:nvSpPr>
+        <p:spPr>
+          <a:xfrm>
+            <a:off x="639967" y="1504164"/>
+            <a:ext cx="7515718" cy="2123658"/>
+          </a:xfrm>
+          <a:prstGeom prst="rect">
+            <a:avLst/>
+          </a:prstGeom>
+          <a:noFill/>
+        </p:spPr>
+        <p:txBody>
+          <a:bodyPr wrap="square" rtlCol="0">
+            <a:spAutoFit/>
+          </a:bodyPr>
+          <a:lstStyle/>
+          <a:p>
+            <a:r>
+              <a:rPr lang="pt-BR" b="1" dirty="0" err="1"/>
+              <a:t>PhoneGap</a:t>
+            </a:r>
+            <a:endParaRPr lang="pt-BR" dirty="0"/>
+          </a:p>
+          <a:p>
+            <a:pPr marL="285750" indent="-285750" algn="just">
+              <a:buFont typeface="Arial" panose="020B0604020202020204" pitchFamily="34" charset="0"/>
+              <a:buChar char="•"/>
+            </a:pPr>
+            <a:r>
+              <a:rPr lang="pt-BR" dirty="0"/>
+              <a:t>M</a:t>
+            </a:r>
+            <a:r>
+              <a:rPr lang="pt-BR" dirty="0" smtClean="0"/>
+              <a:t>ais </a:t>
+            </a:r>
+            <a:r>
+              <a:rPr lang="pt-BR" dirty="0"/>
+              <a:t>popular ferramenta </a:t>
+            </a:r>
+            <a:r>
+              <a:rPr lang="pt-BR" dirty="0" err="1"/>
+              <a:t>cross-plataform</a:t>
+            </a:r>
+            <a:r>
+              <a:rPr lang="pt-BR" dirty="0"/>
+              <a:t>, o </a:t>
+            </a:r>
+            <a:r>
+              <a:rPr lang="pt-BR" dirty="0" err="1"/>
+              <a:t>PhoneGap</a:t>
+            </a:r>
+            <a:r>
+              <a:rPr lang="pt-BR" dirty="0"/>
+              <a:t> (também conhecido como Apache </a:t>
+            </a:r>
+            <a:r>
+              <a:rPr lang="pt-BR" dirty="0" err="1"/>
+              <a:t>Cordova</a:t>
+            </a:r>
+            <a:r>
+              <a:rPr lang="pt-BR" dirty="0"/>
+              <a:t>) facilita muito acesso e utilização para desenvolvedores </a:t>
+            </a:r>
+            <a:r>
+              <a:rPr lang="pt-BR" dirty="0" smtClean="0"/>
+              <a:t>iniciantes;</a:t>
+            </a:r>
+          </a:p>
+          <a:p>
+            <a:pPr marL="285750" indent="-285750" algn="just">
+              <a:buFont typeface="Arial" panose="020B0604020202020204" pitchFamily="34" charset="0"/>
+              <a:buChar char="•"/>
+            </a:pPr>
+            <a:r>
+              <a:rPr lang="pt-BR" dirty="0" smtClean="0"/>
+              <a:t> </a:t>
+            </a:r>
+            <a:r>
+              <a:rPr lang="pt-BR" dirty="0"/>
+              <a:t>Por ser gratuito e ter código aberto, sua biblioteca de </a:t>
+            </a:r>
+            <a:r>
+              <a:rPr lang="pt-BR" dirty="0" err="1"/>
+              <a:t>plugins</a:t>
+            </a:r>
+            <a:r>
+              <a:rPr lang="pt-BR" dirty="0"/>
+              <a:t> está liberada para utilização</a:t>
+            </a:r>
+            <a:r>
+              <a:rPr lang="pt-BR" dirty="0" smtClean="0"/>
+              <a:t>.</a:t>
+            </a:r>
+          </a:p>
+          <a:p>
+            <a:pPr marL="285750" indent="-285750" algn="just">
+              <a:buFont typeface="Arial" panose="020B0604020202020204" pitchFamily="34" charset="0"/>
+              <a:buChar char="•"/>
+            </a:pPr>
+            <a:r>
+              <a:rPr lang="pt-BR" sz="1200" i="1" dirty="0" smtClean="0"/>
+              <a:t>ps.: </a:t>
+            </a:r>
+            <a:r>
+              <a:rPr lang="pt-BR" sz="1200" dirty="0"/>
+              <a:t>O desenvolvimento mobile </a:t>
+            </a:r>
+            <a:r>
+              <a:rPr lang="pt-BR" sz="1200" dirty="0" err="1"/>
+              <a:t>cross</a:t>
+            </a:r>
+            <a:r>
+              <a:rPr lang="pt-BR" sz="1200" dirty="0"/>
+              <a:t> </a:t>
+            </a:r>
+            <a:r>
+              <a:rPr lang="pt-BR" sz="1200" dirty="0" err="1"/>
+              <a:t>platform</a:t>
+            </a:r>
+            <a:r>
+              <a:rPr lang="pt-BR" sz="1200" dirty="0"/>
+              <a:t> nada mais é do que a criação de um aplicativo por meio de um único desenvolvimento mas que vai ser usado para várias plataformas</a:t>
+            </a:r>
+            <a:endParaRPr lang="pt-BR" sz="1200" i="1" dirty="0"/>
+          </a:p>
+        </p:txBody>
+      </p:sp>
+      <p:sp>
+        <p:nvSpPr>
+          <p:cNvPr id="5" name="CaixaDeTexto 4"/>
+          <p:cNvSpPr txBox="1"/>
+          <p:nvPr/>
+        </p:nvSpPr>
+        <p:spPr>
+          <a:xfrm>
+            <a:off x="639967" y="3717032"/>
+            <a:ext cx="7515718" cy="2954655"/>
+          </a:xfrm>
+          <a:prstGeom prst="rect">
+            <a:avLst/>
+          </a:prstGeom>
+          <a:noFill/>
+        </p:spPr>
+        <p:txBody>
+          <a:bodyPr wrap="square" rtlCol="0">
+            <a:spAutoFit/>
+          </a:bodyPr>
+          <a:lstStyle/>
+          <a:p>
+            <a:pPr algn="just"/>
+            <a:r>
+              <a:rPr lang="pt-BR" b="1" dirty="0" err="1"/>
+              <a:t>Appcelerator</a:t>
+            </a:r>
+            <a:endParaRPr lang="pt-BR" dirty="0"/>
+          </a:p>
+          <a:p>
+            <a:pPr marL="285750" indent="-285750" algn="just">
+              <a:buFont typeface="Arial" panose="020B0604020202020204" pitchFamily="34" charset="0"/>
+              <a:buChar char="•"/>
+            </a:pPr>
+            <a:r>
+              <a:rPr lang="pt-BR" dirty="0" err="1"/>
+              <a:t>Appcelerator</a:t>
+            </a:r>
+            <a:r>
+              <a:rPr lang="pt-BR" dirty="0"/>
+              <a:t> tem uma API baseada em </a:t>
+            </a:r>
+            <a:r>
+              <a:rPr lang="pt-BR" dirty="0" err="1"/>
+              <a:t>JavaScript</a:t>
+            </a:r>
+            <a:r>
+              <a:rPr lang="pt-BR" dirty="0"/>
+              <a:t> que acompanha recursos de interface </a:t>
+            </a:r>
+            <a:r>
+              <a:rPr lang="pt-BR" dirty="0" smtClean="0"/>
+              <a:t>nativa;</a:t>
+            </a:r>
+          </a:p>
+          <a:p>
+            <a:pPr marL="285750" indent="-285750" algn="just">
+              <a:buFont typeface="Arial" panose="020B0604020202020204" pitchFamily="34" charset="0"/>
+              <a:buChar char="•"/>
+            </a:pPr>
+            <a:r>
+              <a:rPr lang="pt-BR" dirty="0" smtClean="0"/>
+              <a:t> </a:t>
+            </a:r>
+            <a:r>
+              <a:rPr lang="pt-BR" dirty="0"/>
+              <a:t>Enquanto o desenvolvedor executa o código em Java, o </a:t>
+            </a:r>
+            <a:r>
+              <a:rPr lang="pt-BR" dirty="0" err="1"/>
+              <a:t>Appcelerator</a:t>
+            </a:r>
+            <a:r>
+              <a:rPr lang="pt-BR" dirty="0"/>
+              <a:t> trabalha nos elementos de interface nativos, auxiliando no desempenho do </a:t>
+            </a:r>
+            <a:r>
+              <a:rPr lang="pt-BR" dirty="0" smtClean="0"/>
+              <a:t>aplicativo;</a:t>
+            </a:r>
+          </a:p>
+          <a:p>
+            <a:pPr marL="285750" indent="-285750" algn="just">
+              <a:buFont typeface="Arial" panose="020B0604020202020204" pitchFamily="34" charset="0"/>
+              <a:buChar char="•"/>
+            </a:pPr>
+            <a:r>
+              <a:rPr lang="pt-BR" dirty="0" smtClean="0"/>
+              <a:t> </a:t>
+            </a:r>
+            <a:r>
+              <a:rPr lang="pt-BR" dirty="0"/>
+              <a:t>O uso do </a:t>
+            </a:r>
+            <a:r>
+              <a:rPr lang="pt-BR" dirty="0" err="1"/>
+              <a:t>JavaScript</a:t>
+            </a:r>
+            <a:r>
+              <a:rPr lang="pt-BR" dirty="0"/>
+              <a:t> padroniza o desenvolvimento em todas as plataformas, e o </a:t>
+            </a:r>
+            <a:r>
+              <a:rPr lang="pt-BR" dirty="0" err="1"/>
+              <a:t>Appcelerator</a:t>
+            </a:r>
+            <a:r>
+              <a:rPr lang="pt-BR" dirty="0"/>
+              <a:t> oferece aos desenvolvedores várias funcionalidades </a:t>
+            </a:r>
+            <a:r>
+              <a:rPr lang="pt-BR" dirty="0" smtClean="0"/>
+              <a:t>adicionais.</a:t>
+            </a:r>
+          </a:p>
+          <a:p>
+            <a:pPr algn="just"/>
+            <a:r>
+              <a:rPr lang="pt-BR" sz="1200" dirty="0" err="1" smtClean="0"/>
+              <a:t>ps</a:t>
+            </a:r>
+            <a:r>
+              <a:rPr lang="pt-BR" sz="1200" dirty="0" smtClean="0"/>
+              <a:t>,.: códigos nativos &gt; </a:t>
+            </a:r>
+            <a:r>
+              <a:rPr lang="pt-BR" sz="1200" dirty="0"/>
+              <a:t> são desenvolvidas diretamente para uma plataforma, sendo necessário criar um </a:t>
+            </a:r>
+            <a:r>
+              <a:rPr lang="pt-BR" sz="1200" dirty="0" err="1"/>
+              <a:t>app</a:t>
+            </a:r>
+            <a:r>
+              <a:rPr lang="pt-BR" sz="1200" dirty="0"/>
+              <a:t> para cada uma dos sistemas que se queira lançar a aplicação, </a:t>
+            </a:r>
+            <a:r>
+              <a:rPr lang="pt-BR" sz="1200" dirty="0" err="1"/>
+              <a:t>Android</a:t>
+            </a:r>
+            <a:r>
+              <a:rPr lang="pt-BR" sz="1200" dirty="0"/>
+              <a:t>, IOS, ou qualquer outro SO.</a:t>
+            </a:r>
+          </a:p>
+        </p:txBody>
+      </p:sp>
+    </p:spTree>
+    <p:extLst>
+      <p:ext uri="{BB962C8B-B14F-4D97-AF65-F5344CB8AC3E}">
+        <p14:creationId xmlns:p14="http://schemas.microsoft.com/office/powerpoint/2010/main" val="694925830"/>
+      </p:ext>
+    </p:extLst>
+  </p:cSld>
+  <p:clrMapOvr>
+    <a:masterClrMapping/>
+  </p:clrMapOvr>
+  <mc:AlternateContent xmlns:mc="http://schemas.openxmlformats.org/markup-compatibility/2006">
+    <mc:Choice xmlns:p14="http://schemas.microsoft.com/office/powerpoint/2010/main" Requires="p14">
+      <p:transition spd="slow" p14:dur="2000"/>
+    </mc:Choice>
+    <mc:Fallback>
+      <p:transition spd="slow"/>
+    </mc:Fallback>
+  </mc:AlternateContent>
+  <p:timing>
+    <p:tnLst>
+      <p:par>
+        <p:cTn id="1" dur="indefinite" restart="never" nodeType="tmRoot">
+          <p:childTnLst>
+            <p:seq concurrent="1" nextAc="seek">
+              <p:cTn id="2" dur="indefinite" nodeType="mainSeq">
+                <p:childTnLst>
+                  <p:par>
+                    <p:cTn id="3" fill="hold">
+                      <p:stCondLst>
+                        <p:cond delay="indefinite"/>
+                      </p:stCondLst>
+                      <p:childTnLst>
+                        <p:par>
+                          <p:cTn id="4" fill="hold">
+                            <p:stCondLst>
+                              <p:cond delay="0"/>
+                            </p:stCondLst>
+                            <p:childTnLst>
+                              <p:par>
+                                <p:cTn id="5" presetID="53" presetClass="entr" presetSubtype="16" fill="hold" grpId="0" nodeType="clickEffect">
+                                  <p:stCondLst>
+                                    <p:cond delay="0"/>
+                                  </p:stCondLst>
+                                  <p:childTnLst>
+                                    <p:set>
+                                      <p:cBhvr>
+                                        <p:cTn id="6" dur="1" fill="hold">
+                                          <p:stCondLst>
+                                            <p:cond delay="0"/>
+                                          </p:stCondLst>
+                                        </p:cTn>
+                                        <p:tgtEl>
+                                          <p:spTgt spid="8">
+                                            <p:txEl>
+                                              <p:pRg st="0" end="0"/>
+                                            </p:txEl>
+                                          </p:spTgt>
+                                        </p:tgtEl>
+                                        <p:attrNameLst>
+                                          <p:attrName>style.visibility</p:attrName>
+                                        </p:attrNameLst>
+                                      </p:cBhvr>
+                                      <p:to>
+                                        <p:strVal val="visible"/>
+                                      </p:to>
+                                    </p:set>
+                                    <p:anim calcmode="lin" valueType="num">
+                                      <p:cBhvr>
+                                        <p:cTn id="7" dur="500" fill="hold"/>
+                                        <p:tgtEl>
+                                          <p:spTgt spid="8">
+                                            <p:txEl>
+                                              <p:pRg st="0" end="0"/>
+                                            </p:txEl>
+                                          </p:spTgt>
+                                        </p:tgtEl>
+                                        <p:attrNameLst>
+                                          <p:attrName>ppt_w</p:attrName>
+                                        </p:attrNameLst>
+                                      </p:cBhvr>
+                                      <p:tavLst>
+                                        <p:tav tm="0">
+                                          <p:val>
+                                            <p:fltVal val="0"/>
+                                          </p:val>
+                                        </p:tav>
+                                        <p:tav tm="100000">
+                                          <p:val>
+                                            <p:strVal val="#ppt_w"/>
+                                          </p:val>
+                                        </p:tav>
+                                      </p:tavLst>
+                                    </p:anim>
+                                    <p:anim calcmode="lin" valueType="num">
+                                      <p:cBhvr>
+                                        <p:cTn id="8" dur="500" fill="hold"/>
+                                        <p:tgtEl>
+                                          <p:spTgt spid="8">
+                                            <p:txEl>
+                                              <p:pRg st="0" end="0"/>
+                                            </p:txEl>
+                                          </p:spTgt>
+                                        </p:tgtEl>
+                                        <p:attrNameLst>
+                                          <p:attrName>ppt_h</p:attrName>
+                                        </p:attrNameLst>
+                                      </p:cBhvr>
+                                      <p:tavLst>
+                                        <p:tav tm="0">
+                                          <p:val>
+                                            <p:fltVal val="0"/>
+                                          </p:val>
+                                        </p:tav>
+                                        <p:tav tm="100000">
+                                          <p:val>
+                                            <p:strVal val="#ppt_h"/>
+                                          </p:val>
+                                        </p:tav>
+                                      </p:tavLst>
+                                    </p:anim>
+                                    <p:animEffect transition="in" filter="fade">
+                                      <p:cBhvr>
+                                        <p:cTn id="9" dur="500"/>
+                                        <p:tgtEl>
+                                          <p:spTgt spid="8">
+                                            <p:txEl>
+                                              <p:pRg st="0" end="0"/>
+                                            </p:txEl>
+                                          </p:spTgt>
+                                        </p:tgtEl>
+                                      </p:cBhvr>
+                                    </p:animEffect>
+                                  </p:childTnLst>
+                                </p:cTn>
+                              </p:par>
+                            </p:childTnLst>
+                          </p:cTn>
+                        </p:par>
+                      </p:childTnLst>
+                    </p:cTn>
+                  </p:par>
+                  <p:par>
+                    <p:cTn id="10" fill="hold">
+                      <p:stCondLst>
+                        <p:cond delay="indefinite"/>
+                      </p:stCondLst>
+                      <p:childTnLst>
+                        <p:par>
+                          <p:cTn id="11" fill="hold">
+                            <p:stCondLst>
+                              <p:cond delay="0"/>
+                            </p:stCondLst>
+                            <p:childTnLst>
+                              <p:par>
+                                <p:cTn id="12" presetID="53" presetClass="entr" presetSubtype="16" fill="hold" grpId="0" nodeType="clickEffect">
+                                  <p:stCondLst>
+                                    <p:cond delay="0"/>
+                                  </p:stCondLst>
+                                  <p:childTnLst>
+                                    <p:set>
+                                      <p:cBhvr>
+                                        <p:cTn id="13" dur="1" fill="hold">
+                                          <p:stCondLst>
+                                            <p:cond delay="0"/>
+                                          </p:stCondLst>
+                                        </p:cTn>
+                                        <p:tgtEl>
+                                          <p:spTgt spid="8">
+                                            <p:txEl>
+                                              <p:pRg st="1" end="1"/>
+                                            </p:txEl>
+                                          </p:spTgt>
+                                        </p:tgtEl>
+                                        <p:attrNameLst>
+                                          <p:attrName>style.visibility</p:attrName>
+                                        </p:attrNameLst>
+                                      </p:cBhvr>
+                                      <p:to>
+                                        <p:strVal val="visible"/>
+                                      </p:to>
+                                    </p:set>
+                                    <p:anim calcmode="lin" valueType="num">
+                                      <p:cBhvr>
+                                        <p:cTn id="14" dur="500" fill="hold"/>
+                                        <p:tgtEl>
+                                          <p:spTgt spid="8">
+                                            <p:txEl>
+                                              <p:pRg st="1" end="1"/>
+                                            </p:txEl>
+                                          </p:spTgt>
+                                        </p:tgtEl>
+                                        <p:attrNameLst>
+                                          <p:attrName>ppt_w</p:attrName>
+                                        </p:attrNameLst>
+                                      </p:cBhvr>
+                                      <p:tavLst>
+                                        <p:tav tm="0">
+                                          <p:val>
+                                            <p:fltVal val="0"/>
+                                          </p:val>
+                                        </p:tav>
+                                        <p:tav tm="100000">
+                                          <p:val>
+                                            <p:strVal val="#ppt_w"/>
+                                          </p:val>
+                                        </p:tav>
+                                      </p:tavLst>
+                                    </p:anim>
+                                    <p:anim calcmode="lin" valueType="num">
+                                      <p:cBhvr>
+                                        <p:cTn id="15" dur="500" fill="hold"/>
+                                        <p:tgtEl>
+                                          <p:spTgt spid="8">
+                                            <p:txEl>
+                                              <p:pRg st="1" end="1"/>
+                                            </p:txEl>
+                                          </p:spTgt>
+                                        </p:tgtEl>
+                                        <p:attrNameLst>
+                                          <p:attrName>ppt_h</p:attrName>
+                                        </p:attrNameLst>
+                                      </p:cBhvr>
+                                      <p:tavLst>
+                                        <p:tav tm="0">
+                                          <p:val>
+                                            <p:fltVal val="0"/>
+                                          </p:val>
+                                        </p:tav>
+                                        <p:tav tm="100000">
+                                          <p:val>
+                                            <p:strVal val="#ppt_h"/>
+                                          </p:val>
+                                        </p:tav>
+                                      </p:tavLst>
+                                    </p:anim>
+                                    <p:animEffect transition="in" filter="fade">
+                                      <p:cBhvr>
+                                        <p:cTn id="16" dur="500"/>
+                                        <p:tgtEl>
+                                          <p:spTgt spid="8">
+                                            <p:txEl>
+                                              <p:pRg st="1" end="1"/>
+                                            </p:txEl>
+                                          </p:spTgt>
+                                        </p:tgtEl>
+                                      </p:cBhvr>
+                                    </p:animEffect>
+                                  </p:childTnLst>
+                                </p:cTn>
+                              </p:par>
+                            </p:childTnLst>
+                          </p:cTn>
+                        </p:par>
+                      </p:childTnLst>
+                    </p:cTn>
+                  </p:par>
+                  <p:par>
+                    <p:cTn id="17" fill="hold">
+                      <p:stCondLst>
+                        <p:cond delay="indefinite"/>
+                      </p:stCondLst>
+                      <p:childTnLst>
+                        <p:par>
+                          <p:cTn id="18" fill="hold">
+                            <p:stCondLst>
+                              <p:cond delay="0"/>
+                            </p:stCondLst>
+                            <p:childTnLst>
+                              <p:par>
+                                <p:cTn id="19" presetID="10" presetClass="entr" presetSubtype="0" fill="hold" grpId="0" nodeType="clickEffect">
+                                  <p:stCondLst>
+                                    <p:cond delay="0"/>
+                                  </p:stCondLst>
+                                  <p:childTnLst>
+                                    <p:set>
+                                      <p:cBhvr>
+                                        <p:cTn id="20" dur="1" fill="hold">
+                                          <p:stCondLst>
+                                            <p:cond delay="0"/>
+                                          </p:stCondLst>
+                                        </p:cTn>
+                                        <p:tgtEl>
+                                          <p:spTgt spid="6"/>
+                                        </p:tgtEl>
+                                        <p:attrNameLst>
+                                          <p:attrName>style.visibility</p:attrName>
+                                        </p:attrNameLst>
+                                      </p:cBhvr>
+                                      <p:to>
+                                        <p:strVal val="visible"/>
+                                      </p:to>
+                                    </p:set>
+                                    <p:animEffect transition="in" filter="fade">
+                                      <p:cBhvr>
+                                        <p:cTn id="21" dur="500"/>
+                                        <p:tgtEl>
+                                          <p:spTgt spid="6"/>
+                                        </p:tgtEl>
+                                      </p:cBhvr>
+                                    </p:animEffect>
+                                  </p:childTnLst>
+                                </p:cTn>
+                              </p:par>
+                            </p:childTnLst>
+                          </p:cTn>
+                        </p:par>
+                      </p:childTnLst>
+                    </p:cTn>
+                  </p:par>
+                  <p:par>
+                    <p:cTn id="22" fill="hold">
+                      <p:stCondLst>
+                        <p:cond delay="indefinite"/>
+                      </p:stCondLst>
+                      <p:childTnLst>
+                        <p:par>
+                          <p:cTn id="23" fill="hold">
+                            <p:stCondLst>
+                              <p:cond delay="0"/>
+                            </p:stCondLst>
+                            <p:childTnLst>
+                              <p:par>
+                                <p:cTn id="24" presetID="10" presetClass="entr" presetSubtype="0" fill="hold" grpId="0" nodeType="clickEffect">
+                                  <p:stCondLst>
+                                    <p:cond delay="0"/>
+                                  </p:stCondLst>
+                                  <p:childTnLst>
+                                    <p:set>
+                                      <p:cBhvr>
+                                        <p:cTn id="25" dur="1" fill="hold">
+                                          <p:stCondLst>
+                                            <p:cond delay="0"/>
+                                          </p:stCondLst>
+                                        </p:cTn>
+                                        <p:tgtEl>
+                                          <p:spTgt spid="5"/>
+                                        </p:tgtEl>
+                                        <p:attrNameLst>
+                                          <p:attrName>style.visibility</p:attrName>
+                                        </p:attrNameLst>
+                                      </p:cBhvr>
+                                      <p:to>
+                                        <p:strVal val="visible"/>
+                                      </p:to>
+                                    </p:set>
+                                    <p:animEffect transition="in" filter="fade">
+                                      <p:cBhvr>
+                                        <p:cTn id="26" dur="500"/>
+                                        <p:tgtEl>
+                                          <p:spTgt spid="5"/>
+                                        </p:tgtEl>
+                                      </p:cBhvr>
+                                    </p:animEffect>
+                                  </p:childTnLst>
+                                </p:cTn>
+                              </p:par>
+                            </p:childTnLst>
+                          </p:cTn>
+                        </p:par>
+                      </p:childTnLst>
+                    </p:cTn>
+                  </p:par>
+                </p:childTnLst>
+              </p:cTn>
+              <p:prevCondLst>
+                <p:cond evt="onPrev" delay="0">
+                  <p:tgtEl>
+                    <p:sldTgt/>
+                  </p:tgtEl>
+                </p:cond>
+              </p:prevCondLst>
+              <p:nextCondLst>
+                <p:cond evt="onNext" delay="0">
+                  <p:tgtEl>
+                    <p:sldTgt/>
+                  </p:tgtEl>
+                </p:cond>
+              </p:nextCondLst>
+            </p:seq>
+          </p:childTnLst>
+        </p:cTn>
+      </p:par>
+    </p:tnLst>
+    <p:bldLst>
+      <p:bldP spid="8" grpId="0" build="p"/>
+      <p:bldP spid="6" grpId="0"/>
+      <p:bldP spid="5" grpId="0"/>
+    </p:bldLst>
+  </p:timing>
+</p:sld>
+</file>
+
+<file path=ppt/slides/slide19.xml><?xml version="1.0" encoding="utf-8"?>
+<p:sld xmlns:a="http://schemas.openxmlformats.org/drawingml/2006/main" xmlns:r="http://schemas.openxmlformats.org/officeDocument/2006/relationships" xmlns:p="http://schemas.openxmlformats.org/presentationml/2006/main">
+  <p:cSld>
+    <p:spTree>
+      <p:nvGrpSpPr>
+        <p:cNvPr id="1" name=""/>
+        <p:cNvGrpSpPr/>
+        <p:nvPr/>
+      </p:nvGrpSpPr>
+      <p:grpSpPr>
+        <a:xfrm>
+          <a:off x="0" y="0"/>
+          <a:ext cx="0" cy="0"/>
+          <a:chOff x="0" y="0"/>
+          <a:chExt cx="0" cy="0"/>
+        </a:xfrm>
+      </p:grpSpPr>
+      <p:sp>
+        <p:nvSpPr>
+          <p:cNvPr id="8" name="Espaço Reservado para Texto 7"/>
+          <p:cNvSpPr>
+            <a:spLocks noGrp="1"/>
+          </p:cNvSpPr>
+          <p:nvPr>
+            <p:ph type="body" idx="1"/>
+          </p:nvPr>
+        </p:nvSpPr>
+        <p:spPr>
+          <a:xfrm>
+            <a:off x="642910" y="0"/>
+            <a:ext cx="7772400" cy="1500187"/>
+          </a:xfrm>
+        </p:spPr>
+        <p:txBody>
+          <a:bodyPr>
+            <a:normAutofit/>
+          </a:bodyPr>
+          <a:lstStyle/>
+          <a:p>
+            <a:r>
+              <a:rPr lang="pt-BR" sz="2400" dirty="0" smtClean="0"/>
+              <a:t>Linguagens e ferramentas para desenvolvimento de aplicações para dispositivos móveis</a:t>
+            </a:r>
+          </a:p>
+          <a:p>
+            <a:r>
+              <a:rPr lang="pt-BR" sz="2400" b="1" dirty="0" smtClean="0"/>
+              <a:t>Ferramentas</a:t>
+            </a:r>
+            <a:endParaRPr lang="pt-BR" sz="2400" b="1" dirty="0"/>
+          </a:p>
+        </p:txBody>
+      </p:sp>
+      <p:sp>
+        <p:nvSpPr>
+          <p:cNvPr id="6" name="CaixaDeTexto 5"/>
+          <p:cNvSpPr txBox="1"/>
+          <p:nvPr/>
+        </p:nvSpPr>
+        <p:spPr>
+          <a:xfrm>
+            <a:off x="642910" y="1772816"/>
+            <a:ext cx="7515718" cy="1477328"/>
+          </a:xfrm>
+          <a:prstGeom prst="rect">
+            <a:avLst/>
+          </a:prstGeom>
+          <a:noFill/>
+        </p:spPr>
+        <p:txBody>
+          <a:bodyPr wrap="square" rtlCol="0">
+            <a:spAutoFit/>
+          </a:bodyPr>
+          <a:lstStyle/>
+          <a:p>
+            <a:r>
+              <a:rPr lang="pt-BR" b="1" dirty="0" err="1"/>
+              <a:t>Rhomobile</a:t>
+            </a:r>
+            <a:endParaRPr lang="pt-BR" dirty="0"/>
+          </a:p>
+          <a:p>
+            <a:pPr marL="285750" indent="-285750" algn="just">
+              <a:buFont typeface="Arial" panose="020B0604020202020204" pitchFamily="34" charset="0"/>
+              <a:buChar char="•"/>
+            </a:pPr>
+            <a:r>
+              <a:rPr lang="pt-BR" dirty="0"/>
+              <a:t>O framework integrado do </a:t>
+            </a:r>
+            <a:r>
+              <a:rPr lang="pt-BR" dirty="0" err="1"/>
+              <a:t>Rhomobile</a:t>
+            </a:r>
+            <a:r>
+              <a:rPr lang="pt-BR" dirty="0"/>
+              <a:t> utiliza </a:t>
+            </a:r>
+            <a:r>
+              <a:rPr lang="pt-BR" dirty="0" err="1"/>
+              <a:t>Ruby</a:t>
+            </a:r>
+            <a:r>
+              <a:rPr lang="pt-BR" dirty="0"/>
+              <a:t> para tornar os aplicativos compatíveis com múltiplas </a:t>
+            </a:r>
+            <a:r>
+              <a:rPr lang="pt-BR" dirty="0" smtClean="0"/>
+              <a:t>plataformas; </a:t>
+            </a:r>
+          </a:p>
+          <a:p>
+            <a:pPr marL="285750" indent="-285750" algn="just">
+              <a:buFont typeface="Arial" panose="020B0604020202020204" pitchFamily="34" charset="0"/>
+              <a:buChar char="•"/>
+            </a:pPr>
+            <a:r>
+              <a:rPr lang="pt-BR" dirty="0" err="1" smtClean="0"/>
+              <a:t>Rhomobile</a:t>
+            </a:r>
+            <a:r>
+              <a:rPr lang="pt-BR" dirty="0" smtClean="0"/>
+              <a:t> </a:t>
+            </a:r>
+            <a:r>
+              <a:rPr lang="pt-BR" dirty="0"/>
+              <a:t>também oferece suporte para desenvolvedores iniciantes e recursos extras como </a:t>
+            </a:r>
+            <a:r>
+              <a:rPr lang="pt-BR" dirty="0" err="1"/>
+              <a:t>RhoHub</a:t>
+            </a:r>
+            <a:r>
+              <a:rPr lang="pt-BR" dirty="0"/>
+              <a:t> e </a:t>
+            </a:r>
+            <a:r>
+              <a:rPr lang="pt-BR" dirty="0" err="1" smtClean="0"/>
+              <a:t>RhoSync</a:t>
+            </a:r>
+            <a:r>
+              <a:rPr lang="pt-BR" dirty="0" smtClean="0"/>
+              <a:t>;</a:t>
+            </a:r>
+            <a:endParaRPr lang="pt-BR" dirty="0"/>
+          </a:p>
+        </p:txBody>
+      </p:sp>
+      <p:sp>
+        <p:nvSpPr>
+          <p:cNvPr id="5" name="CaixaDeTexto 4"/>
+          <p:cNvSpPr txBox="1"/>
+          <p:nvPr/>
+        </p:nvSpPr>
+        <p:spPr>
+          <a:xfrm>
+            <a:off x="642910" y="3799771"/>
+            <a:ext cx="7515718" cy="2308324"/>
+          </a:xfrm>
+          <a:prstGeom prst="rect">
+            <a:avLst/>
+          </a:prstGeom>
+          <a:noFill/>
+        </p:spPr>
+        <p:txBody>
+          <a:bodyPr wrap="square" rtlCol="0">
+            <a:spAutoFit/>
+          </a:bodyPr>
+          <a:lstStyle/>
+          <a:p>
+            <a:r>
+              <a:rPr lang="pt-BR" b="1" dirty="0" err="1"/>
+              <a:t>Xamarin</a:t>
+            </a:r>
+            <a:endParaRPr lang="pt-BR" dirty="0"/>
+          </a:p>
+          <a:p>
+            <a:pPr marL="285750" indent="-285750" algn="just">
+              <a:buFont typeface="Arial" panose="020B0604020202020204" pitchFamily="34" charset="0"/>
+              <a:buChar char="•"/>
+            </a:pPr>
+            <a:r>
+              <a:rPr lang="pt-BR" dirty="0"/>
+              <a:t>Para os desenvolvedores mais avançados, o </a:t>
+            </a:r>
+            <a:r>
+              <a:rPr lang="pt-BR" dirty="0" err="1"/>
+              <a:t>Xamarin</a:t>
+            </a:r>
+            <a:r>
+              <a:rPr lang="pt-BR" dirty="0"/>
+              <a:t> é uma plataforma baseada em C# que permite o desenvolvimento </a:t>
+            </a:r>
+            <a:r>
+              <a:rPr lang="pt-BR" dirty="0" err="1"/>
+              <a:t>multi-plataforma</a:t>
+            </a:r>
+            <a:r>
+              <a:rPr lang="pt-BR" dirty="0"/>
+              <a:t> para </a:t>
+            </a:r>
+            <a:r>
+              <a:rPr lang="pt-BR" dirty="0" err="1"/>
+              <a:t>iOS</a:t>
+            </a:r>
+            <a:r>
+              <a:rPr lang="pt-BR" dirty="0"/>
+              <a:t> e </a:t>
+            </a:r>
+            <a:r>
+              <a:rPr lang="pt-BR" dirty="0" err="1" smtClean="0"/>
+              <a:t>Android</a:t>
+            </a:r>
+            <a:r>
+              <a:rPr lang="pt-BR" dirty="0"/>
+              <a:t>;</a:t>
+            </a:r>
+            <a:endParaRPr lang="pt-BR" dirty="0" smtClean="0"/>
+          </a:p>
+          <a:p>
+            <a:pPr marL="285750" indent="-285750" algn="just">
+              <a:buFont typeface="Arial" panose="020B0604020202020204" pitchFamily="34" charset="0"/>
+              <a:buChar char="•"/>
+            </a:pPr>
+            <a:r>
+              <a:rPr lang="pt-BR" dirty="0" smtClean="0"/>
+              <a:t> </a:t>
+            </a:r>
+            <a:r>
+              <a:rPr lang="pt-BR" dirty="0"/>
+              <a:t>O seu código é executado em um framework .NET antes de compilar, e depois retorna ao código padrão para </a:t>
+            </a:r>
+            <a:r>
+              <a:rPr lang="pt-BR" dirty="0" err="1"/>
+              <a:t>iOS</a:t>
+            </a:r>
+            <a:r>
+              <a:rPr lang="pt-BR" dirty="0"/>
+              <a:t> e </a:t>
+            </a:r>
+            <a:r>
+              <a:rPr lang="pt-BR" dirty="0" err="1"/>
+              <a:t>Android</a:t>
+            </a:r>
+            <a:r>
+              <a:rPr lang="pt-BR" dirty="0"/>
+              <a:t>, facilitando o trabalho de grandes equipes e projetos mais complexos.</a:t>
+            </a:r>
+          </a:p>
+          <a:p>
+            <a:pPr marL="285750" indent="-285750" algn="just">
+              <a:buFont typeface="Arial" panose="020B0604020202020204" pitchFamily="34" charset="0"/>
+              <a:buChar char="•"/>
+            </a:pPr>
+            <a:r>
+              <a:rPr lang="pt-BR" dirty="0" smtClean="0"/>
+              <a:t>.</a:t>
+            </a:r>
+            <a:endParaRPr lang="pt-BR" dirty="0"/>
+          </a:p>
+        </p:txBody>
+      </p:sp>
+    </p:spTree>
+    <p:extLst>
+      <p:ext uri="{BB962C8B-B14F-4D97-AF65-F5344CB8AC3E}">
+        <p14:creationId xmlns:p14="http://schemas.microsoft.com/office/powerpoint/2010/main" val="3920747143"/>
+      </p:ext>
+    </p:extLst>
+  </p:cSld>
+  <p:clrMapOvr>
+    <a:masterClrMapping/>
+  </p:clrMapOvr>
+  <mc:AlternateContent xmlns:mc="http://schemas.openxmlformats.org/markup-compatibility/2006">
+    <mc:Choice xmlns:p14="http://schemas.microsoft.com/office/powerpoint/2010/main" Requires="p14">
+      <p:transition spd="slow" p14:dur="2000"/>
+    </mc:Choice>
+    <mc:Fallback>
+      <p:transition spd="slow"/>
+    </mc:Fallback>
+  </mc:AlternateContent>
+  <p:timing>
+    <p:tnLst>
+      <p:par>
+        <p:cTn id="1" dur="indefinite" restart="never" nodeType="tmRoot">
+          <p:childTnLst>
+            <p:seq concurrent="1" nextAc="seek">
+              <p:cTn id="2" dur="indefinite" nodeType="mainSeq">
+                <p:childTnLst>
+                  <p:par>
+                    <p:cTn id="3" fill="hold">
+                      <p:stCondLst>
+                        <p:cond delay="indefinite"/>
+                      </p:stCondLst>
+                      <p:childTnLst>
+                        <p:par>
+                          <p:cTn id="4" fill="hold">
+                            <p:stCondLst>
+                              <p:cond delay="0"/>
+                            </p:stCondLst>
+                            <p:childTnLst>
+                              <p:par>
+                                <p:cTn id="5" presetID="53" presetClass="entr" presetSubtype="16" fill="hold" grpId="0" nodeType="clickEffect">
+                                  <p:stCondLst>
+                                    <p:cond delay="0"/>
+                                  </p:stCondLst>
+                                  <p:childTnLst>
+                                    <p:set>
+                                      <p:cBhvr>
+                                        <p:cTn id="6" dur="1" fill="hold">
+                                          <p:stCondLst>
+                                            <p:cond delay="0"/>
+                                          </p:stCondLst>
+                                        </p:cTn>
+                                        <p:tgtEl>
+                                          <p:spTgt spid="8">
+                                            <p:txEl>
+                                              <p:pRg st="0" end="0"/>
+                                            </p:txEl>
+                                          </p:spTgt>
+                                        </p:tgtEl>
+                                        <p:attrNameLst>
+                                          <p:attrName>style.visibility</p:attrName>
+                                        </p:attrNameLst>
+                                      </p:cBhvr>
+                                      <p:to>
+                                        <p:strVal val="visible"/>
+                                      </p:to>
+                                    </p:set>
+                                    <p:anim calcmode="lin" valueType="num">
+                                      <p:cBhvr>
+                                        <p:cTn id="7" dur="500" fill="hold"/>
+                                        <p:tgtEl>
+                                          <p:spTgt spid="8">
+                                            <p:txEl>
+                                              <p:pRg st="0" end="0"/>
+                                            </p:txEl>
+                                          </p:spTgt>
+                                        </p:tgtEl>
+                                        <p:attrNameLst>
+                                          <p:attrName>ppt_w</p:attrName>
+                                        </p:attrNameLst>
+                                      </p:cBhvr>
+                                      <p:tavLst>
+                                        <p:tav tm="0">
+                                          <p:val>
+                                            <p:fltVal val="0"/>
+                                          </p:val>
+                                        </p:tav>
+                                        <p:tav tm="100000">
+                                          <p:val>
+                                            <p:strVal val="#ppt_w"/>
+                                          </p:val>
+                                        </p:tav>
+                                      </p:tavLst>
+                                    </p:anim>
+                                    <p:anim calcmode="lin" valueType="num">
+                                      <p:cBhvr>
+                                        <p:cTn id="8" dur="500" fill="hold"/>
+                                        <p:tgtEl>
+                                          <p:spTgt spid="8">
+                                            <p:txEl>
+                                              <p:pRg st="0" end="0"/>
+                                            </p:txEl>
+                                          </p:spTgt>
+                                        </p:tgtEl>
+                                        <p:attrNameLst>
+                                          <p:attrName>ppt_h</p:attrName>
+                                        </p:attrNameLst>
+                                      </p:cBhvr>
+                                      <p:tavLst>
+                                        <p:tav tm="0">
+                                          <p:val>
+                                            <p:fltVal val="0"/>
+                                          </p:val>
+                                        </p:tav>
+                                        <p:tav tm="100000">
+                                          <p:val>
+                                            <p:strVal val="#ppt_h"/>
+                                          </p:val>
+                                        </p:tav>
+                                      </p:tavLst>
+                                    </p:anim>
+                                    <p:animEffect transition="in" filter="fade">
+                                      <p:cBhvr>
+                                        <p:cTn id="9" dur="500"/>
+                                        <p:tgtEl>
+                                          <p:spTgt spid="8">
+                                            <p:txEl>
+                                              <p:pRg st="0" end="0"/>
+                                            </p:txEl>
+                                          </p:spTgt>
+                                        </p:tgtEl>
+                                      </p:cBhvr>
+                                    </p:animEffect>
+                                  </p:childTnLst>
+                                </p:cTn>
+                              </p:par>
+                            </p:childTnLst>
+                          </p:cTn>
+                        </p:par>
+                      </p:childTnLst>
+                    </p:cTn>
+                  </p:par>
+                  <p:par>
+                    <p:cTn id="10" fill="hold">
+                      <p:stCondLst>
+                        <p:cond delay="indefinite"/>
+                      </p:stCondLst>
+                      <p:childTnLst>
+                        <p:par>
+                          <p:cTn id="11" fill="hold">
+                            <p:stCondLst>
+                              <p:cond delay="0"/>
+                            </p:stCondLst>
+                            <p:childTnLst>
+                              <p:par>
+                                <p:cTn id="12" presetID="53" presetClass="entr" presetSubtype="16" fill="hold" grpId="0" nodeType="clickEffect">
+                                  <p:stCondLst>
+                                    <p:cond delay="0"/>
+                                  </p:stCondLst>
+                                  <p:childTnLst>
+                                    <p:set>
+                                      <p:cBhvr>
+                                        <p:cTn id="13" dur="1" fill="hold">
+                                          <p:stCondLst>
+                                            <p:cond delay="0"/>
+                                          </p:stCondLst>
+                                        </p:cTn>
+                                        <p:tgtEl>
+                                          <p:spTgt spid="8">
+                                            <p:txEl>
+                                              <p:pRg st="1" end="1"/>
+                                            </p:txEl>
+                                          </p:spTgt>
+                                        </p:tgtEl>
+                                        <p:attrNameLst>
+                                          <p:attrName>style.visibility</p:attrName>
+                                        </p:attrNameLst>
+                                      </p:cBhvr>
+                                      <p:to>
+                                        <p:strVal val="visible"/>
+                                      </p:to>
+                                    </p:set>
+                                    <p:anim calcmode="lin" valueType="num">
+                                      <p:cBhvr>
+                                        <p:cTn id="14" dur="500" fill="hold"/>
+                                        <p:tgtEl>
+                                          <p:spTgt spid="8">
+                                            <p:txEl>
+                                              <p:pRg st="1" end="1"/>
+                                            </p:txEl>
+                                          </p:spTgt>
+                                        </p:tgtEl>
+                                        <p:attrNameLst>
+                                          <p:attrName>ppt_w</p:attrName>
+                                        </p:attrNameLst>
+                                      </p:cBhvr>
+                                      <p:tavLst>
+                                        <p:tav tm="0">
+                                          <p:val>
+                                            <p:fltVal val="0"/>
+                                          </p:val>
+                                        </p:tav>
+                                        <p:tav tm="100000">
+                                          <p:val>
+                                            <p:strVal val="#ppt_w"/>
+                                          </p:val>
+                                        </p:tav>
+                                      </p:tavLst>
+                                    </p:anim>
+                                    <p:anim calcmode="lin" valueType="num">
+                                      <p:cBhvr>
+                                        <p:cTn id="15" dur="500" fill="hold"/>
+                                        <p:tgtEl>
+                                          <p:spTgt spid="8">
+                                            <p:txEl>
+                                              <p:pRg st="1" end="1"/>
+                                            </p:txEl>
+                                          </p:spTgt>
+                                        </p:tgtEl>
+                                        <p:attrNameLst>
+                                          <p:attrName>ppt_h</p:attrName>
+                                        </p:attrNameLst>
+                                      </p:cBhvr>
+                                      <p:tavLst>
+                                        <p:tav tm="0">
+                                          <p:val>
+                                            <p:fltVal val="0"/>
+                                          </p:val>
+                                        </p:tav>
+                                        <p:tav tm="100000">
+                                          <p:val>
+                                            <p:strVal val="#ppt_h"/>
+                                          </p:val>
+                                        </p:tav>
+                                      </p:tavLst>
+                                    </p:anim>
+                                    <p:animEffect transition="in" filter="fade">
+                                      <p:cBhvr>
+                                        <p:cTn id="16" dur="500"/>
+                                        <p:tgtEl>
+                                          <p:spTgt spid="8">
+                                            <p:txEl>
+                                              <p:pRg st="1" end="1"/>
+                                            </p:txEl>
+                                          </p:spTgt>
+                                        </p:tgtEl>
+                                      </p:cBhvr>
+                                    </p:animEffect>
+                                  </p:childTnLst>
+                                </p:cTn>
+                              </p:par>
+                            </p:childTnLst>
+                          </p:cTn>
+                        </p:par>
+                      </p:childTnLst>
+                    </p:cTn>
+                  </p:par>
+                  <p:par>
+                    <p:cTn id="17" fill="hold">
+                      <p:stCondLst>
+                        <p:cond delay="indefinite"/>
+                      </p:stCondLst>
+                      <p:childTnLst>
+                        <p:par>
+                          <p:cTn id="18" fill="hold">
+                            <p:stCondLst>
+                              <p:cond delay="0"/>
+                            </p:stCondLst>
+                            <p:childTnLst>
+                              <p:par>
+                                <p:cTn id="19" presetID="10" presetClass="entr" presetSubtype="0" fill="hold" grpId="0" nodeType="clickEffect">
+                                  <p:stCondLst>
+                                    <p:cond delay="0"/>
+                                  </p:stCondLst>
+                                  <p:childTnLst>
+                                    <p:set>
+                                      <p:cBhvr>
+                                        <p:cTn id="20" dur="1" fill="hold">
+                                          <p:stCondLst>
+                                            <p:cond delay="0"/>
+                                          </p:stCondLst>
+                                        </p:cTn>
+                                        <p:tgtEl>
+                                          <p:spTgt spid="6"/>
+                                        </p:tgtEl>
+                                        <p:attrNameLst>
+                                          <p:attrName>style.visibility</p:attrName>
+                                        </p:attrNameLst>
+                                      </p:cBhvr>
+                                      <p:to>
+                                        <p:strVal val="visible"/>
+                                      </p:to>
+                                    </p:set>
+                                    <p:animEffect transition="in" filter="fade">
+                                      <p:cBhvr>
+                                        <p:cTn id="21" dur="500"/>
+                                        <p:tgtEl>
+                                          <p:spTgt spid="6"/>
+                                        </p:tgtEl>
+                                      </p:cBhvr>
+                                    </p:animEffect>
+                                  </p:childTnLst>
+                                </p:cTn>
+                              </p:par>
+                            </p:childTnLst>
+                          </p:cTn>
+                        </p:par>
+                      </p:childTnLst>
+                    </p:cTn>
+                  </p:par>
+                  <p:par>
+                    <p:cTn id="22" fill="hold">
+                      <p:stCondLst>
+                        <p:cond delay="indefinite"/>
+                      </p:stCondLst>
+                      <p:childTnLst>
+                        <p:par>
+                          <p:cTn id="23" fill="hold">
+                            <p:stCondLst>
+                              <p:cond delay="0"/>
+                            </p:stCondLst>
+                            <p:childTnLst>
+                              <p:par>
+                                <p:cTn id="24" presetID="10" presetClass="entr" presetSubtype="0" fill="hold" grpId="0" nodeType="clickEffect">
+                                  <p:stCondLst>
+                                    <p:cond delay="0"/>
+                                  </p:stCondLst>
+                                  <p:childTnLst>
+                                    <p:set>
+                                      <p:cBhvr>
+                                        <p:cTn id="25" dur="1" fill="hold">
+                                          <p:stCondLst>
+                                            <p:cond delay="0"/>
+                                          </p:stCondLst>
+                                        </p:cTn>
+                                        <p:tgtEl>
+                                          <p:spTgt spid="5"/>
+                                        </p:tgtEl>
+                                        <p:attrNameLst>
+                                          <p:attrName>style.visibility</p:attrName>
+                                        </p:attrNameLst>
+                                      </p:cBhvr>
+                                      <p:to>
+                                        <p:strVal val="visible"/>
+                                      </p:to>
+                                    </p:set>
+                                    <p:animEffect transition="in" filter="fade">
+                                      <p:cBhvr>
+                                        <p:cTn id="26" dur="500"/>
+                                        <p:tgtEl>
+                                          <p:spTgt spid="5"/>
+                                        </p:tgtEl>
+                                      </p:cBhvr>
+                                    </p:animEffect>
+                                  </p:childTnLst>
+                                </p:cTn>
+                              </p:par>
+                            </p:childTnLst>
+                          </p:cTn>
+                        </p:par>
+                      </p:childTnLst>
+                    </p:cTn>
+                  </p:par>
+                </p:childTnLst>
+              </p:cTn>
+              <p:prevCondLst>
+                <p:cond evt="onPrev" delay="0">
+                  <p:tgtEl>
+                    <p:sldTgt/>
+                  </p:tgtEl>
+                </p:cond>
+              </p:prevCondLst>
+              <p:nextCondLst>
+                <p:cond evt="onNext" delay="0">
+                  <p:tgtEl>
+                    <p:sldTgt/>
+                  </p:tgtEl>
+                </p:cond>
+              </p:nextCondLst>
+            </p:seq>
+          </p:childTnLst>
+        </p:cTn>
+      </p:par>
+    </p:tnLst>
+    <p:bldLst>
+      <p:bldP spid="8" grpId="0" build="p"/>
+      <p:bldP spid="6" grpId="0"/>
+      <p:bldP spid="5" grpId="0"/>
+    </p:bldLst>
   </p:timing>
 </p:sld>
 </file>
@@ -10372,6 +15848,2859 @@
 </p:sld>
 </file>
 
+<file path=ppt/slides/slide20.xml><?xml version="1.0" encoding="utf-8"?>
+<p:sld xmlns:a="http://schemas.openxmlformats.org/drawingml/2006/main" xmlns:r="http://schemas.openxmlformats.org/officeDocument/2006/relationships" xmlns:p="http://schemas.openxmlformats.org/presentationml/2006/main">
+  <p:cSld>
+    <p:spTree>
+      <p:nvGrpSpPr>
+        <p:cNvPr id="1" name=""/>
+        <p:cNvGrpSpPr/>
+        <p:nvPr/>
+      </p:nvGrpSpPr>
+      <p:grpSpPr>
+        <a:xfrm>
+          <a:off x="0" y="0"/>
+          <a:ext cx="0" cy="0"/>
+          <a:chOff x="0" y="0"/>
+          <a:chExt cx="0" cy="0"/>
+        </a:xfrm>
+      </p:grpSpPr>
+      <p:sp>
+        <p:nvSpPr>
+          <p:cNvPr id="8" name="Espaço Reservado para Texto 7"/>
+          <p:cNvSpPr>
+            <a:spLocks noGrp="1"/>
+          </p:cNvSpPr>
+          <p:nvPr>
+            <p:ph type="body" idx="1"/>
+          </p:nvPr>
+        </p:nvSpPr>
+        <p:spPr>
+          <a:xfrm>
+            <a:off x="642910" y="0"/>
+            <a:ext cx="7772400" cy="1500187"/>
+          </a:xfrm>
+        </p:spPr>
+        <p:txBody>
+          <a:bodyPr>
+            <a:normAutofit/>
+          </a:bodyPr>
+          <a:lstStyle/>
+          <a:p>
+            <a:r>
+              <a:rPr lang="pt-BR" sz="2400" dirty="0" smtClean="0"/>
+              <a:t>Linguagens e ferramentas para desenvolvimento de aplicações para dispositivos móveis</a:t>
+            </a:r>
+          </a:p>
+          <a:p>
+            <a:r>
+              <a:rPr lang="pt-BR" sz="2400" b="1" dirty="0" smtClean="0"/>
+              <a:t>Ferramentas</a:t>
+            </a:r>
+            <a:endParaRPr lang="pt-BR" sz="2400" b="1" dirty="0"/>
+          </a:p>
+        </p:txBody>
+      </p:sp>
+      <p:sp>
+        <p:nvSpPr>
+          <p:cNvPr id="6" name="CaixaDeTexto 5"/>
+          <p:cNvSpPr txBox="1"/>
+          <p:nvPr/>
+        </p:nvSpPr>
+        <p:spPr>
+          <a:xfrm>
+            <a:off x="642910" y="1772816"/>
+            <a:ext cx="7515718" cy="1754326"/>
+          </a:xfrm>
+          <a:prstGeom prst="rect">
+            <a:avLst/>
+          </a:prstGeom>
+          <a:noFill/>
+        </p:spPr>
+        <p:txBody>
+          <a:bodyPr wrap="square" rtlCol="0">
+            <a:spAutoFit/>
+          </a:bodyPr>
+          <a:lstStyle/>
+          <a:p>
+            <a:r>
+              <a:rPr lang="pt-BR" b="1" dirty="0" err="1"/>
+              <a:t>Unity</a:t>
+            </a:r>
+            <a:endParaRPr lang="pt-BR" dirty="0"/>
+          </a:p>
+          <a:p>
+            <a:pPr marL="285750" indent="-285750" algn="just">
+              <a:buFont typeface="Arial" panose="020B0604020202020204" pitchFamily="34" charset="0"/>
+              <a:buChar char="•"/>
+            </a:pPr>
+            <a:r>
+              <a:rPr lang="pt-BR" dirty="0"/>
+              <a:t>A </a:t>
+            </a:r>
+            <a:r>
+              <a:rPr lang="pt-BR" dirty="0" err="1"/>
+              <a:t>Unity</a:t>
+            </a:r>
+            <a:r>
+              <a:rPr lang="pt-BR" dirty="0"/>
+              <a:t> é uma ferramenta de desenvolvimento </a:t>
+            </a:r>
+            <a:r>
+              <a:rPr lang="pt-BR" dirty="0" err="1"/>
+              <a:t>multi-plataforma</a:t>
+            </a:r>
+            <a:r>
+              <a:rPr lang="pt-BR" dirty="0"/>
+              <a:t> focada em games, uma combinação perfeita entre game </a:t>
+            </a:r>
+            <a:r>
+              <a:rPr lang="pt-BR" dirty="0" err="1"/>
+              <a:t>engine</a:t>
+            </a:r>
+            <a:r>
+              <a:rPr lang="pt-BR" dirty="0"/>
+              <a:t> e um ambiente de desenvolvimento integrado (</a:t>
+            </a:r>
+            <a:r>
+              <a:rPr lang="pt-BR" dirty="0" smtClean="0"/>
+              <a:t>IDE);</a:t>
+            </a:r>
+          </a:p>
+          <a:p>
+            <a:pPr marL="285750" indent="-285750" algn="just">
+              <a:buFont typeface="Arial" panose="020B0604020202020204" pitchFamily="34" charset="0"/>
+              <a:buChar char="•"/>
+            </a:pPr>
+            <a:r>
+              <a:rPr lang="pt-BR" dirty="0" smtClean="0"/>
+              <a:t>Se </a:t>
+            </a:r>
+            <a:r>
+              <a:rPr lang="pt-BR" dirty="0"/>
+              <a:t>destaca pelo alto desempenho e uma variedade de </a:t>
+            </a:r>
+            <a:r>
+              <a:rPr lang="pt-BR" dirty="0" err="1"/>
+              <a:t>APIs</a:t>
+            </a:r>
+            <a:r>
+              <a:rPr lang="pt-BR" dirty="0"/>
+              <a:t> para otimizar a experiência final.</a:t>
+            </a:r>
+          </a:p>
+        </p:txBody>
+      </p:sp>
+      <p:sp>
+        <p:nvSpPr>
+          <p:cNvPr id="5" name="CaixaDeTexto 4"/>
+          <p:cNvSpPr txBox="1"/>
+          <p:nvPr/>
+        </p:nvSpPr>
+        <p:spPr>
+          <a:xfrm>
+            <a:off x="642910" y="3799771"/>
+            <a:ext cx="7515718" cy="2308324"/>
+          </a:xfrm>
+          <a:prstGeom prst="rect">
+            <a:avLst/>
+          </a:prstGeom>
+          <a:noFill/>
+        </p:spPr>
+        <p:txBody>
+          <a:bodyPr wrap="square" rtlCol="0">
+            <a:spAutoFit/>
+          </a:bodyPr>
+          <a:lstStyle/>
+          <a:p>
+            <a:r>
+              <a:rPr lang="pt-BR" b="1" dirty="0" err="1" smtClean="0"/>
+              <a:t>Sencha</a:t>
+            </a:r>
+            <a:endParaRPr lang="pt-BR" dirty="0"/>
+          </a:p>
+          <a:p>
+            <a:pPr marL="285750" indent="-285750" algn="just">
+              <a:buFont typeface="Arial" panose="020B0604020202020204" pitchFamily="34" charset="0"/>
+              <a:buChar char="•"/>
+            </a:pPr>
+            <a:r>
+              <a:rPr lang="pt-BR" dirty="0"/>
+              <a:t>Usando HTML5, </a:t>
+            </a:r>
+            <a:r>
+              <a:rPr lang="pt-BR" dirty="0" err="1"/>
+              <a:t>Sencha</a:t>
+            </a:r>
+            <a:r>
+              <a:rPr lang="pt-BR" dirty="0"/>
+              <a:t> é um framework para construção de aplicações web que imitam a aparência de aplicativos </a:t>
+            </a:r>
+            <a:r>
+              <a:rPr lang="pt-BR" dirty="0" smtClean="0"/>
+              <a:t>nativos.</a:t>
+            </a:r>
+          </a:p>
+          <a:p>
+            <a:pPr marL="285750" indent="-285750" algn="just">
+              <a:buFont typeface="Arial" panose="020B0604020202020204" pitchFamily="34" charset="0"/>
+              <a:buChar char="•"/>
+            </a:pPr>
+            <a:r>
+              <a:rPr lang="pt-BR" dirty="0" smtClean="0"/>
+              <a:t>Quando </a:t>
+            </a:r>
+            <a:r>
+              <a:rPr lang="pt-BR" dirty="0"/>
+              <a:t>utilizado em conjunto com </a:t>
+            </a:r>
+            <a:r>
+              <a:rPr lang="pt-BR" dirty="0" err="1"/>
+              <a:t>PhoneGap</a:t>
+            </a:r>
+            <a:r>
+              <a:rPr lang="pt-BR" dirty="0"/>
+              <a:t>, o </a:t>
+            </a:r>
+            <a:r>
+              <a:rPr lang="pt-BR" dirty="0" err="1"/>
+              <a:t>Sencha</a:t>
+            </a:r>
+            <a:r>
+              <a:rPr lang="pt-BR" dirty="0"/>
+              <a:t> garante acesso a </a:t>
+            </a:r>
+            <a:r>
+              <a:rPr lang="pt-BR" dirty="0" err="1"/>
+              <a:t>APIs</a:t>
+            </a:r>
+            <a:r>
+              <a:rPr lang="pt-BR" dirty="0"/>
+              <a:t> de nível dispositivo que não estão disponíveis para aplicações web de outra forma. Tal como acontece com </a:t>
+            </a:r>
+            <a:r>
+              <a:rPr lang="pt-BR" dirty="0" err="1"/>
+              <a:t>PhoneGap</a:t>
+            </a:r>
+            <a:r>
+              <a:rPr lang="pt-BR" dirty="0"/>
+              <a:t>, os desenvolvedores devem se atentar às métricas de desempenho.</a:t>
+            </a:r>
+          </a:p>
+          <a:p>
+            <a:pPr algn="just"/>
+            <a:r>
+              <a:rPr lang="pt-BR" dirty="0" smtClean="0"/>
+              <a:t>.</a:t>
+            </a:r>
+            <a:endParaRPr lang="pt-BR" dirty="0"/>
+          </a:p>
+        </p:txBody>
+      </p:sp>
+    </p:spTree>
+    <p:extLst>
+      <p:ext uri="{BB962C8B-B14F-4D97-AF65-F5344CB8AC3E}">
+        <p14:creationId xmlns:p14="http://schemas.microsoft.com/office/powerpoint/2010/main" val="1962384587"/>
+      </p:ext>
+    </p:extLst>
+  </p:cSld>
+  <p:clrMapOvr>
+    <a:masterClrMapping/>
+  </p:clrMapOvr>
+  <mc:AlternateContent xmlns:mc="http://schemas.openxmlformats.org/markup-compatibility/2006">
+    <mc:Choice xmlns:p14="http://schemas.microsoft.com/office/powerpoint/2010/main" Requires="p14">
+      <p:transition spd="slow" p14:dur="2000"/>
+    </mc:Choice>
+    <mc:Fallback>
+      <p:transition spd="slow"/>
+    </mc:Fallback>
+  </mc:AlternateContent>
+  <p:timing>
+    <p:tnLst>
+      <p:par>
+        <p:cTn id="1" dur="indefinite" restart="never" nodeType="tmRoot">
+          <p:childTnLst>
+            <p:seq concurrent="1" nextAc="seek">
+              <p:cTn id="2" dur="indefinite" nodeType="mainSeq">
+                <p:childTnLst>
+                  <p:par>
+                    <p:cTn id="3" fill="hold">
+                      <p:stCondLst>
+                        <p:cond delay="indefinite"/>
+                      </p:stCondLst>
+                      <p:childTnLst>
+                        <p:par>
+                          <p:cTn id="4" fill="hold">
+                            <p:stCondLst>
+                              <p:cond delay="0"/>
+                            </p:stCondLst>
+                            <p:childTnLst>
+                              <p:par>
+                                <p:cTn id="5" presetID="53" presetClass="entr" presetSubtype="16" fill="hold" grpId="0" nodeType="clickEffect">
+                                  <p:stCondLst>
+                                    <p:cond delay="0"/>
+                                  </p:stCondLst>
+                                  <p:childTnLst>
+                                    <p:set>
+                                      <p:cBhvr>
+                                        <p:cTn id="6" dur="1" fill="hold">
+                                          <p:stCondLst>
+                                            <p:cond delay="0"/>
+                                          </p:stCondLst>
+                                        </p:cTn>
+                                        <p:tgtEl>
+                                          <p:spTgt spid="8">
+                                            <p:txEl>
+                                              <p:pRg st="0" end="0"/>
+                                            </p:txEl>
+                                          </p:spTgt>
+                                        </p:tgtEl>
+                                        <p:attrNameLst>
+                                          <p:attrName>style.visibility</p:attrName>
+                                        </p:attrNameLst>
+                                      </p:cBhvr>
+                                      <p:to>
+                                        <p:strVal val="visible"/>
+                                      </p:to>
+                                    </p:set>
+                                    <p:anim calcmode="lin" valueType="num">
+                                      <p:cBhvr>
+                                        <p:cTn id="7" dur="500" fill="hold"/>
+                                        <p:tgtEl>
+                                          <p:spTgt spid="8">
+                                            <p:txEl>
+                                              <p:pRg st="0" end="0"/>
+                                            </p:txEl>
+                                          </p:spTgt>
+                                        </p:tgtEl>
+                                        <p:attrNameLst>
+                                          <p:attrName>ppt_w</p:attrName>
+                                        </p:attrNameLst>
+                                      </p:cBhvr>
+                                      <p:tavLst>
+                                        <p:tav tm="0">
+                                          <p:val>
+                                            <p:fltVal val="0"/>
+                                          </p:val>
+                                        </p:tav>
+                                        <p:tav tm="100000">
+                                          <p:val>
+                                            <p:strVal val="#ppt_w"/>
+                                          </p:val>
+                                        </p:tav>
+                                      </p:tavLst>
+                                    </p:anim>
+                                    <p:anim calcmode="lin" valueType="num">
+                                      <p:cBhvr>
+                                        <p:cTn id="8" dur="500" fill="hold"/>
+                                        <p:tgtEl>
+                                          <p:spTgt spid="8">
+                                            <p:txEl>
+                                              <p:pRg st="0" end="0"/>
+                                            </p:txEl>
+                                          </p:spTgt>
+                                        </p:tgtEl>
+                                        <p:attrNameLst>
+                                          <p:attrName>ppt_h</p:attrName>
+                                        </p:attrNameLst>
+                                      </p:cBhvr>
+                                      <p:tavLst>
+                                        <p:tav tm="0">
+                                          <p:val>
+                                            <p:fltVal val="0"/>
+                                          </p:val>
+                                        </p:tav>
+                                        <p:tav tm="100000">
+                                          <p:val>
+                                            <p:strVal val="#ppt_h"/>
+                                          </p:val>
+                                        </p:tav>
+                                      </p:tavLst>
+                                    </p:anim>
+                                    <p:animEffect transition="in" filter="fade">
+                                      <p:cBhvr>
+                                        <p:cTn id="9" dur="500"/>
+                                        <p:tgtEl>
+                                          <p:spTgt spid="8">
+                                            <p:txEl>
+                                              <p:pRg st="0" end="0"/>
+                                            </p:txEl>
+                                          </p:spTgt>
+                                        </p:tgtEl>
+                                      </p:cBhvr>
+                                    </p:animEffect>
+                                  </p:childTnLst>
+                                </p:cTn>
+                              </p:par>
+                            </p:childTnLst>
+                          </p:cTn>
+                        </p:par>
+                      </p:childTnLst>
+                    </p:cTn>
+                  </p:par>
+                  <p:par>
+                    <p:cTn id="10" fill="hold">
+                      <p:stCondLst>
+                        <p:cond delay="indefinite"/>
+                      </p:stCondLst>
+                      <p:childTnLst>
+                        <p:par>
+                          <p:cTn id="11" fill="hold">
+                            <p:stCondLst>
+                              <p:cond delay="0"/>
+                            </p:stCondLst>
+                            <p:childTnLst>
+                              <p:par>
+                                <p:cTn id="12" presetID="53" presetClass="entr" presetSubtype="16" fill="hold" grpId="0" nodeType="clickEffect">
+                                  <p:stCondLst>
+                                    <p:cond delay="0"/>
+                                  </p:stCondLst>
+                                  <p:childTnLst>
+                                    <p:set>
+                                      <p:cBhvr>
+                                        <p:cTn id="13" dur="1" fill="hold">
+                                          <p:stCondLst>
+                                            <p:cond delay="0"/>
+                                          </p:stCondLst>
+                                        </p:cTn>
+                                        <p:tgtEl>
+                                          <p:spTgt spid="8">
+                                            <p:txEl>
+                                              <p:pRg st="1" end="1"/>
+                                            </p:txEl>
+                                          </p:spTgt>
+                                        </p:tgtEl>
+                                        <p:attrNameLst>
+                                          <p:attrName>style.visibility</p:attrName>
+                                        </p:attrNameLst>
+                                      </p:cBhvr>
+                                      <p:to>
+                                        <p:strVal val="visible"/>
+                                      </p:to>
+                                    </p:set>
+                                    <p:anim calcmode="lin" valueType="num">
+                                      <p:cBhvr>
+                                        <p:cTn id="14" dur="500" fill="hold"/>
+                                        <p:tgtEl>
+                                          <p:spTgt spid="8">
+                                            <p:txEl>
+                                              <p:pRg st="1" end="1"/>
+                                            </p:txEl>
+                                          </p:spTgt>
+                                        </p:tgtEl>
+                                        <p:attrNameLst>
+                                          <p:attrName>ppt_w</p:attrName>
+                                        </p:attrNameLst>
+                                      </p:cBhvr>
+                                      <p:tavLst>
+                                        <p:tav tm="0">
+                                          <p:val>
+                                            <p:fltVal val="0"/>
+                                          </p:val>
+                                        </p:tav>
+                                        <p:tav tm="100000">
+                                          <p:val>
+                                            <p:strVal val="#ppt_w"/>
+                                          </p:val>
+                                        </p:tav>
+                                      </p:tavLst>
+                                    </p:anim>
+                                    <p:anim calcmode="lin" valueType="num">
+                                      <p:cBhvr>
+                                        <p:cTn id="15" dur="500" fill="hold"/>
+                                        <p:tgtEl>
+                                          <p:spTgt spid="8">
+                                            <p:txEl>
+                                              <p:pRg st="1" end="1"/>
+                                            </p:txEl>
+                                          </p:spTgt>
+                                        </p:tgtEl>
+                                        <p:attrNameLst>
+                                          <p:attrName>ppt_h</p:attrName>
+                                        </p:attrNameLst>
+                                      </p:cBhvr>
+                                      <p:tavLst>
+                                        <p:tav tm="0">
+                                          <p:val>
+                                            <p:fltVal val="0"/>
+                                          </p:val>
+                                        </p:tav>
+                                        <p:tav tm="100000">
+                                          <p:val>
+                                            <p:strVal val="#ppt_h"/>
+                                          </p:val>
+                                        </p:tav>
+                                      </p:tavLst>
+                                    </p:anim>
+                                    <p:animEffect transition="in" filter="fade">
+                                      <p:cBhvr>
+                                        <p:cTn id="16" dur="500"/>
+                                        <p:tgtEl>
+                                          <p:spTgt spid="8">
+                                            <p:txEl>
+                                              <p:pRg st="1" end="1"/>
+                                            </p:txEl>
+                                          </p:spTgt>
+                                        </p:tgtEl>
+                                      </p:cBhvr>
+                                    </p:animEffect>
+                                  </p:childTnLst>
+                                </p:cTn>
+                              </p:par>
+                            </p:childTnLst>
+                          </p:cTn>
+                        </p:par>
+                      </p:childTnLst>
+                    </p:cTn>
+                  </p:par>
+                  <p:par>
+                    <p:cTn id="17" fill="hold">
+                      <p:stCondLst>
+                        <p:cond delay="indefinite"/>
+                      </p:stCondLst>
+                      <p:childTnLst>
+                        <p:par>
+                          <p:cTn id="18" fill="hold">
+                            <p:stCondLst>
+                              <p:cond delay="0"/>
+                            </p:stCondLst>
+                            <p:childTnLst>
+                              <p:par>
+                                <p:cTn id="19" presetID="10" presetClass="entr" presetSubtype="0" fill="hold" grpId="0" nodeType="clickEffect">
+                                  <p:stCondLst>
+                                    <p:cond delay="0"/>
+                                  </p:stCondLst>
+                                  <p:childTnLst>
+                                    <p:set>
+                                      <p:cBhvr>
+                                        <p:cTn id="20" dur="1" fill="hold">
+                                          <p:stCondLst>
+                                            <p:cond delay="0"/>
+                                          </p:stCondLst>
+                                        </p:cTn>
+                                        <p:tgtEl>
+                                          <p:spTgt spid="6"/>
+                                        </p:tgtEl>
+                                        <p:attrNameLst>
+                                          <p:attrName>style.visibility</p:attrName>
+                                        </p:attrNameLst>
+                                      </p:cBhvr>
+                                      <p:to>
+                                        <p:strVal val="visible"/>
+                                      </p:to>
+                                    </p:set>
+                                    <p:animEffect transition="in" filter="fade">
+                                      <p:cBhvr>
+                                        <p:cTn id="21" dur="500"/>
+                                        <p:tgtEl>
+                                          <p:spTgt spid="6"/>
+                                        </p:tgtEl>
+                                      </p:cBhvr>
+                                    </p:animEffect>
+                                  </p:childTnLst>
+                                </p:cTn>
+                              </p:par>
+                            </p:childTnLst>
+                          </p:cTn>
+                        </p:par>
+                      </p:childTnLst>
+                    </p:cTn>
+                  </p:par>
+                  <p:par>
+                    <p:cTn id="22" fill="hold">
+                      <p:stCondLst>
+                        <p:cond delay="indefinite"/>
+                      </p:stCondLst>
+                      <p:childTnLst>
+                        <p:par>
+                          <p:cTn id="23" fill="hold">
+                            <p:stCondLst>
+                              <p:cond delay="0"/>
+                            </p:stCondLst>
+                            <p:childTnLst>
+                              <p:par>
+                                <p:cTn id="24" presetID="10" presetClass="entr" presetSubtype="0" fill="hold" grpId="0" nodeType="clickEffect">
+                                  <p:stCondLst>
+                                    <p:cond delay="0"/>
+                                  </p:stCondLst>
+                                  <p:childTnLst>
+                                    <p:set>
+                                      <p:cBhvr>
+                                        <p:cTn id="25" dur="1" fill="hold">
+                                          <p:stCondLst>
+                                            <p:cond delay="0"/>
+                                          </p:stCondLst>
+                                        </p:cTn>
+                                        <p:tgtEl>
+                                          <p:spTgt spid="5"/>
+                                        </p:tgtEl>
+                                        <p:attrNameLst>
+                                          <p:attrName>style.visibility</p:attrName>
+                                        </p:attrNameLst>
+                                      </p:cBhvr>
+                                      <p:to>
+                                        <p:strVal val="visible"/>
+                                      </p:to>
+                                    </p:set>
+                                    <p:animEffect transition="in" filter="fade">
+                                      <p:cBhvr>
+                                        <p:cTn id="26" dur="500"/>
+                                        <p:tgtEl>
+                                          <p:spTgt spid="5"/>
+                                        </p:tgtEl>
+                                      </p:cBhvr>
+                                    </p:animEffect>
+                                  </p:childTnLst>
+                                </p:cTn>
+                              </p:par>
+                            </p:childTnLst>
+                          </p:cTn>
+                        </p:par>
+                      </p:childTnLst>
+                    </p:cTn>
+                  </p:par>
+                </p:childTnLst>
+              </p:cTn>
+              <p:prevCondLst>
+                <p:cond evt="onPrev" delay="0">
+                  <p:tgtEl>
+                    <p:sldTgt/>
+                  </p:tgtEl>
+                </p:cond>
+              </p:prevCondLst>
+              <p:nextCondLst>
+                <p:cond evt="onNext" delay="0">
+                  <p:tgtEl>
+                    <p:sldTgt/>
+                  </p:tgtEl>
+                </p:cond>
+              </p:nextCondLst>
+            </p:seq>
+          </p:childTnLst>
+        </p:cTn>
+      </p:par>
+    </p:tnLst>
+    <p:bldLst>
+      <p:bldP spid="8" grpId="0" build="p"/>
+      <p:bldP spid="6" grpId="0"/>
+      <p:bldP spid="5" grpId="0"/>
+    </p:bldLst>
+  </p:timing>
+</p:sld>
+</file>
+
+<file path=ppt/slides/slide21.xml><?xml version="1.0" encoding="utf-8"?>
+<p:sld xmlns:a="http://schemas.openxmlformats.org/drawingml/2006/main" xmlns:r="http://schemas.openxmlformats.org/officeDocument/2006/relationships" xmlns:p="http://schemas.openxmlformats.org/presentationml/2006/main">
+  <p:cSld>
+    <p:spTree>
+      <p:nvGrpSpPr>
+        <p:cNvPr id="1" name=""/>
+        <p:cNvGrpSpPr/>
+        <p:nvPr/>
+      </p:nvGrpSpPr>
+      <p:grpSpPr>
+        <a:xfrm>
+          <a:off x="0" y="0"/>
+          <a:ext cx="0" cy="0"/>
+          <a:chOff x="0" y="0"/>
+          <a:chExt cx="0" cy="0"/>
+        </a:xfrm>
+      </p:grpSpPr>
+      <p:sp>
+        <p:nvSpPr>
+          <p:cNvPr id="8" name="Espaço Reservado para Texto 7"/>
+          <p:cNvSpPr>
+            <a:spLocks noGrp="1"/>
+          </p:cNvSpPr>
+          <p:nvPr>
+            <p:ph type="body" idx="1"/>
+          </p:nvPr>
+        </p:nvSpPr>
+        <p:spPr>
+          <a:xfrm>
+            <a:off x="642910" y="0"/>
+            <a:ext cx="7772400" cy="1500187"/>
+          </a:xfrm>
+        </p:spPr>
+        <p:txBody>
+          <a:bodyPr>
+            <a:normAutofit/>
+          </a:bodyPr>
+          <a:lstStyle/>
+          <a:p>
+            <a:r>
+              <a:rPr lang="pt-BR" sz="2400" dirty="0" smtClean="0"/>
+              <a:t>Linguagens e ferramentas para desenvolvimento de aplicações para dispositivos móveis</a:t>
+            </a:r>
+          </a:p>
+          <a:p>
+            <a:r>
+              <a:rPr lang="pt-BR" sz="2400" b="1" dirty="0" smtClean="0"/>
+              <a:t>Ferramentas</a:t>
+            </a:r>
+            <a:endParaRPr lang="pt-BR" sz="2400" b="1" dirty="0"/>
+          </a:p>
+        </p:txBody>
+      </p:sp>
+      <p:sp>
+        <p:nvSpPr>
+          <p:cNvPr id="6" name="CaixaDeTexto 5"/>
+          <p:cNvSpPr txBox="1"/>
+          <p:nvPr/>
+        </p:nvSpPr>
+        <p:spPr>
+          <a:xfrm>
+            <a:off x="642910" y="1772816"/>
+            <a:ext cx="7515718" cy="1754326"/>
+          </a:xfrm>
+          <a:prstGeom prst="rect">
+            <a:avLst/>
+          </a:prstGeom>
+          <a:noFill/>
+        </p:spPr>
+        <p:txBody>
+          <a:bodyPr wrap="square" rtlCol="0">
+            <a:spAutoFit/>
+          </a:bodyPr>
+          <a:lstStyle/>
+          <a:p>
+            <a:r>
+              <a:rPr lang="pt-BR" b="1" dirty="0"/>
+              <a:t>Cocos2d</a:t>
+            </a:r>
+            <a:endParaRPr lang="pt-BR" dirty="0"/>
+          </a:p>
+          <a:p>
+            <a:pPr marL="285750" indent="-285750" algn="just">
+              <a:buFont typeface="Arial" panose="020B0604020202020204" pitchFamily="34" charset="0"/>
+              <a:buChar char="•"/>
+            </a:pPr>
+            <a:r>
+              <a:rPr lang="pt-BR" dirty="0"/>
+              <a:t>Cocos2d é uma coleção de frameworks open </a:t>
+            </a:r>
+            <a:r>
+              <a:rPr lang="pt-BR" dirty="0" err="1"/>
+              <a:t>source</a:t>
+            </a:r>
+            <a:r>
+              <a:rPr lang="pt-BR" dirty="0"/>
+              <a:t> que permite aos desenvolvedores criar jogos </a:t>
+            </a:r>
+            <a:r>
+              <a:rPr lang="pt-BR" dirty="0" err="1"/>
+              <a:t>multi-plataforma</a:t>
+            </a:r>
+            <a:r>
+              <a:rPr lang="pt-BR" dirty="0"/>
+              <a:t> e aplicativos. </a:t>
+            </a:r>
+            <a:endParaRPr lang="pt-BR" dirty="0" smtClean="0"/>
+          </a:p>
+          <a:p>
+            <a:pPr marL="285750" indent="-285750" algn="just">
+              <a:buFont typeface="Arial" panose="020B0604020202020204" pitchFamily="34" charset="0"/>
+              <a:buChar char="•"/>
+            </a:pPr>
+            <a:r>
+              <a:rPr lang="pt-BR" dirty="0" smtClean="0"/>
+              <a:t>É </a:t>
+            </a:r>
+            <a:r>
+              <a:rPr lang="pt-BR" dirty="0"/>
+              <a:t>composto por 4 frameworks principais: Cocos2d-X (C ++ / </a:t>
+            </a:r>
+            <a:r>
+              <a:rPr lang="pt-BR" dirty="0" err="1"/>
+              <a:t>Javascript</a:t>
+            </a:r>
+            <a:r>
+              <a:rPr lang="pt-BR" dirty="0"/>
+              <a:t> / Lua), Cocos2d-XNA (XNA em C#), Cocos2D-ObjC (</a:t>
+            </a:r>
+            <a:r>
+              <a:rPr lang="pt-BR" dirty="0" err="1"/>
+              <a:t>Xcode</a:t>
+            </a:r>
+            <a:r>
+              <a:rPr lang="pt-BR" dirty="0"/>
+              <a:t>, </a:t>
+            </a:r>
+            <a:r>
+              <a:rPr lang="pt-BR" dirty="0" err="1"/>
+              <a:t>Objective</a:t>
+            </a:r>
+            <a:r>
+              <a:rPr lang="pt-BR" dirty="0"/>
+              <a:t>-C), Cocos2d (Python).</a:t>
+            </a:r>
+          </a:p>
+        </p:txBody>
+      </p:sp>
+      <p:sp>
+        <p:nvSpPr>
+          <p:cNvPr id="7" name="CaixaDeTexto 6"/>
+          <p:cNvSpPr txBox="1"/>
+          <p:nvPr/>
+        </p:nvSpPr>
+        <p:spPr>
+          <a:xfrm>
+            <a:off x="671234" y="3799242"/>
+            <a:ext cx="7515718" cy="1200329"/>
+          </a:xfrm>
+          <a:prstGeom prst="rect">
+            <a:avLst/>
+          </a:prstGeom>
+          <a:noFill/>
+        </p:spPr>
+        <p:txBody>
+          <a:bodyPr wrap="square" rtlCol="0">
+            <a:spAutoFit/>
+          </a:bodyPr>
+          <a:lstStyle/>
+          <a:p>
+            <a:r>
+              <a:rPr lang="pt-BR" b="1" dirty="0" smtClean="0"/>
+              <a:t>IONIC</a:t>
+            </a:r>
+            <a:endParaRPr lang="pt-BR" dirty="0" smtClean="0"/>
+          </a:p>
+          <a:p>
+            <a:pPr marL="285750" indent="-285750" algn="just">
+              <a:buFont typeface="Arial" panose="020B0604020202020204" pitchFamily="34" charset="0"/>
+              <a:buChar char="•"/>
+            </a:pPr>
+            <a:r>
+              <a:rPr lang="pt-BR" dirty="0"/>
+              <a:t>U</a:t>
+            </a:r>
+            <a:r>
+              <a:rPr lang="pt-BR" dirty="0" smtClean="0"/>
+              <a:t>m </a:t>
+            </a:r>
+            <a:r>
+              <a:rPr lang="pt-BR" dirty="0"/>
+              <a:t>framework que usa </a:t>
+            </a:r>
+            <a:r>
+              <a:rPr lang="pt-BR" dirty="0" err="1"/>
+              <a:t>AngularJS</a:t>
+            </a:r>
+            <a:r>
+              <a:rPr lang="pt-BR" dirty="0"/>
+              <a:t> para criar aplicações com um visual muito similar ao de </a:t>
+            </a:r>
+            <a:r>
+              <a:rPr lang="pt-BR" dirty="0" err="1"/>
+              <a:t>apps</a:t>
+            </a:r>
+            <a:r>
+              <a:rPr lang="pt-BR" dirty="0"/>
+              <a:t> nativos, as possibilidades de utilização do Python e a atual tendência de </a:t>
+            </a:r>
+            <a:r>
+              <a:rPr lang="pt-BR" b="1" dirty="0"/>
+              <a:t>aplicativos </a:t>
+            </a:r>
+            <a:r>
+              <a:rPr lang="pt-BR" b="1" dirty="0" smtClean="0"/>
+              <a:t>em HTML5.</a:t>
+            </a:r>
+            <a:endParaRPr lang="pt-BR" dirty="0"/>
+          </a:p>
+        </p:txBody>
+      </p:sp>
+    </p:spTree>
+    <p:extLst>
+      <p:ext uri="{BB962C8B-B14F-4D97-AF65-F5344CB8AC3E}">
+        <p14:creationId xmlns:p14="http://schemas.microsoft.com/office/powerpoint/2010/main" val="4223044167"/>
+      </p:ext>
+    </p:extLst>
+  </p:cSld>
+  <p:clrMapOvr>
+    <a:masterClrMapping/>
+  </p:clrMapOvr>
+  <mc:AlternateContent xmlns:mc="http://schemas.openxmlformats.org/markup-compatibility/2006">
+    <mc:Choice xmlns:p14="http://schemas.microsoft.com/office/powerpoint/2010/main" Requires="p14">
+      <p:transition spd="slow" p14:dur="2000"/>
+    </mc:Choice>
+    <mc:Fallback>
+      <p:transition spd="slow"/>
+    </mc:Fallback>
+  </mc:AlternateContent>
+  <p:timing>
+    <p:tnLst>
+      <p:par>
+        <p:cTn id="1" dur="indefinite" restart="never" nodeType="tmRoot">
+          <p:childTnLst>
+            <p:seq concurrent="1" nextAc="seek">
+              <p:cTn id="2" dur="indefinite" nodeType="mainSeq">
+                <p:childTnLst>
+                  <p:par>
+                    <p:cTn id="3" fill="hold">
+                      <p:stCondLst>
+                        <p:cond delay="indefinite"/>
+                      </p:stCondLst>
+                      <p:childTnLst>
+                        <p:par>
+                          <p:cTn id="4" fill="hold">
+                            <p:stCondLst>
+                              <p:cond delay="0"/>
+                            </p:stCondLst>
+                            <p:childTnLst>
+                              <p:par>
+                                <p:cTn id="5" presetID="53" presetClass="entr" presetSubtype="16" fill="hold" grpId="0" nodeType="clickEffect">
+                                  <p:stCondLst>
+                                    <p:cond delay="0"/>
+                                  </p:stCondLst>
+                                  <p:childTnLst>
+                                    <p:set>
+                                      <p:cBhvr>
+                                        <p:cTn id="6" dur="1" fill="hold">
+                                          <p:stCondLst>
+                                            <p:cond delay="0"/>
+                                          </p:stCondLst>
+                                        </p:cTn>
+                                        <p:tgtEl>
+                                          <p:spTgt spid="8">
+                                            <p:txEl>
+                                              <p:pRg st="0" end="0"/>
+                                            </p:txEl>
+                                          </p:spTgt>
+                                        </p:tgtEl>
+                                        <p:attrNameLst>
+                                          <p:attrName>style.visibility</p:attrName>
+                                        </p:attrNameLst>
+                                      </p:cBhvr>
+                                      <p:to>
+                                        <p:strVal val="visible"/>
+                                      </p:to>
+                                    </p:set>
+                                    <p:anim calcmode="lin" valueType="num">
+                                      <p:cBhvr>
+                                        <p:cTn id="7" dur="500" fill="hold"/>
+                                        <p:tgtEl>
+                                          <p:spTgt spid="8">
+                                            <p:txEl>
+                                              <p:pRg st="0" end="0"/>
+                                            </p:txEl>
+                                          </p:spTgt>
+                                        </p:tgtEl>
+                                        <p:attrNameLst>
+                                          <p:attrName>ppt_w</p:attrName>
+                                        </p:attrNameLst>
+                                      </p:cBhvr>
+                                      <p:tavLst>
+                                        <p:tav tm="0">
+                                          <p:val>
+                                            <p:fltVal val="0"/>
+                                          </p:val>
+                                        </p:tav>
+                                        <p:tav tm="100000">
+                                          <p:val>
+                                            <p:strVal val="#ppt_w"/>
+                                          </p:val>
+                                        </p:tav>
+                                      </p:tavLst>
+                                    </p:anim>
+                                    <p:anim calcmode="lin" valueType="num">
+                                      <p:cBhvr>
+                                        <p:cTn id="8" dur="500" fill="hold"/>
+                                        <p:tgtEl>
+                                          <p:spTgt spid="8">
+                                            <p:txEl>
+                                              <p:pRg st="0" end="0"/>
+                                            </p:txEl>
+                                          </p:spTgt>
+                                        </p:tgtEl>
+                                        <p:attrNameLst>
+                                          <p:attrName>ppt_h</p:attrName>
+                                        </p:attrNameLst>
+                                      </p:cBhvr>
+                                      <p:tavLst>
+                                        <p:tav tm="0">
+                                          <p:val>
+                                            <p:fltVal val="0"/>
+                                          </p:val>
+                                        </p:tav>
+                                        <p:tav tm="100000">
+                                          <p:val>
+                                            <p:strVal val="#ppt_h"/>
+                                          </p:val>
+                                        </p:tav>
+                                      </p:tavLst>
+                                    </p:anim>
+                                    <p:animEffect transition="in" filter="fade">
+                                      <p:cBhvr>
+                                        <p:cTn id="9" dur="500"/>
+                                        <p:tgtEl>
+                                          <p:spTgt spid="8">
+                                            <p:txEl>
+                                              <p:pRg st="0" end="0"/>
+                                            </p:txEl>
+                                          </p:spTgt>
+                                        </p:tgtEl>
+                                      </p:cBhvr>
+                                    </p:animEffect>
+                                  </p:childTnLst>
+                                </p:cTn>
+                              </p:par>
+                            </p:childTnLst>
+                          </p:cTn>
+                        </p:par>
+                      </p:childTnLst>
+                    </p:cTn>
+                  </p:par>
+                  <p:par>
+                    <p:cTn id="10" fill="hold">
+                      <p:stCondLst>
+                        <p:cond delay="indefinite"/>
+                      </p:stCondLst>
+                      <p:childTnLst>
+                        <p:par>
+                          <p:cTn id="11" fill="hold">
+                            <p:stCondLst>
+                              <p:cond delay="0"/>
+                            </p:stCondLst>
+                            <p:childTnLst>
+                              <p:par>
+                                <p:cTn id="12" presetID="53" presetClass="entr" presetSubtype="16" fill="hold" grpId="0" nodeType="clickEffect">
+                                  <p:stCondLst>
+                                    <p:cond delay="0"/>
+                                  </p:stCondLst>
+                                  <p:childTnLst>
+                                    <p:set>
+                                      <p:cBhvr>
+                                        <p:cTn id="13" dur="1" fill="hold">
+                                          <p:stCondLst>
+                                            <p:cond delay="0"/>
+                                          </p:stCondLst>
+                                        </p:cTn>
+                                        <p:tgtEl>
+                                          <p:spTgt spid="8">
+                                            <p:txEl>
+                                              <p:pRg st="1" end="1"/>
+                                            </p:txEl>
+                                          </p:spTgt>
+                                        </p:tgtEl>
+                                        <p:attrNameLst>
+                                          <p:attrName>style.visibility</p:attrName>
+                                        </p:attrNameLst>
+                                      </p:cBhvr>
+                                      <p:to>
+                                        <p:strVal val="visible"/>
+                                      </p:to>
+                                    </p:set>
+                                    <p:anim calcmode="lin" valueType="num">
+                                      <p:cBhvr>
+                                        <p:cTn id="14" dur="500" fill="hold"/>
+                                        <p:tgtEl>
+                                          <p:spTgt spid="8">
+                                            <p:txEl>
+                                              <p:pRg st="1" end="1"/>
+                                            </p:txEl>
+                                          </p:spTgt>
+                                        </p:tgtEl>
+                                        <p:attrNameLst>
+                                          <p:attrName>ppt_w</p:attrName>
+                                        </p:attrNameLst>
+                                      </p:cBhvr>
+                                      <p:tavLst>
+                                        <p:tav tm="0">
+                                          <p:val>
+                                            <p:fltVal val="0"/>
+                                          </p:val>
+                                        </p:tav>
+                                        <p:tav tm="100000">
+                                          <p:val>
+                                            <p:strVal val="#ppt_w"/>
+                                          </p:val>
+                                        </p:tav>
+                                      </p:tavLst>
+                                    </p:anim>
+                                    <p:anim calcmode="lin" valueType="num">
+                                      <p:cBhvr>
+                                        <p:cTn id="15" dur="500" fill="hold"/>
+                                        <p:tgtEl>
+                                          <p:spTgt spid="8">
+                                            <p:txEl>
+                                              <p:pRg st="1" end="1"/>
+                                            </p:txEl>
+                                          </p:spTgt>
+                                        </p:tgtEl>
+                                        <p:attrNameLst>
+                                          <p:attrName>ppt_h</p:attrName>
+                                        </p:attrNameLst>
+                                      </p:cBhvr>
+                                      <p:tavLst>
+                                        <p:tav tm="0">
+                                          <p:val>
+                                            <p:fltVal val="0"/>
+                                          </p:val>
+                                        </p:tav>
+                                        <p:tav tm="100000">
+                                          <p:val>
+                                            <p:strVal val="#ppt_h"/>
+                                          </p:val>
+                                        </p:tav>
+                                      </p:tavLst>
+                                    </p:anim>
+                                    <p:animEffect transition="in" filter="fade">
+                                      <p:cBhvr>
+                                        <p:cTn id="16" dur="500"/>
+                                        <p:tgtEl>
+                                          <p:spTgt spid="8">
+                                            <p:txEl>
+                                              <p:pRg st="1" end="1"/>
+                                            </p:txEl>
+                                          </p:spTgt>
+                                        </p:tgtEl>
+                                      </p:cBhvr>
+                                    </p:animEffect>
+                                  </p:childTnLst>
+                                </p:cTn>
+                              </p:par>
+                            </p:childTnLst>
+                          </p:cTn>
+                        </p:par>
+                      </p:childTnLst>
+                    </p:cTn>
+                  </p:par>
+                  <p:par>
+                    <p:cTn id="17" fill="hold">
+                      <p:stCondLst>
+                        <p:cond delay="indefinite"/>
+                      </p:stCondLst>
+                      <p:childTnLst>
+                        <p:par>
+                          <p:cTn id="18" fill="hold">
+                            <p:stCondLst>
+                              <p:cond delay="0"/>
+                            </p:stCondLst>
+                            <p:childTnLst>
+                              <p:par>
+                                <p:cTn id="19" presetID="10" presetClass="entr" presetSubtype="0" fill="hold" grpId="0" nodeType="clickEffect">
+                                  <p:stCondLst>
+                                    <p:cond delay="0"/>
+                                  </p:stCondLst>
+                                  <p:childTnLst>
+                                    <p:set>
+                                      <p:cBhvr>
+                                        <p:cTn id="20" dur="1" fill="hold">
+                                          <p:stCondLst>
+                                            <p:cond delay="0"/>
+                                          </p:stCondLst>
+                                        </p:cTn>
+                                        <p:tgtEl>
+                                          <p:spTgt spid="6"/>
+                                        </p:tgtEl>
+                                        <p:attrNameLst>
+                                          <p:attrName>style.visibility</p:attrName>
+                                        </p:attrNameLst>
+                                      </p:cBhvr>
+                                      <p:to>
+                                        <p:strVal val="visible"/>
+                                      </p:to>
+                                    </p:set>
+                                    <p:animEffect transition="in" filter="fade">
+                                      <p:cBhvr>
+                                        <p:cTn id="21" dur="500"/>
+                                        <p:tgtEl>
+                                          <p:spTgt spid="6"/>
+                                        </p:tgtEl>
+                                      </p:cBhvr>
+                                    </p:animEffect>
+                                  </p:childTnLst>
+                                </p:cTn>
+                              </p:par>
+                            </p:childTnLst>
+                          </p:cTn>
+                        </p:par>
+                      </p:childTnLst>
+                    </p:cTn>
+                  </p:par>
+                  <p:par>
+                    <p:cTn id="22" fill="hold">
+                      <p:stCondLst>
+                        <p:cond delay="indefinite"/>
+                      </p:stCondLst>
+                      <p:childTnLst>
+                        <p:par>
+                          <p:cTn id="23" fill="hold">
+                            <p:stCondLst>
+                              <p:cond delay="0"/>
+                            </p:stCondLst>
+                            <p:childTnLst>
+                              <p:par>
+                                <p:cTn id="24" presetID="10" presetClass="entr" presetSubtype="0" fill="hold" grpId="0" nodeType="clickEffect">
+                                  <p:stCondLst>
+                                    <p:cond delay="0"/>
+                                  </p:stCondLst>
+                                  <p:childTnLst>
+                                    <p:set>
+                                      <p:cBhvr>
+                                        <p:cTn id="25" dur="1" fill="hold">
+                                          <p:stCondLst>
+                                            <p:cond delay="0"/>
+                                          </p:stCondLst>
+                                        </p:cTn>
+                                        <p:tgtEl>
+                                          <p:spTgt spid="7"/>
+                                        </p:tgtEl>
+                                        <p:attrNameLst>
+                                          <p:attrName>style.visibility</p:attrName>
+                                        </p:attrNameLst>
+                                      </p:cBhvr>
+                                      <p:to>
+                                        <p:strVal val="visible"/>
+                                      </p:to>
+                                    </p:set>
+                                    <p:animEffect transition="in" filter="fade">
+                                      <p:cBhvr>
+                                        <p:cTn id="26" dur="500"/>
+                                        <p:tgtEl>
+                                          <p:spTgt spid="7"/>
+                                        </p:tgtEl>
+                                      </p:cBhvr>
+                                    </p:animEffect>
+                                  </p:childTnLst>
+                                </p:cTn>
+                              </p:par>
+                            </p:childTnLst>
+                          </p:cTn>
+                        </p:par>
+                      </p:childTnLst>
+                    </p:cTn>
+                  </p:par>
+                </p:childTnLst>
+              </p:cTn>
+              <p:prevCondLst>
+                <p:cond evt="onPrev" delay="0">
+                  <p:tgtEl>
+                    <p:sldTgt/>
+                  </p:tgtEl>
+                </p:cond>
+              </p:prevCondLst>
+              <p:nextCondLst>
+                <p:cond evt="onNext" delay="0">
+                  <p:tgtEl>
+                    <p:sldTgt/>
+                  </p:tgtEl>
+                </p:cond>
+              </p:nextCondLst>
+            </p:seq>
+          </p:childTnLst>
+        </p:cTn>
+      </p:par>
+    </p:tnLst>
+    <p:bldLst>
+      <p:bldP spid="8" grpId="0" build="p"/>
+      <p:bldP spid="6" grpId="0"/>
+      <p:bldP spid="7" grpId="0"/>
+    </p:bldLst>
+  </p:timing>
+</p:sld>
+</file>
+
+<file path=ppt/slides/slide22.xml><?xml version="1.0" encoding="utf-8"?>
+<p:sld xmlns:a="http://schemas.openxmlformats.org/drawingml/2006/main" xmlns:r="http://schemas.openxmlformats.org/officeDocument/2006/relationships" xmlns:p="http://schemas.openxmlformats.org/presentationml/2006/main">
+  <p:cSld>
+    <p:spTree>
+      <p:nvGrpSpPr>
+        <p:cNvPr id="1" name=""/>
+        <p:cNvGrpSpPr/>
+        <p:nvPr/>
+      </p:nvGrpSpPr>
+      <p:grpSpPr>
+        <a:xfrm>
+          <a:off x="0" y="0"/>
+          <a:ext cx="0" cy="0"/>
+          <a:chOff x="0" y="0"/>
+          <a:chExt cx="0" cy="0"/>
+        </a:xfrm>
+      </p:grpSpPr>
+      <p:sp>
+        <p:nvSpPr>
+          <p:cNvPr id="8" name="Espaço Reservado para Texto 7"/>
+          <p:cNvSpPr>
+            <a:spLocks noGrp="1"/>
+          </p:cNvSpPr>
+          <p:nvPr>
+            <p:ph type="body" idx="1"/>
+          </p:nvPr>
+        </p:nvSpPr>
+        <p:spPr>
+          <a:xfrm>
+            <a:off x="642910" y="0"/>
+            <a:ext cx="7772400" cy="1500187"/>
+          </a:xfrm>
+        </p:spPr>
+        <p:txBody>
+          <a:bodyPr>
+            <a:normAutofit/>
+          </a:bodyPr>
+          <a:lstStyle/>
+          <a:p>
+            <a:r>
+              <a:rPr lang="pt-BR" sz="2400" dirty="0" smtClean="0"/>
+              <a:t>Linguagens e ferramentas para desenvolvimento de aplicações para dispositivos móveis</a:t>
+            </a:r>
+          </a:p>
+          <a:p>
+            <a:r>
+              <a:rPr lang="pt-BR" sz="2400" b="1" dirty="0" smtClean="0"/>
+              <a:t>Ferramentas</a:t>
+            </a:r>
+            <a:endParaRPr lang="pt-BR" sz="2400" b="1" dirty="0"/>
+          </a:p>
+        </p:txBody>
+      </p:sp>
+      <p:sp>
+        <p:nvSpPr>
+          <p:cNvPr id="6" name="CaixaDeTexto 5"/>
+          <p:cNvSpPr txBox="1"/>
+          <p:nvPr/>
+        </p:nvSpPr>
+        <p:spPr>
+          <a:xfrm>
+            <a:off x="642910" y="1772816"/>
+            <a:ext cx="7515718" cy="1754326"/>
+          </a:xfrm>
+          <a:prstGeom prst="rect">
+            <a:avLst/>
+          </a:prstGeom>
+          <a:noFill/>
+        </p:spPr>
+        <p:txBody>
+          <a:bodyPr wrap="square" rtlCol="0">
+            <a:spAutoFit/>
+          </a:bodyPr>
+          <a:lstStyle/>
+          <a:p>
+            <a:pPr algn="just"/>
+            <a:r>
+              <a:rPr lang="pt-BR" b="1" dirty="0" err="1" smtClean="0"/>
+              <a:t>FireMonkey</a:t>
+            </a:r>
+            <a:endParaRPr lang="pt-BR" b="1" dirty="0" smtClean="0"/>
+          </a:p>
+          <a:p>
+            <a:pPr marL="285750" indent="-285750" algn="just">
+              <a:buFont typeface="Arial" panose="020B0604020202020204" pitchFamily="34" charset="0"/>
+              <a:buChar char="•"/>
+            </a:pPr>
+            <a:r>
+              <a:rPr lang="pt-BR" dirty="0" smtClean="0"/>
+              <a:t>É </a:t>
+            </a:r>
+            <a:r>
+              <a:rPr lang="pt-BR" dirty="0"/>
+              <a:t>uma ferramenta desenvolvida pela </a:t>
+            </a:r>
+            <a:r>
+              <a:rPr lang="pt-BR" dirty="0" err="1"/>
+              <a:t>Embarcadero</a:t>
+            </a:r>
+            <a:r>
+              <a:rPr lang="pt-BR" dirty="0"/>
+              <a:t> que permite o desenvolvimento de aplicações focadas em um visual rico e que seja </a:t>
+            </a:r>
+            <a:r>
+              <a:rPr lang="pt-BR" dirty="0" err="1" smtClean="0"/>
+              <a:t>multiplataforma</a:t>
+            </a:r>
+            <a:r>
+              <a:rPr lang="pt-BR" dirty="0" smtClean="0"/>
+              <a:t>;</a:t>
+            </a:r>
+          </a:p>
+          <a:p>
+            <a:pPr marL="285750" indent="-285750" algn="just">
+              <a:buFont typeface="Arial" panose="020B0604020202020204" pitchFamily="34" charset="0"/>
+              <a:buChar char="•"/>
+            </a:pPr>
+            <a:r>
+              <a:rPr lang="pt-BR" dirty="0" smtClean="0"/>
+              <a:t> </a:t>
+            </a:r>
+            <a:r>
+              <a:rPr lang="pt-BR" dirty="0"/>
+              <a:t>É uma excelente opção para criar aplicativos para diversas plataformas a partir da mesma base de código.</a:t>
+            </a:r>
+          </a:p>
+        </p:txBody>
+      </p:sp>
+      <p:sp>
+        <p:nvSpPr>
+          <p:cNvPr id="7" name="CaixaDeTexto 6"/>
+          <p:cNvSpPr txBox="1"/>
+          <p:nvPr/>
+        </p:nvSpPr>
+        <p:spPr>
+          <a:xfrm>
+            <a:off x="671234" y="3799242"/>
+            <a:ext cx="7515718" cy="1477328"/>
+          </a:xfrm>
+          <a:prstGeom prst="rect">
+            <a:avLst/>
+          </a:prstGeom>
+          <a:noFill/>
+        </p:spPr>
+        <p:txBody>
+          <a:bodyPr wrap="square" rtlCol="0">
+            <a:spAutoFit/>
+          </a:bodyPr>
+          <a:lstStyle/>
+          <a:p>
+            <a:r>
+              <a:rPr lang="pt-BR" b="1" dirty="0" err="1"/>
+              <a:t>MoSync</a:t>
+            </a:r>
+            <a:endParaRPr lang="pt-BR" b="1" dirty="0"/>
+          </a:p>
+          <a:p>
+            <a:pPr marL="285750" indent="-285750" algn="just">
+              <a:buFont typeface="Arial" panose="020B0604020202020204" pitchFamily="34" charset="0"/>
+              <a:buChar char="•"/>
+            </a:pPr>
+            <a:r>
+              <a:rPr lang="pt-BR" dirty="0"/>
+              <a:t>O </a:t>
+            </a:r>
+            <a:r>
+              <a:rPr lang="pt-BR" dirty="0" err="1">
+                <a:hlinkClick r:id="rId2"/>
+              </a:rPr>
+              <a:t>MoSync</a:t>
+            </a:r>
+            <a:r>
+              <a:rPr lang="pt-BR" dirty="0"/>
+              <a:t> é outra ferramenta popular para desenvolvimento </a:t>
+            </a:r>
+            <a:r>
+              <a:rPr lang="pt-BR" dirty="0" err="1" smtClean="0"/>
+              <a:t>multiplataforma</a:t>
+            </a:r>
+            <a:r>
+              <a:rPr lang="pt-BR" dirty="0" smtClean="0"/>
+              <a:t>;</a:t>
+            </a:r>
+          </a:p>
+          <a:p>
+            <a:pPr marL="285750" indent="-285750" algn="just">
+              <a:buFont typeface="Arial" panose="020B0604020202020204" pitchFamily="34" charset="0"/>
+              <a:buChar char="•"/>
+            </a:pPr>
+            <a:r>
+              <a:rPr lang="pt-BR" dirty="0" smtClean="0"/>
+              <a:t> </a:t>
+            </a:r>
+            <a:r>
+              <a:rPr lang="pt-BR" dirty="0"/>
+              <a:t>Permite importar códigos nativos sem muitos problemas e é compatível com todos os principais sistemas em uso atualmente.</a:t>
+            </a:r>
+          </a:p>
+        </p:txBody>
+      </p:sp>
+    </p:spTree>
+    <p:extLst>
+      <p:ext uri="{BB962C8B-B14F-4D97-AF65-F5344CB8AC3E}">
+        <p14:creationId xmlns:p14="http://schemas.microsoft.com/office/powerpoint/2010/main" val="2551632948"/>
+      </p:ext>
+    </p:extLst>
+  </p:cSld>
+  <p:clrMapOvr>
+    <a:masterClrMapping/>
+  </p:clrMapOvr>
+  <mc:AlternateContent xmlns:mc="http://schemas.openxmlformats.org/markup-compatibility/2006">
+    <mc:Choice xmlns:p14="http://schemas.microsoft.com/office/powerpoint/2010/main" Requires="p14">
+      <p:transition spd="slow" p14:dur="2000"/>
+    </mc:Choice>
+    <mc:Fallback>
+      <p:transition spd="slow"/>
+    </mc:Fallback>
+  </mc:AlternateContent>
+  <p:timing>
+    <p:tnLst>
+      <p:par>
+        <p:cTn id="1" dur="indefinite" restart="never" nodeType="tmRoot">
+          <p:childTnLst>
+            <p:seq concurrent="1" nextAc="seek">
+              <p:cTn id="2" dur="indefinite" nodeType="mainSeq">
+                <p:childTnLst>
+                  <p:par>
+                    <p:cTn id="3" fill="hold">
+                      <p:stCondLst>
+                        <p:cond delay="indefinite"/>
+                      </p:stCondLst>
+                      <p:childTnLst>
+                        <p:par>
+                          <p:cTn id="4" fill="hold">
+                            <p:stCondLst>
+                              <p:cond delay="0"/>
+                            </p:stCondLst>
+                            <p:childTnLst>
+                              <p:par>
+                                <p:cTn id="5" presetID="53" presetClass="entr" presetSubtype="16" fill="hold" grpId="0" nodeType="clickEffect">
+                                  <p:stCondLst>
+                                    <p:cond delay="0"/>
+                                  </p:stCondLst>
+                                  <p:childTnLst>
+                                    <p:set>
+                                      <p:cBhvr>
+                                        <p:cTn id="6" dur="1" fill="hold">
+                                          <p:stCondLst>
+                                            <p:cond delay="0"/>
+                                          </p:stCondLst>
+                                        </p:cTn>
+                                        <p:tgtEl>
+                                          <p:spTgt spid="8">
+                                            <p:txEl>
+                                              <p:pRg st="0" end="0"/>
+                                            </p:txEl>
+                                          </p:spTgt>
+                                        </p:tgtEl>
+                                        <p:attrNameLst>
+                                          <p:attrName>style.visibility</p:attrName>
+                                        </p:attrNameLst>
+                                      </p:cBhvr>
+                                      <p:to>
+                                        <p:strVal val="visible"/>
+                                      </p:to>
+                                    </p:set>
+                                    <p:anim calcmode="lin" valueType="num">
+                                      <p:cBhvr>
+                                        <p:cTn id="7" dur="500" fill="hold"/>
+                                        <p:tgtEl>
+                                          <p:spTgt spid="8">
+                                            <p:txEl>
+                                              <p:pRg st="0" end="0"/>
+                                            </p:txEl>
+                                          </p:spTgt>
+                                        </p:tgtEl>
+                                        <p:attrNameLst>
+                                          <p:attrName>ppt_w</p:attrName>
+                                        </p:attrNameLst>
+                                      </p:cBhvr>
+                                      <p:tavLst>
+                                        <p:tav tm="0">
+                                          <p:val>
+                                            <p:fltVal val="0"/>
+                                          </p:val>
+                                        </p:tav>
+                                        <p:tav tm="100000">
+                                          <p:val>
+                                            <p:strVal val="#ppt_w"/>
+                                          </p:val>
+                                        </p:tav>
+                                      </p:tavLst>
+                                    </p:anim>
+                                    <p:anim calcmode="lin" valueType="num">
+                                      <p:cBhvr>
+                                        <p:cTn id="8" dur="500" fill="hold"/>
+                                        <p:tgtEl>
+                                          <p:spTgt spid="8">
+                                            <p:txEl>
+                                              <p:pRg st="0" end="0"/>
+                                            </p:txEl>
+                                          </p:spTgt>
+                                        </p:tgtEl>
+                                        <p:attrNameLst>
+                                          <p:attrName>ppt_h</p:attrName>
+                                        </p:attrNameLst>
+                                      </p:cBhvr>
+                                      <p:tavLst>
+                                        <p:tav tm="0">
+                                          <p:val>
+                                            <p:fltVal val="0"/>
+                                          </p:val>
+                                        </p:tav>
+                                        <p:tav tm="100000">
+                                          <p:val>
+                                            <p:strVal val="#ppt_h"/>
+                                          </p:val>
+                                        </p:tav>
+                                      </p:tavLst>
+                                    </p:anim>
+                                    <p:animEffect transition="in" filter="fade">
+                                      <p:cBhvr>
+                                        <p:cTn id="9" dur="500"/>
+                                        <p:tgtEl>
+                                          <p:spTgt spid="8">
+                                            <p:txEl>
+                                              <p:pRg st="0" end="0"/>
+                                            </p:txEl>
+                                          </p:spTgt>
+                                        </p:tgtEl>
+                                      </p:cBhvr>
+                                    </p:animEffect>
+                                  </p:childTnLst>
+                                </p:cTn>
+                              </p:par>
+                            </p:childTnLst>
+                          </p:cTn>
+                        </p:par>
+                      </p:childTnLst>
+                    </p:cTn>
+                  </p:par>
+                  <p:par>
+                    <p:cTn id="10" fill="hold">
+                      <p:stCondLst>
+                        <p:cond delay="indefinite"/>
+                      </p:stCondLst>
+                      <p:childTnLst>
+                        <p:par>
+                          <p:cTn id="11" fill="hold">
+                            <p:stCondLst>
+                              <p:cond delay="0"/>
+                            </p:stCondLst>
+                            <p:childTnLst>
+                              <p:par>
+                                <p:cTn id="12" presetID="53" presetClass="entr" presetSubtype="16" fill="hold" grpId="0" nodeType="clickEffect">
+                                  <p:stCondLst>
+                                    <p:cond delay="0"/>
+                                  </p:stCondLst>
+                                  <p:childTnLst>
+                                    <p:set>
+                                      <p:cBhvr>
+                                        <p:cTn id="13" dur="1" fill="hold">
+                                          <p:stCondLst>
+                                            <p:cond delay="0"/>
+                                          </p:stCondLst>
+                                        </p:cTn>
+                                        <p:tgtEl>
+                                          <p:spTgt spid="8">
+                                            <p:txEl>
+                                              <p:pRg st="1" end="1"/>
+                                            </p:txEl>
+                                          </p:spTgt>
+                                        </p:tgtEl>
+                                        <p:attrNameLst>
+                                          <p:attrName>style.visibility</p:attrName>
+                                        </p:attrNameLst>
+                                      </p:cBhvr>
+                                      <p:to>
+                                        <p:strVal val="visible"/>
+                                      </p:to>
+                                    </p:set>
+                                    <p:anim calcmode="lin" valueType="num">
+                                      <p:cBhvr>
+                                        <p:cTn id="14" dur="500" fill="hold"/>
+                                        <p:tgtEl>
+                                          <p:spTgt spid="8">
+                                            <p:txEl>
+                                              <p:pRg st="1" end="1"/>
+                                            </p:txEl>
+                                          </p:spTgt>
+                                        </p:tgtEl>
+                                        <p:attrNameLst>
+                                          <p:attrName>ppt_w</p:attrName>
+                                        </p:attrNameLst>
+                                      </p:cBhvr>
+                                      <p:tavLst>
+                                        <p:tav tm="0">
+                                          <p:val>
+                                            <p:fltVal val="0"/>
+                                          </p:val>
+                                        </p:tav>
+                                        <p:tav tm="100000">
+                                          <p:val>
+                                            <p:strVal val="#ppt_w"/>
+                                          </p:val>
+                                        </p:tav>
+                                      </p:tavLst>
+                                    </p:anim>
+                                    <p:anim calcmode="lin" valueType="num">
+                                      <p:cBhvr>
+                                        <p:cTn id="15" dur="500" fill="hold"/>
+                                        <p:tgtEl>
+                                          <p:spTgt spid="8">
+                                            <p:txEl>
+                                              <p:pRg st="1" end="1"/>
+                                            </p:txEl>
+                                          </p:spTgt>
+                                        </p:tgtEl>
+                                        <p:attrNameLst>
+                                          <p:attrName>ppt_h</p:attrName>
+                                        </p:attrNameLst>
+                                      </p:cBhvr>
+                                      <p:tavLst>
+                                        <p:tav tm="0">
+                                          <p:val>
+                                            <p:fltVal val="0"/>
+                                          </p:val>
+                                        </p:tav>
+                                        <p:tav tm="100000">
+                                          <p:val>
+                                            <p:strVal val="#ppt_h"/>
+                                          </p:val>
+                                        </p:tav>
+                                      </p:tavLst>
+                                    </p:anim>
+                                    <p:animEffect transition="in" filter="fade">
+                                      <p:cBhvr>
+                                        <p:cTn id="16" dur="500"/>
+                                        <p:tgtEl>
+                                          <p:spTgt spid="8">
+                                            <p:txEl>
+                                              <p:pRg st="1" end="1"/>
+                                            </p:txEl>
+                                          </p:spTgt>
+                                        </p:tgtEl>
+                                      </p:cBhvr>
+                                    </p:animEffect>
+                                  </p:childTnLst>
+                                </p:cTn>
+                              </p:par>
+                            </p:childTnLst>
+                          </p:cTn>
+                        </p:par>
+                      </p:childTnLst>
+                    </p:cTn>
+                  </p:par>
+                  <p:par>
+                    <p:cTn id="17" fill="hold">
+                      <p:stCondLst>
+                        <p:cond delay="indefinite"/>
+                      </p:stCondLst>
+                      <p:childTnLst>
+                        <p:par>
+                          <p:cTn id="18" fill="hold">
+                            <p:stCondLst>
+                              <p:cond delay="0"/>
+                            </p:stCondLst>
+                            <p:childTnLst>
+                              <p:par>
+                                <p:cTn id="19" presetID="10" presetClass="entr" presetSubtype="0" fill="hold" grpId="0" nodeType="clickEffect">
+                                  <p:stCondLst>
+                                    <p:cond delay="0"/>
+                                  </p:stCondLst>
+                                  <p:childTnLst>
+                                    <p:set>
+                                      <p:cBhvr>
+                                        <p:cTn id="20" dur="1" fill="hold">
+                                          <p:stCondLst>
+                                            <p:cond delay="0"/>
+                                          </p:stCondLst>
+                                        </p:cTn>
+                                        <p:tgtEl>
+                                          <p:spTgt spid="6"/>
+                                        </p:tgtEl>
+                                        <p:attrNameLst>
+                                          <p:attrName>style.visibility</p:attrName>
+                                        </p:attrNameLst>
+                                      </p:cBhvr>
+                                      <p:to>
+                                        <p:strVal val="visible"/>
+                                      </p:to>
+                                    </p:set>
+                                    <p:animEffect transition="in" filter="fade">
+                                      <p:cBhvr>
+                                        <p:cTn id="21" dur="500"/>
+                                        <p:tgtEl>
+                                          <p:spTgt spid="6"/>
+                                        </p:tgtEl>
+                                      </p:cBhvr>
+                                    </p:animEffect>
+                                  </p:childTnLst>
+                                </p:cTn>
+                              </p:par>
+                            </p:childTnLst>
+                          </p:cTn>
+                        </p:par>
+                      </p:childTnLst>
+                    </p:cTn>
+                  </p:par>
+                  <p:par>
+                    <p:cTn id="22" fill="hold">
+                      <p:stCondLst>
+                        <p:cond delay="indefinite"/>
+                      </p:stCondLst>
+                      <p:childTnLst>
+                        <p:par>
+                          <p:cTn id="23" fill="hold">
+                            <p:stCondLst>
+                              <p:cond delay="0"/>
+                            </p:stCondLst>
+                            <p:childTnLst>
+                              <p:par>
+                                <p:cTn id="24" presetID="10" presetClass="entr" presetSubtype="0" fill="hold" grpId="0" nodeType="clickEffect">
+                                  <p:stCondLst>
+                                    <p:cond delay="0"/>
+                                  </p:stCondLst>
+                                  <p:childTnLst>
+                                    <p:set>
+                                      <p:cBhvr>
+                                        <p:cTn id="25" dur="1" fill="hold">
+                                          <p:stCondLst>
+                                            <p:cond delay="0"/>
+                                          </p:stCondLst>
+                                        </p:cTn>
+                                        <p:tgtEl>
+                                          <p:spTgt spid="7"/>
+                                        </p:tgtEl>
+                                        <p:attrNameLst>
+                                          <p:attrName>style.visibility</p:attrName>
+                                        </p:attrNameLst>
+                                      </p:cBhvr>
+                                      <p:to>
+                                        <p:strVal val="visible"/>
+                                      </p:to>
+                                    </p:set>
+                                    <p:animEffect transition="in" filter="fade">
+                                      <p:cBhvr>
+                                        <p:cTn id="26" dur="500"/>
+                                        <p:tgtEl>
+                                          <p:spTgt spid="7"/>
+                                        </p:tgtEl>
+                                      </p:cBhvr>
+                                    </p:animEffect>
+                                  </p:childTnLst>
+                                </p:cTn>
+                              </p:par>
+                            </p:childTnLst>
+                          </p:cTn>
+                        </p:par>
+                      </p:childTnLst>
+                    </p:cTn>
+                  </p:par>
+                </p:childTnLst>
+              </p:cTn>
+              <p:prevCondLst>
+                <p:cond evt="onPrev" delay="0">
+                  <p:tgtEl>
+                    <p:sldTgt/>
+                  </p:tgtEl>
+                </p:cond>
+              </p:prevCondLst>
+              <p:nextCondLst>
+                <p:cond evt="onNext" delay="0">
+                  <p:tgtEl>
+                    <p:sldTgt/>
+                  </p:tgtEl>
+                </p:cond>
+              </p:nextCondLst>
+            </p:seq>
+          </p:childTnLst>
+        </p:cTn>
+      </p:par>
+    </p:tnLst>
+    <p:bldLst>
+      <p:bldP spid="8" grpId="0" build="p"/>
+      <p:bldP spid="6" grpId="0"/>
+      <p:bldP spid="7" grpId="0"/>
+    </p:bldLst>
+  </p:timing>
+</p:sld>
+</file>
+
+<file path=ppt/slides/slide23.xml><?xml version="1.0" encoding="utf-8"?>
+<p:sld xmlns:a="http://schemas.openxmlformats.org/drawingml/2006/main" xmlns:r="http://schemas.openxmlformats.org/officeDocument/2006/relationships" xmlns:p="http://schemas.openxmlformats.org/presentationml/2006/main">
+  <p:cSld>
+    <p:spTree>
+      <p:nvGrpSpPr>
+        <p:cNvPr id="1" name=""/>
+        <p:cNvGrpSpPr/>
+        <p:nvPr/>
+      </p:nvGrpSpPr>
+      <p:grpSpPr>
+        <a:xfrm>
+          <a:off x="0" y="0"/>
+          <a:ext cx="0" cy="0"/>
+          <a:chOff x="0" y="0"/>
+          <a:chExt cx="0" cy="0"/>
+        </a:xfrm>
+      </p:grpSpPr>
+      <p:sp>
+        <p:nvSpPr>
+          <p:cNvPr id="8" name="Espaço Reservado para Texto 7"/>
+          <p:cNvSpPr>
+            <a:spLocks noGrp="1"/>
+          </p:cNvSpPr>
+          <p:nvPr>
+            <p:ph type="body" idx="1"/>
+          </p:nvPr>
+        </p:nvSpPr>
+        <p:spPr>
+          <a:xfrm>
+            <a:off x="642910" y="0"/>
+            <a:ext cx="7772400" cy="1500187"/>
+          </a:xfrm>
+        </p:spPr>
+        <p:txBody>
+          <a:bodyPr>
+            <a:normAutofit/>
+          </a:bodyPr>
+          <a:lstStyle/>
+          <a:p>
+            <a:r>
+              <a:rPr lang="pt-BR" sz="2400" dirty="0" smtClean="0"/>
+              <a:t>Linguagens e ferramentas para desenvolvimento de aplicações para dispositivos móveis</a:t>
+            </a:r>
+          </a:p>
+          <a:p>
+            <a:r>
+              <a:rPr lang="pt-BR" sz="2400" b="1" dirty="0" smtClean="0"/>
+              <a:t>Ferramentas</a:t>
+            </a:r>
+            <a:endParaRPr lang="pt-BR" sz="2400" b="1" dirty="0"/>
+          </a:p>
+        </p:txBody>
+      </p:sp>
+      <p:sp>
+        <p:nvSpPr>
+          <p:cNvPr id="6" name="CaixaDeTexto 5"/>
+          <p:cNvSpPr txBox="1"/>
+          <p:nvPr/>
+        </p:nvSpPr>
+        <p:spPr>
+          <a:xfrm>
+            <a:off x="642910" y="1772816"/>
+            <a:ext cx="7515718" cy="1200329"/>
+          </a:xfrm>
+          <a:prstGeom prst="rect">
+            <a:avLst/>
+          </a:prstGeom>
+          <a:noFill/>
+        </p:spPr>
+        <p:txBody>
+          <a:bodyPr wrap="square" rtlCol="0">
+            <a:spAutoFit/>
+          </a:bodyPr>
+          <a:lstStyle/>
+          <a:p>
+            <a:r>
+              <a:rPr lang="pt-BR" b="1" dirty="0"/>
+              <a:t>Motorola </a:t>
+            </a:r>
+            <a:r>
+              <a:rPr lang="pt-BR" b="1" dirty="0" err="1"/>
+              <a:t>Rhomobile</a:t>
+            </a:r>
+            <a:endParaRPr lang="pt-BR" b="1" dirty="0"/>
+          </a:p>
+          <a:p>
+            <a:pPr marL="285750" indent="-285750" algn="just">
+              <a:buFont typeface="Arial" panose="020B0604020202020204" pitchFamily="34" charset="0"/>
+              <a:buChar char="•"/>
+            </a:pPr>
+            <a:r>
+              <a:rPr lang="pt-BR" dirty="0"/>
+              <a:t>Essa opção foi desenvolvida em </a:t>
+            </a:r>
+            <a:r>
+              <a:rPr lang="pt-BR" dirty="0" err="1"/>
+              <a:t>Ruby</a:t>
+            </a:r>
+            <a:r>
+              <a:rPr lang="pt-BR" dirty="0"/>
+              <a:t> e é uma IDE para desenvolvimento </a:t>
+            </a:r>
+            <a:r>
+              <a:rPr lang="pt-BR" dirty="0" err="1"/>
+              <a:t>multiplataforma</a:t>
+            </a:r>
+            <a:r>
+              <a:rPr lang="pt-BR" dirty="0"/>
+              <a:t> compatível com a Windows Mobile, </a:t>
+            </a:r>
+            <a:r>
+              <a:rPr lang="pt-BR" dirty="0" err="1"/>
+              <a:t>Symbian</a:t>
+            </a:r>
+            <a:r>
+              <a:rPr lang="pt-BR" dirty="0"/>
+              <a:t>, </a:t>
+            </a:r>
+            <a:r>
+              <a:rPr lang="pt-BR" dirty="0" err="1"/>
+              <a:t>Android</a:t>
+            </a:r>
+            <a:r>
+              <a:rPr lang="pt-BR" dirty="0"/>
+              <a:t>, </a:t>
+            </a:r>
+            <a:r>
+              <a:rPr lang="pt-BR" dirty="0" err="1"/>
+              <a:t>iOS</a:t>
+            </a:r>
+            <a:r>
+              <a:rPr lang="pt-BR" dirty="0"/>
+              <a:t> e RIM</a:t>
+            </a:r>
+            <a:r>
+              <a:rPr lang="pt-BR" dirty="0" smtClean="0"/>
+              <a:t>.</a:t>
+            </a:r>
+            <a:endParaRPr lang="pt-BR" dirty="0"/>
+          </a:p>
+        </p:txBody>
+      </p:sp>
+      <p:sp>
+        <p:nvSpPr>
+          <p:cNvPr id="7" name="CaixaDeTexto 6"/>
+          <p:cNvSpPr txBox="1"/>
+          <p:nvPr/>
+        </p:nvSpPr>
+        <p:spPr>
+          <a:xfrm>
+            <a:off x="671234" y="3799242"/>
+            <a:ext cx="7515718" cy="1477328"/>
+          </a:xfrm>
+          <a:prstGeom prst="rect">
+            <a:avLst/>
+          </a:prstGeom>
+          <a:noFill/>
+        </p:spPr>
+        <p:txBody>
+          <a:bodyPr wrap="square" rtlCol="0">
+            <a:spAutoFit/>
+          </a:bodyPr>
+          <a:lstStyle/>
+          <a:p>
+            <a:r>
+              <a:rPr lang="pt-BR" b="1" dirty="0"/>
+              <a:t> </a:t>
+            </a:r>
+            <a:r>
+              <a:rPr lang="pt-BR" b="1" dirty="0" err="1"/>
+              <a:t>Whoop</a:t>
+            </a:r>
+            <a:endParaRPr lang="pt-BR" b="1" dirty="0"/>
+          </a:p>
+          <a:p>
+            <a:pPr marL="285750" indent="-285750" algn="just">
+              <a:buFont typeface="Arial" panose="020B0604020202020204" pitchFamily="34" charset="0"/>
+              <a:buChar char="•"/>
+            </a:pPr>
+            <a:r>
+              <a:rPr lang="pt-BR" dirty="0"/>
+              <a:t>O </a:t>
+            </a:r>
+            <a:r>
+              <a:rPr lang="pt-BR" dirty="0" err="1">
+                <a:hlinkClick r:id="rId2"/>
+              </a:rPr>
+              <a:t>Whoop</a:t>
+            </a:r>
+            <a:r>
+              <a:rPr lang="pt-BR" dirty="0"/>
+              <a:t> é conhecido por ser um sistema direcionado a iniciantes e pessoas buscando fazer seus aplicativos de primeira </a:t>
+            </a:r>
+            <a:r>
+              <a:rPr lang="pt-BR" dirty="0" smtClean="0"/>
+              <a:t>viagem</a:t>
+            </a:r>
+            <a:r>
+              <a:rPr lang="pt-BR" dirty="0"/>
+              <a:t>;</a:t>
+            </a:r>
+            <a:endParaRPr lang="pt-BR" dirty="0" smtClean="0"/>
+          </a:p>
+          <a:p>
+            <a:pPr marL="285750" indent="-285750" algn="just">
+              <a:buFont typeface="Arial" panose="020B0604020202020204" pitchFamily="34" charset="0"/>
+              <a:buChar char="•"/>
+            </a:pPr>
+            <a:r>
+              <a:rPr lang="pt-BR" dirty="0" smtClean="0"/>
+              <a:t>É </a:t>
+            </a:r>
+            <a:r>
+              <a:rPr lang="pt-BR" dirty="0"/>
+              <a:t>simples e intuitivo mas não tem tantos recursos quanto os concorrentes.</a:t>
+            </a:r>
+          </a:p>
+        </p:txBody>
+      </p:sp>
+    </p:spTree>
+    <p:extLst>
+      <p:ext uri="{BB962C8B-B14F-4D97-AF65-F5344CB8AC3E}">
+        <p14:creationId xmlns:p14="http://schemas.microsoft.com/office/powerpoint/2010/main" val="2643096923"/>
+      </p:ext>
+    </p:extLst>
+  </p:cSld>
+  <p:clrMapOvr>
+    <a:masterClrMapping/>
+  </p:clrMapOvr>
+  <mc:AlternateContent xmlns:mc="http://schemas.openxmlformats.org/markup-compatibility/2006">
+    <mc:Choice xmlns:p14="http://schemas.microsoft.com/office/powerpoint/2010/main" Requires="p14">
+      <p:transition spd="slow" p14:dur="2000"/>
+    </mc:Choice>
+    <mc:Fallback>
+      <p:transition spd="slow"/>
+    </mc:Fallback>
+  </mc:AlternateContent>
+  <p:timing>
+    <p:tnLst>
+      <p:par>
+        <p:cTn id="1" dur="indefinite" restart="never" nodeType="tmRoot">
+          <p:childTnLst>
+            <p:seq concurrent="1" nextAc="seek">
+              <p:cTn id="2" dur="indefinite" nodeType="mainSeq">
+                <p:childTnLst>
+                  <p:par>
+                    <p:cTn id="3" fill="hold">
+                      <p:stCondLst>
+                        <p:cond delay="indefinite"/>
+                      </p:stCondLst>
+                      <p:childTnLst>
+                        <p:par>
+                          <p:cTn id="4" fill="hold">
+                            <p:stCondLst>
+                              <p:cond delay="0"/>
+                            </p:stCondLst>
+                            <p:childTnLst>
+                              <p:par>
+                                <p:cTn id="5" presetID="53" presetClass="entr" presetSubtype="16" fill="hold" grpId="0" nodeType="clickEffect">
+                                  <p:stCondLst>
+                                    <p:cond delay="0"/>
+                                  </p:stCondLst>
+                                  <p:childTnLst>
+                                    <p:set>
+                                      <p:cBhvr>
+                                        <p:cTn id="6" dur="1" fill="hold">
+                                          <p:stCondLst>
+                                            <p:cond delay="0"/>
+                                          </p:stCondLst>
+                                        </p:cTn>
+                                        <p:tgtEl>
+                                          <p:spTgt spid="8">
+                                            <p:txEl>
+                                              <p:pRg st="0" end="0"/>
+                                            </p:txEl>
+                                          </p:spTgt>
+                                        </p:tgtEl>
+                                        <p:attrNameLst>
+                                          <p:attrName>style.visibility</p:attrName>
+                                        </p:attrNameLst>
+                                      </p:cBhvr>
+                                      <p:to>
+                                        <p:strVal val="visible"/>
+                                      </p:to>
+                                    </p:set>
+                                    <p:anim calcmode="lin" valueType="num">
+                                      <p:cBhvr>
+                                        <p:cTn id="7" dur="500" fill="hold"/>
+                                        <p:tgtEl>
+                                          <p:spTgt spid="8">
+                                            <p:txEl>
+                                              <p:pRg st="0" end="0"/>
+                                            </p:txEl>
+                                          </p:spTgt>
+                                        </p:tgtEl>
+                                        <p:attrNameLst>
+                                          <p:attrName>ppt_w</p:attrName>
+                                        </p:attrNameLst>
+                                      </p:cBhvr>
+                                      <p:tavLst>
+                                        <p:tav tm="0">
+                                          <p:val>
+                                            <p:fltVal val="0"/>
+                                          </p:val>
+                                        </p:tav>
+                                        <p:tav tm="100000">
+                                          <p:val>
+                                            <p:strVal val="#ppt_w"/>
+                                          </p:val>
+                                        </p:tav>
+                                      </p:tavLst>
+                                    </p:anim>
+                                    <p:anim calcmode="lin" valueType="num">
+                                      <p:cBhvr>
+                                        <p:cTn id="8" dur="500" fill="hold"/>
+                                        <p:tgtEl>
+                                          <p:spTgt spid="8">
+                                            <p:txEl>
+                                              <p:pRg st="0" end="0"/>
+                                            </p:txEl>
+                                          </p:spTgt>
+                                        </p:tgtEl>
+                                        <p:attrNameLst>
+                                          <p:attrName>ppt_h</p:attrName>
+                                        </p:attrNameLst>
+                                      </p:cBhvr>
+                                      <p:tavLst>
+                                        <p:tav tm="0">
+                                          <p:val>
+                                            <p:fltVal val="0"/>
+                                          </p:val>
+                                        </p:tav>
+                                        <p:tav tm="100000">
+                                          <p:val>
+                                            <p:strVal val="#ppt_h"/>
+                                          </p:val>
+                                        </p:tav>
+                                      </p:tavLst>
+                                    </p:anim>
+                                    <p:animEffect transition="in" filter="fade">
+                                      <p:cBhvr>
+                                        <p:cTn id="9" dur="500"/>
+                                        <p:tgtEl>
+                                          <p:spTgt spid="8">
+                                            <p:txEl>
+                                              <p:pRg st="0" end="0"/>
+                                            </p:txEl>
+                                          </p:spTgt>
+                                        </p:tgtEl>
+                                      </p:cBhvr>
+                                    </p:animEffect>
+                                  </p:childTnLst>
+                                </p:cTn>
+                              </p:par>
+                            </p:childTnLst>
+                          </p:cTn>
+                        </p:par>
+                      </p:childTnLst>
+                    </p:cTn>
+                  </p:par>
+                  <p:par>
+                    <p:cTn id="10" fill="hold">
+                      <p:stCondLst>
+                        <p:cond delay="indefinite"/>
+                      </p:stCondLst>
+                      <p:childTnLst>
+                        <p:par>
+                          <p:cTn id="11" fill="hold">
+                            <p:stCondLst>
+                              <p:cond delay="0"/>
+                            </p:stCondLst>
+                            <p:childTnLst>
+                              <p:par>
+                                <p:cTn id="12" presetID="53" presetClass="entr" presetSubtype="16" fill="hold" grpId="0" nodeType="clickEffect">
+                                  <p:stCondLst>
+                                    <p:cond delay="0"/>
+                                  </p:stCondLst>
+                                  <p:childTnLst>
+                                    <p:set>
+                                      <p:cBhvr>
+                                        <p:cTn id="13" dur="1" fill="hold">
+                                          <p:stCondLst>
+                                            <p:cond delay="0"/>
+                                          </p:stCondLst>
+                                        </p:cTn>
+                                        <p:tgtEl>
+                                          <p:spTgt spid="8">
+                                            <p:txEl>
+                                              <p:pRg st="1" end="1"/>
+                                            </p:txEl>
+                                          </p:spTgt>
+                                        </p:tgtEl>
+                                        <p:attrNameLst>
+                                          <p:attrName>style.visibility</p:attrName>
+                                        </p:attrNameLst>
+                                      </p:cBhvr>
+                                      <p:to>
+                                        <p:strVal val="visible"/>
+                                      </p:to>
+                                    </p:set>
+                                    <p:anim calcmode="lin" valueType="num">
+                                      <p:cBhvr>
+                                        <p:cTn id="14" dur="500" fill="hold"/>
+                                        <p:tgtEl>
+                                          <p:spTgt spid="8">
+                                            <p:txEl>
+                                              <p:pRg st="1" end="1"/>
+                                            </p:txEl>
+                                          </p:spTgt>
+                                        </p:tgtEl>
+                                        <p:attrNameLst>
+                                          <p:attrName>ppt_w</p:attrName>
+                                        </p:attrNameLst>
+                                      </p:cBhvr>
+                                      <p:tavLst>
+                                        <p:tav tm="0">
+                                          <p:val>
+                                            <p:fltVal val="0"/>
+                                          </p:val>
+                                        </p:tav>
+                                        <p:tav tm="100000">
+                                          <p:val>
+                                            <p:strVal val="#ppt_w"/>
+                                          </p:val>
+                                        </p:tav>
+                                      </p:tavLst>
+                                    </p:anim>
+                                    <p:anim calcmode="lin" valueType="num">
+                                      <p:cBhvr>
+                                        <p:cTn id="15" dur="500" fill="hold"/>
+                                        <p:tgtEl>
+                                          <p:spTgt spid="8">
+                                            <p:txEl>
+                                              <p:pRg st="1" end="1"/>
+                                            </p:txEl>
+                                          </p:spTgt>
+                                        </p:tgtEl>
+                                        <p:attrNameLst>
+                                          <p:attrName>ppt_h</p:attrName>
+                                        </p:attrNameLst>
+                                      </p:cBhvr>
+                                      <p:tavLst>
+                                        <p:tav tm="0">
+                                          <p:val>
+                                            <p:fltVal val="0"/>
+                                          </p:val>
+                                        </p:tav>
+                                        <p:tav tm="100000">
+                                          <p:val>
+                                            <p:strVal val="#ppt_h"/>
+                                          </p:val>
+                                        </p:tav>
+                                      </p:tavLst>
+                                    </p:anim>
+                                    <p:animEffect transition="in" filter="fade">
+                                      <p:cBhvr>
+                                        <p:cTn id="16" dur="500"/>
+                                        <p:tgtEl>
+                                          <p:spTgt spid="8">
+                                            <p:txEl>
+                                              <p:pRg st="1" end="1"/>
+                                            </p:txEl>
+                                          </p:spTgt>
+                                        </p:tgtEl>
+                                      </p:cBhvr>
+                                    </p:animEffect>
+                                  </p:childTnLst>
+                                </p:cTn>
+                              </p:par>
+                            </p:childTnLst>
+                          </p:cTn>
+                        </p:par>
+                      </p:childTnLst>
+                    </p:cTn>
+                  </p:par>
+                  <p:par>
+                    <p:cTn id="17" fill="hold">
+                      <p:stCondLst>
+                        <p:cond delay="indefinite"/>
+                      </p:stCondLst>
+                      <p:childTnLst>
+                        <p:par>
+                          <p:cTn id="18" fill="hold">
+                            <p:stCondLst>
+                              <p:cond delay="0"/>
+                            </p:stCondLst>
+                            <p:childTnLst>
+                              <p:par>
+                                <p:cTn id="19" presetID="10" presetClass="entr" presetSubtype="0" fill="hold" grpId="0" nodeType="clickEffect">
+                                  <p:stCondLst>
+                                    <p:cond delay="0"/>
+                                  </p:stCondLst>
+                                  <p:childTnLst>
+                                    <p:set>
+                                      <p:cBhvr>
+                                        <p:cTn id="20" dur="1" fill="hold">
+                                          <p:stCondLst>
+                                            <p:cond delay="0"/>
+                                          </p:stCondLst>
+                                        </p:cTn>
+                                        <p:tgtEl>
+                                          <p:spTgt spid="6"/>
+                                        </p:tgtEl>
+                                        <p:attrNameLst>
+                                          <p:attrName>style.visibility</p:attrName>
+                                        </p:attrNameLst>
+                                      </p:cBhvr>
+                                      <p:to>
+                                        <p:strVal val="visible"/>
+                                      </p:to>
+                                    </p:set>
+                                    <p:animEffect transition="in" filter="fade">
+                                      <p:cBhvr>
+                                        <p:cTn id="21" dur="500"/>
+                                        <p:tgtEl>
+                                          <p:spTgt spid="6"/>
+                                        </p:tgtEl>
+                                      </p:cBhvr>
+                                    </p:animEffect>
+                                  </p:childTnLst>
+                                </p:cTn>
+                              </p:par>
+                            </p:childTnLst>
+                          </p:cTn>
+                        </p:par>
+                      </p:childTnLst>
+                    </p:cTn>
+                  </p:par>
+                  <p:par>
+                    <p:cTn id="22" fill="hold">
+                      <p:stCondLst>
+                        <p:cond delay="indefinite"/>
+                      </p:stCondLst>
+                      <p:childTnLst>
+                        <p:par>
+                          <p:cTn id="23" fill="hold">
+                            <p:stCondLst>
+                              <p:cond delay="0"/>
+                            </p:stCondLst>
+                            <p:childTnLst>
+                              <p:par>
+                                <p:cTn id="24" presetID="10" presetClass="entr" presetSubtype="0" fill="hold" grpId="0" nodeType="clickEffect">
+                                  <p:stCondLst>
+                                    <p:cond delay="0"/>
+                                  </p:stCondLst>
+                                  <p:childTnLst>
+                                    <p:set>
+                                      <p:cBhvr>
+                                        <p:cTn id="25" dur="1" fill="hold">
+                                          <p:stCondLst>
+                                            <p:cond delay="0"/>
+                                          </p:stCondLst>
+                                        </p:cTn>
+                                        <p:tgtEl>
+                                          <p:spTgt spid="7"/>
+                                        </p:tgtEl>
+                                        <p:attrNameLst>
+                                          <p:attrName>style.visibility</p:attrName>
+                                        </p:attrNameLst>
+                                      </p:cBhvr>
+                                      <p:to>
+                                        <p:strVal val="visible"/>
+                                      </p:to>
+                                    </p:set>
+                                    <p:animEffect transition="in" filter="fade">
+                                      <p:cBhvr>
+                                        <p:cTn id="26" dur="500"/>
+                                        <p:tgtEl>
+                                          <p:spTgt spid="7"/>
+                                        </p:tgtEl>
+                                      </p:cBhvr>
+                                    </p:animEffect>
+                                  </p:childTnLst>
+                                </p:cTn>
+                              </p:par>
+                            </p:childTnLst>
+                          </p:cTn>
+                        </p:par>
+                      </p:childTnLst>
+                    </p:cTn>
+                  </p:par>
+                </p:childTnLst>
+              </p:cTn>
+              <p:prevCondLst>
+                <p:cond evt="onPrev" delay="0">
+                  <p:tgtEl>
+                    <p:sldTgt/>
+                  </p:tgtEl>
+                </p:cond>
+              </p:prevCondLst>
+              <p:nextCondLst>
+                <p:cond evt="onNext" delay="0">
+                  <p:tgtEl>
+                    <p:sldTgt/>
+                  </p:tgtEl>
+                </p:cond>
+              </p:nextCondLst>
+            </p:seq>
+          </p:childTnLst>
+        </p:cTn>
+      </p:par>
+    </p:tnLst>
+    <p:bldLst>
+      <p:bldP spid="8" grpId="0" build="p"/>
+      <p:bldP spid="6" grpId="0"/>
+      <p:bldP spid="7" grpId="0"/>
+    </p:bldLst>
+  </p:timing>
+</p:sld>
+</file>
+
+<file path=ppt/slides/slide24.xml><?xml version="1.0" encoding="utf-8"?>
+<p:sld xmlns:a="http://schemas.openxmlformats.org/drawingml/2006/main" xmlns:r="http://schemas.openxmlformats.org/officeDocument/2006/relationships" xmlns:p="http://schemas.openxmlformats.org/presentationml/2006/main">
+  <p:cSld>
+    <p:spTree>
+      <p:nvGrpSpPr>
+        <p:cNvPr id="1" name=""/>
+        <p:cNvGrpSpPr/>
+        <p:nvPr/>
+      </p:nvGrpSpPr>
+      <p:grpSpPr>
+        <a:xfrm>
+          <a:off x="0" y="0"/>
+          <a:ext cx="0" cy="0"/>
+          <a:chOff x="0" y="0"/>
+          <a:chExt cx="0" cy="0"/>
+        </a:xfrm>
+      </p:grpSpPr>
+      <p:sp>
+        <p:nvSpPr>
+          <p:cNvPr id="7" name="Título 6"/>
+          <p:cNvSpPr>
+            <a:spLocks noGrp="1"/>
+          </p:cNvSpPr>
+          <p:nvPr>
+            <p:ph type="title"/>
+          </p:nvPr>
+        </p:nvSpPr>
+        <p:spPr>
+          <a:xfrm>
+            <a:off x="722312" y="1500174"/>
+            <a:ext cx="8207405" cy="5143536"/>
+          </a:xfrm>
+        </p:spPr>
+        <p:txBody>
+          <a:bodyPr/>
+          <a:lstStyle/>
+          <a:p>
+            <a:r>
+              <a:rPr lang="pt-BR" sz="1600" dirty="0">
+                <a:latin typeface="Tahoma" pitchFamily="34" charset="0"/>
+                <a:ea typeface="Tahoma" pitchFamily="34" charset="0"/>
+                <a:cs typeface="Tahoma" pitchFamily="34" charset="0"/>
+              </a:rPr>
+              <a:t> </a:t>
+            </a:r>
+            <a:br>
+              <a:rPr lang="pt-BR" sz="1600" dirty="0">
+                <a:latin typeface="Tahoma" pitchFamily="34" charset="0"/>
+                <a:ea typeface="Tahoma" pitchFamily="34" charset="0"/>
+                <a:cs typeface="Tahoma" pitchFamily="34" charset="0"/>
+              </a:rPr>
+            </a:br>
+            <a:r>
+              <a:rPr lang="pt-BR" sz="1600" dirty="0" smtClean="0">
+                <a:latin typeface="Tahoma" pitchFamily="34" charset="0"/>
+                <a:ea typeface="Tahoma" pitchFamily="34" charset="0"/>
+                <a:cs typeface="Tahoma" pitchFamily="34" charset="0"/>
+              </a:rPr>
+              <a:t>DARCEY, Lauren. CONDER, </a:t>
+            </a:r>
+            <a:r>
+              <a:rPr lang="pt-BR" sz="1600" dirty="0" err="1" smtClean="0">
+                <a:latin typeface="Tahoma" pitchFamily="34" charset="0"/>
+                <a:ea typeface="Tahoma" pitchFamily="34" charset="0"/>
+                <a:cs typeface="Tahoma" pitchFamily="34" charset="0"/>
+              </a:rPr>
+              <a:t>Shane</a:t>
+            </a:r>
+            <a:r>
+              <a:rPr lang="pt-BR" sz="1600" dirty="0" smtClean="0">
+                <a:latin typeface="Tahoma" pitchFamily="34" charset="0"/>
+                <a:ea typeface="Tahoma" pitchFamily="34" charset="0"/>
+                <a:cs typeface="Tahoma" pitchFamily="34" charset="0"/>
+              </a:rPr>
+              <a:t>. </a:t>
+            </a:r>
+            <a:r>
+              <a:rPr lang="pt-BR" sz="1600" b="1" dirty="0" smtClean="0">
+                <a:latin typeface="Tahoma" pitchFamily="34" charset="0"/>
+                <a:ea typeface="Tahoma" pitchFamily="34" charset="0"/>
+                <a:cs typeface="Tahoma" pitchFamily="34" charset="0"/>
+              </a:rPr>
+              <a:t>Desenvolvimento de Aplicativos Wireless para </a:t>
+            </a:r>
+            <a:r>
+              <a:rPr lang="pt-BR" sz="1600" b="1" dirty="0" err="1" smtClean="0">
+                <a:latin typeface="Tahoma" pitchFamily="34" charset="0"/>
+                <a:ea typeface="Tahoma" pitchFamily="34" charset="0"/>
+                <a:cs typeface="Tahoma" pitchFamily="34" charset="0"/>
+              </a:rPr>
+              <a:t>Android</a:t>
+            </a:r>
+            <a:r>
+              <a:rPr lang="pt-BR" sz="1600" b="1" dirty="0" smtClean="0">
+                <a:latin typeface="Tahoma" pitchFamily="34" charset="0"/>
+                <a:ea typeface="Tahoma" pitchFamily="34" charset="0"/>
+                <a:cs typeface="Tahoma" pitchFamily="34" charset="0"/>
+              </a:rPr>
+              <a:t>. </a:t>
+            </a:r>
+            <a:r>
+              <a:rPr lang="pt-BR" sz="1600" dirty="0" smtClean="0">
+                <a:latin typeface="Tahoma" pitchFamily="34" charset="0"/>
+                <a:ea typeface="Tahoma" pitchFamily="34" charset="0"/>
+                <a:cs typeface="Tahoma" pitchFamily="34" charset="0"/>
+              </a:rPr>
+              <a:t>Rio de janeiro: Moderna, 2012</a:t>
+            </a:r>
+            <a:br>
+              <a:rPr lang="pt-BR" sz="1600" dirty="0" smtClean="0">
+                <a:latin typeface="Tahoma" pitchFamily="34" charset="0"/>
+                <a:ea typeface="Tahoma" pitchFamily="34" charset="0"/>
+                <a:cs typeface="Tahoma" pitchFamily="34" charset="0"/>
+              </a:rPr>
+            </a:br>
+            <a:r>
+              <a:rPr lang="pt-BR" sz="1600" dirty="0" smtClean="0">
+                <a:latin typeface="Tahoma" pitchFamily="34" charset="0"/>
+                <a:ea typeface="Tahoma" pitchFamily="34" charset="0"/>
+                <a:cs typeface="Tahoma" pitchFamily="34" charset="0"/>
+              </a:rPr>
+              <a:t/>
+            </a:r>
+            <a:br>
+              <a:rPr lang="pt-BR" sz="1600" dirty="0" smtClean="0">
+                <a:latin typeface="Tahoma" pitchFamily="34" charset="0"/>
+                <a:ea typeface="Tahoma" pitchFamily="34" charset="0"/>
+                <a:cs typeface="Tahoma" pitchFamily="34" charset="0"/>
+              </a:rPr>
+            </a:br>
+            <a:r>
+              <a:rPr lang="pt-BR" sz="1600" dirty="0" smtClean="0">
+                <a:latin typeface="Tahoma" pitchFamily="34" charset="0"/>
+                <a:ea typeface="Tahoma" pitchFamily="34" charset="0"/>
+                <a:cs typeface="Tahoma" pitchFamily="34" charset="0"/>
+              </a:rPr>
+              <a:t>TAURION, Cezar. </a:t>
+            </a:r>
+            <a:r>
+              <a:rPr lang="pt-BR" sz="1600" b="1" dirty="0" smtClean="0">
+                <a:latin typeface="Tahoma" pitchFamily="34" charset="0"/>
+                <a:ea typeface="Tahoma" pitchFamily="34" charset="0"/>
+                <a:cs typeface="Tahoma" pitchFamily="34" charset="0"/>
+              </a:rPr>
+              <a:t>Software embarcado: oportunidades e potencial de mercado. </a:t>
+            </a:r>
+            <a:r>
+              <a:rPr lang="pt-BR" sz="1600" dirty="0" smtClean="0">
+                <a:latin typeface="Tahoma" pitchFamily="34" charset="0"/>
+                <a:ea typeface="Tahoma" pitchFamily="34" charset="0"/>
+                <a:cs typeface="Tahoma" pitchFamily="34" charset="0"/>
+              </a:rPr>
+              <a:t>Rio de Janeiro: </a:t>
+            </a:r>
+            <a:r>
+              <a:rPr lang="pt-BR" sz="1600" dirty="0" err="1" smtClean="0">
+                <a:latin typeface="Tahoma" pitchFamily="34" charset="0"/>
+                <a:ea typeface="Tahoma" pitchFamily="34" charset="0"/>
+                <a:cs typeface="Tahoma" pitchFamily="34" charset="0"/>
+              </a:rPr>
+              <a:t>Brasport</a:t>
+            </a:r>
+            <a:r>
+              <a:rPr lang="pt-BR" sz="1600" dirty="0" smtClean="0">
+                <a:latin typeface="Tahoma" pitchFamily="34" charset="0"/>
+                <a:ea typeface="Tahoma" pitchFamily="34" charset="0"/>
+                <a:cs typeface="Tahoma" pitchFamily="34" charset="0"/>
+              </a:rPr>
+              <a:t>, 2005.</a:t>
+            </a:r>
+            <a:br>
+              <a:rPr lang="pt-BR" sz="1600" dirty="0" smtClean="0">
+                <a:latin typeface="Tahoma" pitchFamily="34" charset="0"/>
+                <a:ea typeface="Tahoma" pitchFamily="34" charset="0"/>
+                <a:cs typeface="Tahoma" pitchFamily="34" charset="0"/>
+              </a:rPr>
+            </a:br>
+            <a:r>
+              <a:rPr lang="pt-BR" sz="1600" dirty="0">
+                <a:latin typeface="Tahoma" pitchFamily="34" charset="0"/>
+                <a:ea typeface="Tahoma" pitchFamily="34" charset="0"/>
+                <a:cs typeface="Tahoma" pitchFamily="34" charset="0"/>
+              </a:rPr>
+              <a:t> </a:t>
+            </a:r>
+            <a:r>
+              <a:rPr lang="pt-BR" sz="1600" dirty="0">
+                <a:latin typeface="Tahoma" pitchFamily="34" charset="0"/>
+                <a:ea typeface="Tahoma" pitchFamily="34" charset="0"/>
+                <a:cs typeface="Tahoma" pitchFamily="34" charset="0"/>
+              </a:rPr>
+              <a:t/>
+            </a:r>
+            <a:br>
+              <a:rPr lang="pt-BR" sz="1600" dirty="0">
+                <a:latin typeface="Tahoma" pitchFamily="34" charset="0"/>
+                <a:ea typeface="Tahoma" pitchFamily="34" charset="0"/>
+                <a:cs typeface="Tahoma" pitchFamily="34" charset="0"/>
+              </a:rPr>
+            </a:br>
+            <a:r>
+              <a:rPr lang="pt-BR" sz="1400" dirty="0" smtClean="0">
+                <a:latin typeface="Tahoma" pitchFamily="34" charset="0"/>
+                <a:ea typeface="Tahoma" pitchFamily="34" charset="0"/>
+                <a:cs typeface="Tahoma" pitchFamily="34" charset="0"/>
+              </a:rPr>
+              <a:t>embarcados.com.br</a:t>
+            </a:r>
+            <a:r>
+              <a:rPr lang="pt-BR" sz="1400" u="sng" dirty="0" smtClean="0">
+                <a:latin typeface="Tahoma" pitchFamily="34" charset="0"/>
+                <a:ea typeface="Tahoma" pitchFamily="34" charset="0"/>
+                <a:cs typeface="Tahoma" pitchFamily="34" charset="0"/>
+              </a:rPr>
+              <a:t/>
+            </a:r>
+            <a:br>
+              <a:rPr lang="pt-BR" sz="1400" u="sng" dirty="0" smtClean="0">
+                <a:latin typeface="Tahoma" pitchFamily="34" charset="0"/>
+                <a:ea typeface="Tahoma" pitchFamily="34" charset="0"/>
+                <a:cs typeface="Tahoma" pitchFamily="34" charset="0"/>
+              </a:rPr>
+            </a:br>
+            <a:r>
+              <a:rPr lang="pt-BR" sz="1400" dirty="0" smtClean="0">
+                <a:latin typeface="Tahoma" pitchFamily="34" charset="0"/>
+                <a:ea typeface="Tahoma" pitchFamily="34" charset="0"/>
+                <a:cs typeface="Tahoma" pitchFamily="34" charset="0"/>
+              </a:rPr>
+              <a:t>usemobile.com.br</a:t>
+            </a:r>
+            <a:r>
+              <a:rPr lang="pt-BR" sz="1400" u="sng" dirty="0" smtClean="0">
+                <a:latin typeface="Tahoma" pitchFamily="34" charset="0"/>
+                <a:ea typeface="Tahoma" pitchFamily="34" charset="0"/>
+                <a:cs typeface="Tahoma" pitchFamily="34" charset="0"/>
+              </a:rPr>
+              <a:t/>
+            </a:r>
+            <a:br>
+              <a:rPr lang="pt-BR" sz="1400" u="sng" dirty="0" smtClean="0">
+                <a:latin typeface="Tahoma" pitchFamily="34" charset="0"/>
+                <a:ea typeface="Tahoma" pitchFamily="34" charset="0"/>
+                <a:cs typeface="Tahoma" pitchFamily="34" charset="0"/>
+              </a:rPr>
+            </a:br>
+            <a:r>
+              <a:rPr lang="pt-BR" sz="1400" dirty="0" smtClean="0">
+                <a:latin typeface="Tahoma" pitchFamily="34" charset="0"/>
+                <a:ea typeface="Tahoma" pitchFamily="34" charset="0"/>
+                <a:cs typeface="Tahoma" pitchFamily="34" charset="0"/>
+              </a:rPr>
+              <a:t>gaea.com.br</a:t>
+            </a:r>
+            <a:br>
+              <a:rPr lang="pt-BR" sz="1400" dirty="0" smtClean="0">
+                <a:latin typeface="Tahoma" pitchFamily="34" charset="0"/>
+                <a:ea typeface="Tahoma" pitchFamily="34" charset="0"/>
+                <a:cs typeface="Tahoma" pitchFamily="34" charset="0"/>
+              </a:rPr>
+            </a:br>
+            <a:r>
+              <a:rPr lang="pt-BR" sz="1400" dirty="0" smtClean="0">
+                <a:latin typeface="Tahoma" pitchFamily="34" charset="0"/>
+                <a:ea typeface="Tahoma" pitchFamily="34" charset="0"/>
+                <a:cs typeface="Tahoma" pitchFamily="34" charset="0"/>
+              </a:rPr>
+              <a:t>blog.cronapp.io</a:t>
+            </a:r>
+            <a:br>
+              <a:rPr lang="pt-BR" sz="1400" dirty="0" smtClean="0">
+                <a:latin typeface="Tahoma" pitchFamily="34" charset="0"/>
+                <a:ea typeface="Tahoma" pitchFamily="34" charset="0"/>
+                <a:cs typeface="Tahoma" pitchFamily="34" charset="0"/>
+              </a:rPr>
+            </a:br>
+            <a:r>
+              <a:rPr lang="pt-BR" sz="1400" dirty="0" smtClean="0">
+                <a:latin typeface="Tahoma" pitchFamily="34" charset="0"/>
+                <a:ea typeface="Tahoma" pitchFamily="34" charset="0"/>
+                <a:cs typeface="Tahoma" pitchFamily="34" charset="0"/>
+              </a:rPr>
+              <a:t>escolabrasileiradegames.com.br</a:t>
+            </a:r>
+            <a:r>
+              <a:rPr lang="pt-BR" sz="1600" b="0" dirty="0" smtClean="0">
+                <a:latin typeface="Tahoma" pitchFamily="34" charset="0"/>
+                <a:ea typeface="Tahoma" pitchFamily="34" charset="0"/>
+                <a:cs typeface="Tahoma" pitchFamily="34" charset="0"/>
+              </a:rPr>
+              <a:t/>
+            </a:r>
+            <a:br>
+              <a:rPr lang="pt-BR" sz="1600" b="0" dirty="0" smtClean="0">
+                <a:latin typeface="Tahoma" pitchFamily="34" charset="0"/>
+                <a:ea typeface="Tahoma" pitchFamily="34" charset="0"/>
+                <a:cs typeface="Tahoma" pitchFamily="34" charset="0"/>
+              </a:rPr>
+            </a:br>
+            <a:r>
+              <a:rPr lang="pt-BR" sz="1600" b="0" dirty="0" smtClean="0">
+                <a:latin typeface="Tahoma" pitchFamily="34" charset="0"/>
+                <a:ea typeface="Tahoma" pitchFamily="34" charset="0"/>
+                <a:cs typeface="Tahoma" pitchFamily="34" charset="0"/>
+              </a:rPr>
+              <a:t>		</a:t>
+            </a:r>
+            <a:r>
+              <a:rPr lang="pt-BR" sz="1800" b="0" dirty="0" smtClean="0">
+                <a:latin typeface="Tahoma" pitchFamily="34" charset="0"/>
+                <a:ea typeface="Tahoma" pitchFamily="34" charset="0"/>
+                <a:cs typeface="Tahoma" pitchFamily="34" charset="0"/>
+              </a:rPr>
+              <a:t>	</a:t>
+            </a:r>
+            <a:endParaRPr lang="pt-BR" sz="1800" b="0" dirty="0">
+              <a:latin typeface="Tahoma" pitchFamily="34" charset="0"/>
+              <a:ea typeface="Tahoma" pitchFamily="34" charset="0"/>
+              <a:cs typeface="Tahoma" pitchFamily="34" charset="0"/>
+            </a:endParaRPr>
+          </a:p>
+        </p:txBody>
+      </p:sp>
+      <p:sp>
+        <p:nvSpPr>
+          <p:cNvPr id="4" name="Rectangle 2"/>
+          <p:cNvSpPr>
+            <a:spLocks noGrp="1" noChangeArrowheads="1"/>
+          </p:cNvSpPr>
+          <p:nvPr>
+            <p:ph type="body" idx="1"/>
+          </p:nvPr>
+        </p:nvSpPr>
+        <p:spPr>
+          <a:xfrm>
+            <a:off x="642938" y="0"/>
+            <a:ext cx="7772400" cy="1500188"/>
+          </a:xfrm>
+          <a:solidFill>
+            <a:schemeClr val="bg1"/>
+          </a:solidFill>
+        </p:spPr>
+        <p:txBody>
+          <a:bodyPr/>
+          <a:lstStyle/>
+          <a:p>
+            <a:r>
+              <a:rPr lang="en-US" sz="4400" b="1" dirty="0" smtClean="0">
+                <a:solidFill>
+                  <a:schemeClr val="hlink"/>
+                </a:solidFill>
+                <a:latin typeface="Tahoma" pitchFamily="34" charset="0"/>
+                <a:ea typeface="Tahoma" pitchFamily="34" charset="0"/>
+                <a:cs typeface="Tahoma" pitchFamily="34" charset="0"/>
+              </a:rPr>
+              <a:t>REFERÊNCIAS</a:t>
+            </a:r>
+            <a:endParaRPr lang="pt-PT" sz="4400" b="1" dirty="0">
+              <a:solidFill>
+                <a:schemeClr val="hlink"/>
+              </a:solidFill>
+              <a:latin typeface="Tahoma" pitchFamily="34" charset="0"/>
+              <a:ea typeface="Tahoma" pitchFamily="34" charset="0"/>
+              <a:cs typeface="Tahoma" pitchFamily="34" charset="0"/>
+            </a:endParaRPr>
+          </a:p>
+        </p:txBody>
+      </p:sp>
+    </p:spTree>
+    <p:extLst>
+      <p:ext uri="{BB962C8B-B14F-4D97-AF65-F5344CB8AC3E}">
+        <p14:creationId xmlns:p14="http://schemas.microsoft.com/office/powerpoint/2010/main" val="1425152551"/>
+      </p:ext>
+    </p:extLst>
+  </p:cSld>
+  <p:clrMapOvr>
+    <a:masterClrMapping/>
+  </p:clrMapOvr>
+  <mc:AlternateContent xmlns:mc="http://schemas.openxmlformats.org/markup-compatibility/2006" xmlns:p14="http://schemas.microsoft.com/office/powerpoint/2010/main">
+    <mc:Choice Requires="p14">
+      <p:transition spd="slow" p14:dur="2000"/>
+    </mc:Choice>
+    <mc:Fallback xmlns="">
+      <p:transition spd="slow"/>
+    </mc:Fallback>
+  </mc:AlternateContent>
+  <p:timing>
+    <p:tnLst>
+      <p:par>
+        <p:cTn id="1" dur="indefinite" restart="never" nodeType="tmRoot"/>
+      </p:par>
+    </p:tnLst>
+  </p:timing>
+</p:sld>
+</file>
+
 <file path=ppt/slides/slide3.xml><?xml version="1.0" encoding="utf-8"?>
 <p:sld xmlns:a="http://schemas.openxmlformats.org/drawingml/2006/main" xmlns:r="http://schemas.openxmlformats.org/officeDocument/2006/relationships" xmlns:p="http://schemas.openxmlformats.org/presentationml/2006/main">
   <p:cSld>
@@ -10439,7 +18768,7 @@
           <a:graphicData uri="http://schemas.openxmlformats.org/presentationml/2006/ole">
             <mc:AlternateContent xmlns:mc="http://schemas.openxmlformats.org/markup-compatibility/2006">
               <mc:Choice xmlns:v="urn:schemas-microsoft-com:vml" Requires="v">
-                <p:oleObj spid="_x0000_s1037" name="Documento" r:id="rId3" imgW="9427761" imgH="8125884" progId="Word.Document.12">
+                <p:oleObj spid="_x0000_s1094" name="Documento" r:id="rId3" imgW="9427761" imgH="8125884" progId="Word.Document.12">
                   <p:embed/>
                 </p:oleObj>
               </mc:Choice>
